--- a/Java SE 8 Teaching Material/Chapter 6 - Working with Java Operators.pptx
+++ b/Java SE 8 Teaching Material/Chapter 6 - Working with Java Operators.pptx
@@ -7,6 +7,7 @@
   <p:sldIdLst>
     <p:sldId id="256" r:id="rId2"/>
     <p:sldId id="258" r:id="rId3"/>
+    <p:sldId id="259" r:id="rId4"/>
   </p:sldIdLst>
   <p:sldSz cx="12192000" cy="6858000"/>
   <p:notesSz cx="6858000" cy="9144000"/>
@@ -112,6 +113,7 @@
           <p14:sldIdLst>
             <p14:sldId id="256"/>
             <p14:sldId id="258"/>
+            <p14:sldId id="259"/>
           </p14:sldIdLst>
         </p14:section>
       </p14:sectionLst>
@@ -1654,7 +1656,7 @@
           <a:p>
             <a:fld id="{BAA8DE05-51EE-4692-B197-877FA1DAAAED}" type="datetimeFigureOut">
               <a:rPr lang="en-US" smtClean="0"/>
-              <a:t>8/20/24</a:t>
+              <a:t>8/21/24</a:t>
             </a:fld>
             <a:endParaRPr lang="en-US"/>
           </a:p>
@@ -1852,7 +1854,7 @@
           <a:p>
             <a:fld id="{BAA8DE05-51EE-4692-B197-877FA1DAAAED}" type="datetimeFigureOut">
               <a:rPr lang="en-US" smtClean="0"/>
-              <a:t>8/20/24</a:t>
+              <a:t>8/21/24</a:t>
             </a:fld>
             <a:endParaRPr lang="en-US"/>
           </a:p>
@@ -2060,7 +2062,7 @@
           <a:p>
             <a:fld id="{BAA8DE05-51EE-4692-B197-877FA1DAAAED}" type="datetimeFigureOut">
               <a:rPr lang="en-US" smtClean="0"/>
-              <a:t>8/20/24</a:t>
+              <a:t>8/21/24</a:t>
             </a:fld>
             <a:endParaRPr lang="en-US"/>
           </a:p>
@@ -2258,7 +2260,7 @@
           <a:p>
             <a:fld id="{BAA8DE05-51EE-4692-B197-877FA1DAAAED}" type="datetimeFigureOut">
               <a:rPr lang="en-US" smtClean="0"/>
-              <a:t>8/20/24</a:t>
+              <a:t>8/21/24</a:t>
             </a:fld>
             <a:endParaRPr lang="en-US"/>
           </a:p>
@@ -2533,7 +2535,7 @@
           <a:p>
             <a:fld id="{BAA8DE05-51EE-4692-B197-877FA1DAAAED}" type="datetimeFigureOut">
               <a:rPr lang="en-US" smtClean="0"/>
-              <a:t>8/20/24</a:t>
+              <a:t>8/21/24</a:t>
             </a:fld>
             <a:endParaRPr lang="en-US"/>
           </a:p>
@@ -2798,7 +2800,7 @@
           <a:p>
             <a:fld id="{BAA8DE05-51EE-4692-B197-877FA1DAAAED}" type="datetimeFigureOut">
               <a:rPr lang="en-US" smtClean="0"/>
-              <a:t>8/20/24</a:t>
+              <a:t>8/21/24</a:t>
             </a:fld>
             <a:endParaRPr lang="en-US"/>
           </a:p>
@@ -3210,7 +3212,7 @@
           <a:p>
             <a:fld id="{BAA8DE05-51EE-4692-B197-877FA1DAAAED}" type="datetimeFigureOut">
               <a:rPr lang="en-US" smtClean="0"/>
-              <a:t>8/20/24</a:t>
+              <a:t>8/21/24</a:t>
             </a:fld>
             <a:endParaRPr lang="en-US"/>
           </a:p>
@@ -3351,7 +3353,7 @@
           <a:p>
             <a:fld id="{BAA8DE05-51EE-4692-B197-877FA1DAAAED}" type="datetimeFigureOut">
               <a:rPr lang="en-US" smtClean="0"/>
-              <a:t>8/20/24</a:t>
+              <a:t>8/21/24</a:t>
             </a:fld>
             <a:endParaRPr lang="en-US"/>
           </a:p>
@@ -3464,7 +3466,7 @@
           <a:p>
             <a:fld id="{BAA8DE05-51EE-4692-B197-877FA1DAAAED}" type="datetimeFigureOut">
               <a:rPr lang="en-US" smtClean="0"/>
-              <a:t>8/20/24</a:t>
+              <a:t>8/21/24</a:t>
             </a:fld>
             <a:endParaRPr lang="en-US"/>
           </a:p>
@@ -3775,7 +3777,7 @@
           <a:p>
             <a:fld id="{BAA8DE05-51EE-4692-B197-877FA1DAAAED}" type="datetimeFigureOut">
               <a:rPr lang="en-US" smtClean="0"/>
-              <a:t>8/20/24</a:t>
+              <a:t>8/21/24</a:t>
             </a:fld>
             <a:endParaRPr lang="en-US"/>
           </a:p>
@@ -4063,7 +4065,7 @@
           <a:p>
             <a:fld id="{BAA8DE05-51EE-4692-B197-877FA1DAAAED}" type="datetimeFigureOut">
               <a:rPr lang="en-US" smtClean="0"/>
-              <a:t>8/20/24</a:t>
+              <a:t>8/21/24</a:t>
             </a:fld>
             <a:endParaRPr lang="en-US"/>
           </a:p>
@@ -4304,7 +4306,7 @@
           <a:p>
             <a:fld id="{BAA8DE05-51EE-4692-B197-877FA1DAAAED}" type="datetimeFigureOut">
               <a:rPr lang="en-US" smtClean="0"/>
-              <a:t>8/20/24</a:t>
+              <a:t>8/21/24</a:t>
             </a:fld>
             <a:endParaRPr lang="en-US"/>
           </a:p>
@@ -5292,6 +5294,510 @@
                                           <p:spTgt spid="4">
                                             <p:txEl>
                                               <p:pRg st="3" end="3"/>
+                                            </p:txEl>
+                                          </p:spTgt>
+                                        </p:tgtEl>
+                                        <p:attrNameLst>
+                                          <p:attrName>style.visibility</p:attrName>
+                                        </p:attrNameLst>
+                                      </p:cBhvr>
+                                      <p:to>
+                                        <p:strVal val="visible"/>
+                                      </p:to>
+                                    </p:set>
+                                  </p:childTnLst>
+                                </p:cTn>
+                              </p:par>
+                            </p:childTnLst>
+                          </p:cTn>
+                        </p:par>
+                      </p:childTnLst>
+                    </p:cTn>
+                  </p:par>
+                </p:childTnLst>
+              </p:cTn>
+              <p:prevCondLst>
+                <p:cond evt="onPrev" delay="0">
+                  <p:tgtEl>
+                    <p:sldTgt/>
+                  </p:tgtEl>
+                </p:cond>
+              </p:prevCondLst>
+              <p:nextCondLst>
+                <p:cond evt="onNext" delay="0">
+                  <p:tgtEl>
+                    <p:sldTgt/>
+                  </p:tgtEl>
+                </p:cond>
+              </p:nextCondLst>
+            </p:seq>
+          </p:childTnLst>
+        </p:cTn>
+      </p:par>
+    </p:tnLst>
+  </p:timing>
+</p:sld>
+</file>
+
+<file path=ppt/slides/slide3.xml><?xml version="1.0" encoding="utf-8"?>
+<p:sld xmlns:a="http://schemas.openxmlformats.org/drawingml/2006/main" xmlns:r="http://schemas.openxmlformats.org/officeDocument/2006/relationships" xmlns:p="http://schemas.openxmlformats.org/presentationml/2006/main">
+  <p:cSld>
+    <p:spTree>
+      <p:nvGrpSpPr>
+        <p:cNvPr id="1" name="">
+          <a:extLst>
+            <a:ext uri="{FF2B5EF4-FFF2-40B4-BE49-F238E27FC236}">
+              <a16:creationId xmlns:a16="http://schemas.microsoft.com/office/drawing/2014/main" id="{977EC6CE-1910-5040-5C14-34F8487B378C}"/>
+            </a:ext>
+          </a:extLst>
+        </p:cNvPr>
+        <p:cNvGrpSpPr/>
+        <p:nvPr/>
+      </p:nvGrpSpPr>
+      <p:grpSpPr>
+        <a:xfrm>
+          <a:off x="0" y="0"/>
+          <a:ext cx="0" cy="0"/>
+          <a:chOff x="0" y="0"/>
+          <a:chExt cx="0" cy="0"/>
+        </a:xfrm>
+      </p:grpSpPr>
+      <p:sp>
+        <p:nvSpPr>
+          <p:cNvPr id="3" name="Subtitle 2">
+            <a:extLst>
+              <a:ext uri="{FF2B5EF4-FFF2-40B4-BE49-F238E27FC236}">
+                <a16:creationId xmlns:a16="http://schemas.microsoft.com/office/drawing/2014/main" id="{12F64749-690A-BA4E-506C-2B62DCE5C19E}"/>
+              </a:ext>
+            </a:extLst>
+          </p:cNvPr>
+          <p:cNvSpPr>
+            <a:spLocks noGrp="1"/>
+          </p:cNvSpPr>
+          <p:nvPr>
+            <p:ph type="subTitle" idx="1"/>
+          </p:nvPr>
+        </p:nvSpPr>
+        <p:spPr>
+          <a:xfrm>
+            <a:off x="97971" y="293688"/>
+            <a:ext cx="7652658" cy="303212"/>
+          </a:xfrm>
+        </p:spPr>
+        <p:txBody>
+          <a:bodyPr>
+            <a:normAutofit fontScale="92500" lnSpcReduction="20000"/>
+          </a:bodyPr>
+          <a:lstStyle/>
+          <a:p>
+            <a:r>
+              <a:rPr lang="en-US" sz="1800" b="1" dirty="0"/>
+              <a:t>6.1 Java Operators </a:t>
+            </a:r>
+            <a:r>
+              <a:rPr lang="en-US" sz="1800" dirty="0"/>
+              <a:t>– 6.1.2 Expressions and Statements</a:t>
+            </a:r>
+            <a:endParaRPr lang="en-US" sz="1800" b="1" dirty="0"/>
+          </a:p>
+        </p:txBody>
+      </p:sp>
+      <p:sp>
+        <p:nvSpPr>
+          <p:cNvPr id="4" name="Subtitle 2">
+            <a:extLst>
+              <a:ext uri="{FF2B5EF4-FFF2-40B4-BE49-F238E27FC236}">
+                <a16:creationId xmlns:a16="http://schemas.microsoft.com/office/drawing/2014/main" id="{2319461E-AC9C-2014-DF1F-D4821C5FADC7}"/>
+              </a:ext>
+            </a:extLst>
+          </p:cNvPr>
+          <p:cNvSpPr txBox="1">
+            <a:spLocks/>
+          </p:cNvSpPr>
+          <p:nvPr/>
+        </p:nvSpPr>
+        <p:spPr>
+          <a:xfrm>
+            <a:off x="0" y="820738"/>
+            <a:ext cx="12192000" cy="6037262"/>
+          </a:xfrm>
+          <a:prstGeom prst="rect">
+            <a:avLst/>
+          </a:prstGeom>
+        </p:spPr>
+        <p:txBody>
+          <a:bodyPr vert="horz" lIns="91440" tIns="45720" rIns="91440" bIns="45720" rtlCol="0">
+            <a:normAutofit/>
+          </a:bodyPr>
+          <a:lstStyle>
+            <a:lvl1pPr marL="0" indent="0" algn="ctr" defTabSz="914400" rtl="0" eaLnBrk="1" latinLnBrk="0" hangingPunct="1">
+              <a:lnSpc>
+                <a:spcPct val="90000"/>
+              </a:lnSpc>
+              <a:spcBef>
+                <a:spcPts val="1000"/>
+              </a:spcBef>
+              <a:buFont typeface="Arial" panose="020B0604020202020204" pitchFamily="34" charset="0"/>
+              <a:buNone/>
+              <a:defRPr sz="2400" kern="1200">
+                <a:solidFill>
+                  <a:schemeClr val="tx1"/>
+                </a:solidFill>
+                <a:latin typeface="+mn-lt"/>
+                <a:ea typeface="+mn-ea"/>
+                <a:cs typeface="+mn-cs"/>
+              </a:defRPr>
+            </a:lvl1pPr>
+            <a:lvl2pPr marL="457200" indent="0" algn="ctr" defTabSz="914400" rtl="0" eaLnBrk="1" latinLnBrk="0" hangingPunct="1">
+              <a:lnSpc>
+                <a:spcPct val="90000"/>
+              </a:lnSpc>
+              <a:spcBef>
+                <a:spcPts val="500"/>
+              </a:spcBef>
+              <a:buFont typeface="Arial" panose="020B0604020202020204" pitchFamily="34" charset="0"/>
+              <a:buNone/>
+              <a:defRPr sz="2000" kern="1200">
+                <a:solidFill>
+                  <a:schemeClr val="tx1"/>
+                </a:solidFill>
+                <a:latin typeface="+mn-lt"/>
+                <a:ea typeface="+mn-ea"/>
+                <a:cs typeface="+mn-cs"/>
+              </a:defRPr>
+            </a:lvl2pPr>
+            <a:lvl3pPr marL="914400" indent="0" algn="ctr" defTabSz="914400" rtl="0" eaLnBrk="1" latinLnBrk="0" hangingPunct="1">
+              <a:lnSpc>
+                <a:spcPct val="90000"/>
+              </a:lnSpc>
+              <a:spcBef>
+                <a:spcPts val="500"/>
+              </a:spcBef>
+              <a:buFont typeface="Arial" panose="020B0604020202020204" pitchFamily="34" charset="0"/>
+              <a:buNone/>
+              <a:defRPr sz="1800" kern="1200">
+                <a:solidFill>
+                  <a:schemeClr val="tx1"/>
+                </a:solidFill>
+                <a:latin typeface="+mn-lt"/>
+                <a:ea typeface="+mn-ea"/>
+                <a:cs typeface="+mn-cs"/>
+              </a:defRPr>
+            </a:lvl3pPr>
+            <a:lvl4pPr marL="1371600" indent="0" algn="ctr" defTabSz="914400" rtl="0" eaLnBrk="1" latinLnBrk="0" hangingPunct="1">
+              <a:lnSpc>
+                <a:spcPct val="90000"/>
+              </a:lnSpc>
+              <a:spcBef>
+                <a:spcPts val="500"/>
+              </a:spcBef>
+              <a:buFont typeface="Arial" panose="020B0604020202020204" pitchFamily="34" charset="0"/>
+              <a:buNone/>
+              <a:defRPr sz="1600" kern="1200">
+                <a:solidFill>
+                  <a:schemeClr val="tx1"/>
+                </a:solidFill>
+                <a:latin typeface="+mn-lt"/>
+                <a:ea typeface="+mn-ea"/>
+                <a:cs typeface="+mn-cs"/>
+              </a:defRPr>
+            </a:lvl4pPr>
+            <a:lvl5pPr marL="1828800" indent="0" algn="ctr" defTabSz="914400" rtl="0" eaLnBrk="1" latinLnBrk="0" hangingPunct="1">
+              <a:lnSpc>
+                <a:spcPct val="90000"/>
+              </a:lnSpc>
+              <a:spcBef>
+                <a:spcPts val="500"/>
+              </a:spcBef>
+              <a:buFont typeface="Arial" panose="020B0604020202020204" pitchFamily="34" charset="0"/>
+              <a:buNone/>
+              <a:defRPr sz="1600" kern="1200">
+                <a:solidFill>
+                  <a:schemeClr val="tx1"/>
+                </a:solidFill>
+                <a:latin typeface="+mn-lt"/>
+                <a:ea typeface="+mn-ea"/>
+                <a:cs typeface="+mn-cs"/>
+              </a:defRPr>
+            </a:lvl5pPr>
+            <a:lvl6pPr marL="2286000" indent="0" algn="ctr" defTabSz="914400" rtl="0" eaLnBrk="1" latinLnBrk="0" hangingPunct="1">
+              <a:lnSpc>
+                <a:spcPct val="90000"/>
+              </a:lnSpc>
+              <a:spcBef>
+                <a:spcPts val="500"/>
+              </a:spcBef>
+              <a:buFont typeface="Arial" panose="020B0604020202020204" pitchFamily="34" charset="0"/>
+              <a:buNone/>
+              <a:defRPr sz="1600" kern="1200">
+                <a:solidFill>
+                  <a:schemeClr val="tx1"/>
+                </a:solidFill>
+                <a:latin typeface="+mn-lt"/>
+                <a:ea typeface="+mn-ea"/>
+                <a:cs typeface="+mn-cs"/>
+              </a:defRPr>
+            </a:lvl6pPr>
+            <a:lvl7pPr marL="2743200" indent="0" algn="ctr" defTabSz="914400" rtl="0" eaLnBrk="1" latinLnBrk="0" hangingPunct="1">
+              <a:lnSpc>
+                <a:spcPct val="90000"/>
+              </a:lnSpc>
+              <a:spcBef>
+                <a:spcPts val="500"/>
+              </a:spcBef>
+              <a:buFont typeface="Arial" panose="020B0604020202020204" pitchFamily="34" charset="0"/>
+              <a:buNone/>
+              <a:defRPr sz="1600" kern="1200">
+                <a:solidFill>
+                  <a:schemeClr val="tx1"/>
+                </a:solidFill>
+                <a:latin typeface="+mn-lt"/>
+                <a:ea typeface="+mn-ea"/>
+                <a:cs typeface="+mn-cs"/>
+              </a:defRPr>
+            </a:lvl7pPr>
+            <a:lvl8pPr marL="3200400" indent="0" algn="ctr" defTabSz="914400" rtl="0" eaLnBrk="1" latinLnBrk="0" hangingPunct="1">
+              <a:lnSpc>
+                <a:spcPct val="90000"/>
+              </a:lnSpc>
+              <a:spcBef>
+                <a:spcPts val="500"/>
+              </a:spcBef>
+              <a:buFont typeface="Arial" panose="020B0604020202020204" pitchFamily="34" charset="0"/>
+              <a:buNone/>
+              <a:defRPr sz="1600" kern="1200">
+                <a:solidFill>
+                  <a:schemeClr val="tx1"/>
+                </a:solidFill>
+                <a:latin typeface="+mn-lt"/>
+                <a:ea typeface="+mn-ea"/>
+                <a:cs typeface="+mn-cs"/>
+              </a:defRPr>
+            </a:lvl8pPr>
+            <a:lvl9pPr marL="3657600" indent="0" algn="ctr" defTabSz="914400" rtl="0" eaLnBrk="1" latinLnBrk="0" hangingPunct="1">
+              <a:lnSpc>
+                <a:spcPct val="90000"/>
+              </a:lnSpc>
+              <a:spcBef>
+                <a:spcPts val="500"/>
+              </a:spcBef>
+              <a:buFont typeface="Arial" panose="020B0604020202020204" pitchFamily="34" charset="0"/>
+              <a:buNone/>
+              <a:defRPr sz="1600" kern="1200">
+                <a:solidFill>
+                  <a:schemeClr val="tx1"/>
+                </a:solidFill>
+                <a:latin typeface="+mn-lt"/>
+                <a:ea typeface="+mn-ea"/>
+                <a:cs typeface="+mn-cs"/>
+              </a:defRPr>
+            </a:lvl9pPr>
+          </a:lstStyle>
+          <a:p>
+            <a:pPr marL="285750" indent="-285750" algn="l">
+              <a:buFontTx/>
+              <a:buChar char="-"/>
+            </a:pPr>
+            <a:r>
+              <a:rPr lang="en-US" sz="1800" dirty="0"/>
+              <a:t>An “</a:t>
+            </a:r>
+            <a:r>
+              <a:rPr lang="en-US" sz="1800" b="1" dirty="0"/>
+              <a:t>expression</a:t>
+            </a:r>
+            <a:r>
+              <a:rPr lang="en-US" sz="1800" dirty="0"/>
+              <a:t>” is a combination of operators, explicit values, constants, variables, and functions that the programming language interprets (according to its particular rules of precedence and association) and computes to produce (or “return”) in a stateful environment another value. </a:t>
+            </a:r>
+          </a:p>
+          <a:p>
+            <a:pPr marL="285750" indent="-285750" algn="l">
+              <a:buFontTx/>
+              <a:buChar char="-"/>
+            </a:pPr>
+            <a:r>
+              <a:rPr lang="en-US" sz="1800" dirty="0"/>
+              <a:t>The important point here is that an expression has a </a:t>
+            </a:r>
+            <a:r>
+              <a:rPr lang="en-US" sz="1800" b="1" dirty="0"/>
+              <a:t>value </a:t>
+            </a:r>
+            <a:r>
+              <a:rPr lang="en-US" sz="1800" dirty="0"/>
+              <a:t>(either primitive or reference)</a:t>
+            </a:r>
+          </a:p>
+          <a:p>
+            <a:pPr marL="285750" indent="-285750" algn="l">
+              <a:buFontTx/>
+              <a:buChar char="-"/>
+            </a:pPr>
+            <a:r>
+              <a:rPr lang="en-US" sz="1800" dirty="0"/>
+              <a:t>A “</a:t>
+            </a:r>
+            <a:r>
+              <a:rPr lang="en-US" sz="1800" b="1" dirty="0"/>
+              <a:t>statement</a:t>
+            </a:r>
+            <a:r>
+              <a:rPr lang="en-US" sz="1800" dirty="0"/>
+              <a:t>” is a complete line of code that may or may not store any values of its own =&gt; Therefore, an expression could also be a valid statement </a:t>
+            </a:r>
+            <a:r>
+              <a:rPr lang="en-US" sz="1000" b="1" dirty="0"/>
+              <a:t>(CODE ILLUSTRATION – Section6_1_2)</a:t>
+            </a:r>
+          </a:p>
+        </p:txBody>
+      </p:sp>
+    </p:spTree>
+    <p:extLst>
+      <p:ext uri="{BB962C8B-B14F-4D97-AF65-F5344CB8AC3E}">
+        <p14:creationId xmlns:p14="http://schemas.microsoft.com/office/powerpoint/2010/main" val="1481711690"/>
+      </p:ext>
+    </p:extLst>
+  </p:cSld>
+  <p:clrMapOvr>
+    <a:masterClrMapping/>
+  </p:clrMapOvr>
+  <p:timing>
+    <p:tnLst>
+      <p:par>
+        <p:cTn id="1" dur="indefinite" restart="never" nodeType="tmRoot">
+          <p:childTnLst>
+            <p:seq concurrent="1" nextAc="seek">
+              <p:cTn id="2" dur="indefinite" nodeType="mainSeq">
+                <p:childTnLst>
+                  <p:par>
+                    <p:cTn id="3" fill="hold">
+                      <p:stCondLst>
+                        <p:cond delay="indefinite"/>
+                      </p:stCondLst>
+                      <p:childTnLst>
+                        <p:par>
+                          <p:cTn id="4" fill="hold">
+                            <p:stCondLst>
+                              <p:cond delay="0"/>
+                            </p:stCondLst>
+                            <p:childTnLst>
+                              <p:par>
+                                <p:cTn id="5" presetID="1" presetClass="entr" presetSubtype="0" fill="hold" nodeType="clickEffect">
+                                  <p:stCondLst>
+                                    <p:cond delay="0"/>
+                                  </p:stCondLst>
+                                  <p:childTnLst>
+                                    <p:set>
+                                      <p:cBhvr>
+                                        <p:cTn id="6" dur="1" fill="hold">
+                                          <p:stCondLst>
+                                            <p:cond delay="0"/>
+                                          </p:stCondLst>
+                                        </p:cTn>
+                                        <p:tgtEl>
+                                          <p:spTgt spid="4">
+                                            <p:txEl>
+                                              <p:pRg st="0" end="0"/>
+                                            </p:txEl>
+                                          </p:spTgt>
+                                        </p:tgtEl>
+                                        <p:attrNameLst>
+                                          <p:attrName>style.visibility</p:attrName>
+                                        </p:attrNameLst>
+                                      </p:cBhvr>
+                                      <p:to>
+                                        <p:strVal val="visible"/>
+                                      </p:to>
+                                    </p:set>
+                                  </p:childTnLst>
+                                </p:cTn>
+                              </p:par>
+                            </p:childTnLst>
+                          </p:cTn>
+                        </p:par>
+                      </p:childTnLst>
+                    </p:cTn>
+                  </p:par>
+                  <p:par>
+                    <p:cTn id="7" fill="hold">
+                      <p:stCondLst>
+                        <p:cond delay="indefinite"/>
+                      </p:stCondLst>
+                      <p:childTnLst>
+                        <p:par>
+                          <p:cTn id="8" fill="hold">
+                            <p:stCondLst>
+                              <p:cond delay="0"/>
+                            </p:stCondLst>
+                            <p:childTnLst>
+                              <p:par>
+                                <p:cTn id="9" presetID="1" presetClass="entr" presetSubtype="0" fill="hold" nodeType="clickEffect">
+                                  <p:stCondLst>
+                                    <p:cond delay="0"/>
+                                  </p:stCondLst>
+                                  <p:childTnLst>
+                                    <p:set>
+                                      <p:cBhvr>
+                                        <p:cTn id="10" dur="1" fill="hold">
+                                          <p:stCondLst>
+                                            <p:cond delay="0"/>
+                                          </p:stCondLst>
+                                        </p:cTn>
+                                        <p:tgtEl>
+                                          <p:spTgt spid="4">
+                                            <p:txEl>
+                                              <p:pRg st="1" end="1"/>
+                                            </p:txEl>
+                                          </p:spTgt>
+                                        </p:tgtEl>
+                                        <p:attrNameLst>
+                                          <p:attrName>style.visibility</p:attrName>
+                                        </p:attrNameLst>
+                                      </p:cBhvr>
+                                      <p:to>
+                                        <p:strVal val="visible"/>
+                                      </p:to>
+                                    </p:set>
+                                  </p:childTnLst>
+                                </p:cTn>
+                              </p:par>
+                            </p:childTnLst>
+                          </p:cTn>
+                        </p:par>
+                      </p:childTnLst>
+                    </p:cTn>
+                  </p:par>
+                  <p:par>
+                    <p:cTn id="11" fill="hold">
+                      <p:stCondLst>
+                        <p:cond delay="indefinite"/>
+                      </p:stCondLst>
+                      <p:childTnLst>
+                        <p:par>
+                          <p:cTn id="12" fill="hold">
+                            <p:stCondLst>
+                              <p:cond delay="0"/>
+                            </p:stCondLst>
+                            <p:childTnLst>
+                              <p:par>
+                                <p:cTn id="13" presetID="1" presetClass="entr" presetSubtype="0" fill="hold" nodeType="clickEffect">
+                                  <p:stCondLst>
+                                    <p:cond delay="0"/>
+                                  </p:stCondLst>
+                                  <p:childTnLst>
+                                    <p:set>
+                                      <p:cBhvr>
+                                        <p:cTn id="14" dur="1" fill="hold">
+                                          <p:stCondLst>
+                                            <p:cond delay="0"/>
+                                          </p:stCondLst>
+                                        </p:cTn>
+                                        <p:tgtEl>
+                                          <p:spTgt spid="4">
+                                            <p:txEl>
+                                              <p:pRg st="2" end="2"/>
                                             </p:txEl>
                                           </p:spTgt>
                                         </p:tgtEl>

--- a/Java SE 8 Teaching Material/Chapter 6 - Working with Java Operators.pptx
+++ b/Java SE 8 Teaching Material/Chapter 6 - Working with Java Operators.pptx
@@ -4,10 +4,16 @@
   <p:sldMasterIdLst>
     <p:sldMasterId id="2147483648" r:id="rId1"/>
   </p:sldMasterIdLst>
+  <p:notesMasterIdLst>
+    <p:notesMasterId r:id="rId8"/>
+  </p:notesMasterIdLst>
   <p:sldIdLst>
     <p:sldId id="256" r:id="rId2"/>
     <p:sldId id="258" r:id="rId3"/>
     <p:sldId id="259" r:id="rId4"/>
+    <p:sldId id="260" r:id="rId5"/>
+    <p:sldId id="261" r:id="rId6"/>
+    <p:sldId id="262" r:id="rId7"/>
   </p:sldIdLst>
   <p:sldSz cx="12192000" cy="6858000"/>
   <p:notesSz cx="6858000" cy="9144000"/>
@@ -114,6 +120,9 @@
             <p14:sldId id="256"/>
             <p14:sldId id="258"/>
             <p14:sldId id="259"/>
+            <p14:sldId id="260"/>
+            <p14:sldId id="261"/>
+            <p14:sldId id="262"/>
           </p14:sldIdLst>
         </p14:section>
       </p14:sectionLst>
@@ -1507,6 +1516,548 @@
     </pc:docChg>
   </pc:docChgLst>
 </pc:chgInfo>
+</file>
+
+<file path=ppt/notesMasters/notesMaster1.xml><?xml version="1.0" encoding="utf-8"?>
+<p:notesMaster xmlns:a="http://schemas.openxmlformats.org/drawingml/2006/main" xmlns:r="http://schemas.openxmlformats.org/officeDocument/2006/relationships" xmlns:p="http://schemas.openxmlformats.org/presentationml/2006/main">
+  <p:cSld>
+    <p:bg>
+      <p:bgRef idx="1001">
+        <a:schemeClr val="bg1"/>
+      </p:bgRef>
+    </p:bg>
+    <p:spTree>
+      <p:nvGrpSpPr>
+        <p:cNvPr id="1" name=""/>
+        <p:cNvGrpSpPr/>
+        <p:nvPr/>
+      </p:nvGrpSpPr>
+      <p:grpSpPr>
+        <a:xfrm>
+          <a:off x="0" y="0"/>
+          <a:ext cx="0" cy="0"/>
+          <a:chOff x="0" y="0"/>
+          <a:chExt cx="0" cy="0"/>
+        </a:xfrm>
+      </p:grpSpPr>
+      <p:sp>
+        <p:nvSpPr>
+          <p:cNvPr id="2" name="Header Placeholder 1"/>
+          <p:cNvSpPr>
+            <a:spLocks noGrp="1"/>
+          </p:cNvSpPr>
+          <p:nvPr>
+            <p:ph type="hdr" sz="quarter"/>
+          </p:nvPr>
+        </p:nvSpPr>
+        <p:spPr>
+          <a:xfrm>
+            <a:off x="0" y="0"/>
+            <a:ext cx="2971800" cy="458788"/>
+          </a:xfrm>
+          <a:prstGeom prst="rect">
+            <a:avLst/>
+          </a:prstGeom>
+        </p:spPr>
+        <p:txBody>
+          <a:bodyPr vert="horz" lIns="91440" tIns="45720" rIns="91440" bIns="45720" rtlCol="0"/>
+          <a:lstStyle>
+            <a:lvl1pPr algn="l">
+              <a:defRPr sz="1200"/>
+            </a:lvl1pPr>
+          </a:lstStyle>
+          <a:p>
+            <a:endParaRPr lang="en-VN"/>
+          </a:p>
+        </p:txBody>
+      </p:sp>
+      <p:sp>
+        <p:nvSpPr>
+          <p:cNvPr id="3" name="Date Placeholder 2"/>
+          <p:cNvSpPr>
+            <a:spLocks noGrp="1"/>
+          </p:cNvSpPr>
+          <p:nvPr>
+            <p:ph type="dt" idx="1"/>
+          </p:nvPr>
+        </p:nvSpPr>
+        <p:spPr>
+          <a:xfrm>
+            <a:off x="3884613" y="0"/>
+            <a:ext cx="2971800" cy="458788"/>
+          </a:xfrm>
+          <a:prstGeom prst="rect">
+            <a:avLst/>
+          </a:prstGeom>
+        </p:spPr>
+        <p:txBody>
+          <a:bodyPr vert="horz" lIns="91440" tIns="45720" rIns="91440" bIns="45720" rtlCol="0"/>
+          <a:lstStyle>
+            <a:lvl1pPr algn="r">
+              <a:defRPr sz="1200"/>
+            </a:lvl1pPr>
+          </a:lstStyle>
+          <a:p>
+            <a:fld id="{7664DC43-F744-704A-A194-E80C7BE54CAA}" type="datetimeFigureOut">
+              <a:rPr lang="en-VN" smtClean="0"/>
+              <a:t>22/8/24</a:t>
+            </a:fld>
+            <a:endParaRPr lang="en-VN"/>
+          </a:p>
+        </p:txBody>
+      </p:sp>
+      <p:sp>
+        <p:nvSpPr>
+          <p:cNvPr id="4" name="Slide Image Placeholder 3"/>
+          <p:cNvSpPr>
+            <a:spLocks noGrp="1" noRot="1" noChangeAspect="1"/>
+          </p:cNvSpPr>
+          <p:nvPr>
+            <p:ph type="sldImg" idx="2"/>
+          </p:nvPr>
+        </p:nvSpPr>
+        <p:spPr>
+          <a:xfrm>
+            <a:off x="685800" y="1143000"/>
+            <a:ext cx="5486400" cy="3086100"/>
+          </a:xfrm>
+          <a:prstGeom prst="rect">
+            <a:avLst/>
+          </a:prstGeom>
+          <a:noFill/>
+          <a:ln w="12700">
+            <a:solidFill>
+              <a:prstClr val="black"/>
+            </a:solidFill>
+          </a:ln>
+        </p:spPr>
+        <p:txBody>
+          <a:bodyPr vert="horz" lIns="91440" tIns="45720" rIns="91440" bIns="45720" rtlCol="0" anchor="ctr"/>
+          <a:lstStyle/>
+          <a:p>
+            <a:endParaRPr lang="en-VN"/>
+          </a:p>
+        </p:txBody>
+      </p:sp>
+      <p:sp>
+        <p:nvSpPr>
+          <p:cNvPr id="5" name="Notes Placeholder 4"/>
+          <p:cNvSpPr>
+            <a:spLocks noGrp="1"/>
+          </p:cNvSpPr>
+          <p:nvPr>
+            <p:ph type="body" sz="quarter" idx="3"/>
+          </p:nvPr>
+        </p:nvSpPr>
+        <p:spPr>
+          <a:xfrm>
+            <a:off x="685800" y="4400550"/>
+            <a:ext cx="5486400" cy="3600450"/>
+          </a:xfrm>
+          <a:prstGeom prst="rect">
+            <a:avLst/>
+          </a:prstGeom>
+        </p:spPr>
+        <p:txBody>
+          <a:bodyPr vert="horz" lIns="91440" tIns="45720" rIns="91440" bIns="45720" rtlCol="0"/>
+          <a:lstStyle/>
+          <a:p>
+            <a:pPr lvl="0"/>
+            <a:r>
+              <a:rPr lang="en-US"/>
+              <a:t>Click to edit Master text styles</a:t>
+            </a:r>
+          </a:p>
+          <a:p>
+            <a:pPr lvl="1"/>
+            <a:r>
+              <a:rPr lang="en-US"/>
+              <a:t>Second level</a:t>
+            </a:r>
+          </a:p>
+          <a:p>
+            <a:pPr lvl="2"/>
+            <a:r>
+              <a:rPr lang="en-US"/>
+              <a:t>Third level</a:t>
+            </a:r>
+          </a:p>
+          <a:p>
+            <a:pPr lvl="3"/>
+            <a:r>
+              <a:rPr lang="en-US"/>
+              <a:t>Fourth level</a:t>
+            </a:r>
+          </a:p>
+          <a:p>
+            <a:pPr lvl="4"/>
+            <a:r>
+              <a:rPr lang="en-US"/>
+              <a:t>Fifth level</a:t>
+            </a:r>
+            <a:endParaRPr lang="en-VN"/>
+          </a:p>
+        </p:txBody>
+      </p:sp>
+      <p:sp>
+        <p:nvSpPr>
+          <p:cNvPr id="6" name="Footer Placeholder 5"/>
+          <p:cNvSpPr>
+            <a:spLocks noGrp="1"/>
+          </p:cNvSpPr>
+          <p:nvPr>
+            <p:ph type="ftr" sz="quarter" idx="4"/>
+          </p:nvPr>
+        </p:nvSpPr>
+        <p:spPr>
+          <a:xfrm>
+            <a:off x="0" y="8685213"/>
+            <a:ext cx="2971800" cy="458787"/>
+          </a:xfrm>
+          <a:prstGeom prst="rect">
+            <a:avLst/>
+          </a:prstGeom>
+        </p:spPr>
+        <p:txBody>
+          <a:bodyPr vert="horz" lIns="91440" tIns="45720" rIns="91440" bIns="45720" rtlCol="0" anchor="b"/>
+          <a:lstStyle>
+            <a:lvl1pPr algn="l">
+              <a:defRPr sz="1200"/>
+            </a:lvl1pPr>
+          </a:lstStyle>
+          <a:p>
+            <a:endParaRPr lang="en-VN"/>
+          </a:p>
+        </p:txBody>
+      </p:sp>
+      <p:sp>
+        <p:nvSpPr>
+          <p:cNvPr id="7" name="Slide Number Placeholder 6"/>
+          <p:cNvSpPr>
+            <a:spLocks noGrp="1"/>
+          </p:cNvSpPr>
+          <p:nvPr>
+            <p:ph type="sldNum" sz="quarter" idx="5"/>
+          </p:nvPr>
+        </p:nvSpPr>
+        <p:spPr>
+          <a:xfrm>
+            <a:off x="3884613" y="8685213"/>
+            <a:ext cx="2971800" cy="458787"/>
+          </a:xfrm>
+          <a:prstGeom prst="rect">
+            <a:avLst/>
+          </a:prstGeom>
+        </p:spPr>
+        <p:txBody>
+          <a:bodyPr vert="horz" lIns="91440" tIns="45720" rIns="91440" bIns="45720" rtlCol="0" anchor="b"/>
+          <a:lstStyle>
+            <a:lvl1pPr algn="r">
+              <a:defRPr sz="1200"/>
+            </a:lvl1pPr>
+          </a:lstStyle>
+          <a:p>
+            <a:fld id="{A776ACA8-AF14-F04C-ADFD-EE53B23C09C4}" type="slidenum">
+              <a:rPr lang="en-VN" smtClean="0"/>
+              <a:t>‹#›</a:t>
+            </a:fld>
+            <a:endParaRPr lang="en-VN"/>
+          </a:p>
+        </p:txBody>
+      </p:sp>
+    </p:spTree>
+    <p:extLst>
+      <p:ext uri="{BB962C8B-B14F-4D97-AF65-F5344CB8AC3E}">
+        <p14:creationId xmlns:p14="http://schemas.microsoft.com/office/powerpoint/2010/main" val="1245311764"/>
+      </p:ext>
+    </p:extLst>
+  </p:cSld>
+  <p:clrMap bg1="lt1" tx1="dk1" bg2="lt2" tx2="dk2" accent1="accent1" accent2="accent2" accent3="accent3" accent4="accent4" accent5="accent5" accent6="accent6" hlink="hlink" folHlink="folHlink"/>
+  <p:notesStyle>
+    <a:lvl1pPr marL="0" algn="l" defTabSz="914400" rtl="0" eaLnBrk="1" latinLnBrk="0" hangingPunct="1">
+      <a:defRPr sz="1200" kern="1200">
+        <a:solidFill>
+          <a:schemeClr val="tx1"/>
+        </a:solidFill>
+        <a:latin typeface="+mn-lt"/>
+        <a:ea typeface="+mn-ea"/>
+        <a:cs typeface="+mn-cs"/>
+      </a:defRPr>
+    </a:lvl1pPr>
+    <a:lvl2pPr marL="457200" algn="l" defTabSz="914400" rtl="0" eaLnBrk="1" latinLnBrk="0" hangingPunct="1">
+      <a:defRPr sz="1200" kern="1200">
+        <a:solidFill>
+          <a:schemeClr val="tx1"/>
+        </a:solidFill>
+        <a:latin typeface="+mn-lt"/>
+        <a:ea typeface="+mn-ea"/>
+        <a:cs typeface="+mn-cs"/>
+      </a:defRPr>
+    </a:lvl2pPr>
+    <a:lvl3pPr marL="914400" algn="l" defTabSz="914400" rtl="0" eaLnBrk="1" latinLnBrk="0" hangingPunct="1">
+      <a:defRPr sz="1200" kern="1200">
+        <a:solidFill>
+          <a:schemeClr val="tx1"/>
+        </a:solidFill>
+        <a:latin typeface="+mn-lt"/>
+        <a:ea typeface="+mn-ea"/>
+        <a:cs typeface="+mn-cs"/>
+      </a:defRPr>
+    </a:lvl3pPr>
+    <a:lvl4pPr marL="1371600" algn="l" defTabSz="914400" rtl="0" eaLnBrk="1" latinLnBrk="0" hangingPunct="1">
+      <a:defRPr sz="1200" kern="1200">
+        <a:solidFill>
+          <a:schemeClr val="tx1"/>
+        </a:solidFill>
+        <a:latin typeface="+mn-lt"/>
+        <a:ea typeface="+mn-ea"/>
+        <a:cs typeface="+mn-cs"/>
+      </a:defRPr>
+    </a:lvl4pPr>
+    <a:lvl5pPr marL="1828800" algn="l" defTabSz="914400" rtl="0" eaLnBrk="1" latinLnBrk="0" hangingPunct="1">
+      <a:defRPr sz="1200" kern="1200">
+        <a:solidFill>
+          <a:schemeClr val="tx1"/>
+        </a:solidFill>
+        <a:latin typeface="+mn-lt"/>
+        <a:ea typeface="+mn-ea"/>
+        <a:cs typeface="+mn-cs"/>
+      </a:defRPr>
+    </a:lvl5pPr>
+    <a:lvl6pPr marL="2286000" algn="l" defTabSz="914400" rtl="0" eaLnBrk="1" latinLnBrk="0" hangingPunct="1">
+      <a:defRPr sz="1200" kern="1200">
+        <a:solidFill>
+          <a:schemeClr val="tx1"/>
+        </a:solidFill>
+        <a:latin typeface="+mn-lt"/>
+        <a:ea typeface="+mn-ea"/>
+        <a:cs typeface="+mn-cs"/>
+      </a:defRPr>
+    </a:lvl6pPr>
+    <a:lvl7pPr marL="2743200" algn="l" defTabSz="914400" rtl="0" eaLnBrk="1" latinLnBrk="0" hangingPunct="1">
+      <a:defRPr sz="1200" kern="1200">
+        <a:solidFill>
+          <a:schemeClr val="tx1"/>
+        </a:solidFill>
+        <a:latin typeface="+mn-lt"/>
+        <a:ea typeface="+mn-ea"/>
+        <a:cs typeface="+mn-cs"/>
+      </a:defRPr>
+    </a:lvl7pPr>
+    <a:lvl8pPr marL="3200400" algn="l" defTabSz="914400" rtl="0" eaLnBrk="1" latinLnBrk="0" hangingPunct="1">
+      <a:defRPr sz="1200" kern="1200">
+        <a:solidFill>
+          <a:schemeClr val="tx1"/>
+        </a:solidFill>
+        <a:latin typeface="+mn-lt"/>
+        <a:ea typeface="+mn-ea"/>
+        <a:cs typeface="+mn-cs"/>
+      </a:defRPr>
+    </a:lvl8pPr>
+    <a:lvl9pPr marL="3657600" algn="l" defTabSz="914400" rtl="0" eaLnBrk="1" latinLnBrk="0" hangingPunct="1">
+      <a:defRPr sz="1200" kern="1200">
+        <a:solidFill>
+          <a:schemeClr val="tx1"/>
+        </a:solidFill>
+        <a:latin typeface="+mn-lt"/>
+        <a:ea typeface="+mn-ea"/>
+        <a:cs typeface="+mn-cs"/>
+      </a:defRPr>
+    </a:lvl9pPr>
+  </p:notesStyle>
+</p:notesMaster>
+</file>
+
+<file path=ppt/notesSlides/notesSlide1.xml><?xml version="1.0" encoding="utf-8"?>
+<p:notes xmlns:a="http://schemas.openxmlformats.org/drawingml/2006/main" xmlns:r="http://schemas.openxmlformats.org/officeDocument/2006/relationships" xmlns:p="http://schemas.openxmlformats.org/presentationml/2006/main">
+  <p:cSld>
+    <p:spTree>
+      <p:nvGrpSpPr>
+        <p:cNvPr id="1" name=""/>
+        <p:cNvGrpSpPr/>
+        <p:nvPr/>
+      </p:nvGrpSpPr>
+      <p:grpSpPr>
+        <a:xfrm>
+          <a:off x="0" y="0"/>
+          <a:ext cx="0" cy="0"/>
+          <a:chOff x="0" y="0"/>
+          <a:chExt cx="0" cy="0"/>
+        </a:xfrm>
+      </p:grpSpPr>
+      <p:sp>
+        <p:nvSpPr>
+          <p:cNvPr id="2" name="Slide Image Placeholder 1"/>
+          <p:cNvSpPr>
+            <a:spLocks noGrp="1" noRot="1" noChangeAspect="1"/>
+          </p:cNvSpPr>
+          <p:nvPr>
+            <p:ph type="sldImg"/>
+          </p:nvPr>
+        </p:nvSpPr>
+        <p:spPr/>
+      </p:sp>
+      <p:sp>
+        <p:nvSpPr>
+          <p:cNvPr id="3" name="Notes Placeholder 2"/>
+          <p:cNvSpPr>
+            <a:spLocks noGrp="1"/>
+          </p:cNvSpPr>
+          <p:nvPr>
+            <p:ph type="body" idx="1"/>
+          </p:nvPr>
+        </p:nvSpPr>
+        <p:spPr/>
+        <p:txBody>
+          <a:bodyPr/>
+          <a:lstStyle/>
+          <a:p>
+            <a:endParaRPr lang="en-VN" dirty="0"/>
+          </a:p>
+        </p:txBody>
+      </p:sp>
+      <p:sp>
+        <p:nvSpPr>
+          <p:cNvPr id="4" name="Slide Number Placeholder 3"/>
+          <p:cNvSpPr>
+            <a:spLocks noGrp="1"/>
+          </p:cNvSpPr>
+          <p:nvPr>
+            <p:ph type="sldNum" sz="quarter" idx="5"/>
+          </p:nvPr>
+        </p:nvSpPr>
+        <p:spPr/>
+        <p:txBody>
+          <a:bodyPr/>
+          <a:lstStyle/>
+          <a:p>
+            <a:fld id="{A776ACA8-AF14-F04C-ADFD-EE53B23C09C4}" type="slidenum">
+              <a:rPr lang="en-VN" smtClean="0"/>
+              <a:t>5</a:t>
+            </a:fld>
+            <a:endParaRPr lang="en-VN"/>
+          </a:p>
+        </p:txBody>
+      </p:sp>
+    </p:spTree>
+    <p:extLst>
+      <p:ext uri="{BB962C8B-B14F-4D97-AF65-F5344CB8AC3E}">
+        <p14:creationId xmlns:p14="http://schemas.microsoft.com/office/powerpoint/2010/main" val="1579536994"/>
+      </p:ext>
+    </p:extLst>
+  </p:cSld>
+  <p:clrMapOvr>
+    <a:masterClrMapping/>
+  </p:clrMapOvr>
+</p:notes>
+</file>
+
+<file path=ppt/notesSlides/notesSlide2.xml><?xml version="1.0" encoding="utf-8"?>
+<p:notes xmlns:a="http://schemas.openxmlformats.org/drawingml/2006/main" xmlns:r="http://schemas.openxmlformats.org/officeDocument/2006/relationships" xmlns:p="http://schemas.openxmlformats.org/presentationml/2006/main">
+  <p:cSld>
+    <p:spTree>
+      <p:nvGrpSpPr>
+        <p:cNvPr id="1" name="">
+          <a:extLst>
+            <a:ext uri="{FF2B5EF4-FFF2-40B4-BE49-F238E27FC236}">
+              <a16:creationId xmlns:a16="http://schemas.microsoft.com/office/drawing/2014/main" id="{6D23D6C8-18F7-42B8-3B1C-59B04EF2DFBD}"/>
+            </a:ext>
+          </a:extLst>
+        </p:cNvPr>
+        <p:cNvGrpSpPr/>
+        <p:nvPr/>
+      </p:nvGrpSpPr>
+      <p:grpSpPr>
+        <a:xfrm>
+          <a:off x="0" y="0"/>
+          <a:ext cx="0" cy="0"/>
+          <a:chOff x="0" y="0"/>
+          <a:chExt cx="0" cy="0"/>
+        </a:xfrm>
+      </p:grpSpPr>
+      <p:sp>
+        <p:nvSpPr>
+          <p:cNvPr id="2" name="Slide Image Placeholder 1">
+            <a:extLst>
+              <a:ext uri="{FF2B5EF4-FFF2-40B4-BE49-F238E27FC236}">
+                <a16:creationId xmlns:a16="http://schemas.microsoft.com/office/drawing/2014/main" id="{CDB25A6D-510B-53C7-F8DE-92F9544A66F3}"/>
+              </a:ext>
+            </a:extLst>
+          </p:cNvPr>
+          <p:cNvSpPr>
+            <a:spLocks noGrp="1" noRot="1" noChangeAspect="1"/>
+          </p:cNvSpPr>
+          <p:nvPr>
+            <p:ph type="sldImg"/>
+          </p:nvPr>
+        </p:nvSpPr>
+        <p:spPr/>
+      </p:sp>
+      <p:sp>
+        <p:nvSpPr>
+          <p:cNvPr id="3" name="Notes Placeholder 2">
+            <a:extLst>
+              <a:ext uri="{FF2B5EF4-FFF2-40B4-BE49-F238E27FC236}">
+                <a16:creationId xmlns:a16="http://schemas.microsoft.com/office/drawing/2014/main" id="{3D772616-7C94-5D9D-1460-823A1A15F3A5}"/>
+              </a:ext>
+            </a:extLst>
+          </p:cNvPr>
+          <p:cNvSpPr>
+            <a:spLocks noGrp="1"/>
+          </p:cNvSpPr>
+          <p:nvPr>
+            <p:ph type="body" idx="1"/>
+          </p:nvPr>
+        </p:nvSpPr>
+        <p:spPr/>
+        <p:txBody>
+          <a:bodyPr/>
+          <a:lstStyle/>
+          <a:p>
+            <a:endParaRPr lang="en-VN" dirty="0"/>
+          </a:p>
+        </p:txBody>
+      </p:sp>
+      <p:sp>
+        <p:nvSpPr>
+          <p:cNvPr id="4" name="Slide Number Placeholder 3">
+            <a:extLst>
+              <a:ext uri="{FF2B5EF4-FFF2-40B4-BE49-F238E27FC236}">
+                <a16:creationId xmlns:a16="http://schemas.microsoft.com/office/drawing/2014/main" id="{76B831D8-1964-F3A7-CAA2-2EA44BC17F15}"/>
+              </a:ext>
+            </a:extLst>
+          </p:cNvPr>
+          <p:cNvSpPr>
+            <a:spLocks noGrp="1"/>
+          </p:cNvSpPr>
+          <p:nvPr>
+            <p:ph type="sldNum" sz="quarter" idx="5"/>
+          </p:nvPr>
+        </p:nvSpPr>
+        <p:spPr/>
+        <p:txBody>
+          <a:bodyPr/>
+          <a:lstStyle/>
+          <a:p>
+            <a:fld id="{A776ACA8-AF14-F04C-ADFD-EE53B23C09C4}" type="slidenum">
+              <a:rPr lang="en-VN" smtClean="0"/>
+              <a:t>6</a:t>
+            </a:fld>
+            <a:endParaRPr lang="en-VN"/>
+          </a:p>
+        </p:txBody>
+      </p:sp>
+    </p:spTree>
+    <p:extLst>
+      <p:ext uri="{BB962C8B-B14F-4D97-AF65-F5344CB8AC3E}">
+        <p14:creationId xmlns:p14="http://schemas.microsoft.com/office/powerpoint/2010/main" val="254238541"/>
+      </p:ext>
+    </p:extLst>
+  </p:cSld>
+  <p:clrMapOvr>
+    <a:masterClrMapping/>
+  </p:clrMapOvr>
+</p:notes>
 </file>
 
 <file path=ppt/slideLayouts/slideLayout1.xml><?xml version="1.0" encoding="utf-8"?>
@@ -1656,7 +2207,7 @@
           <a:p>
             <a:fld id="{BAA8DE05-51EE-4692-B197-877FA1DAAAED}" type="datetimeFigureOut">
               <a:rPr lang="en-US" smtClean="0"/>
-              <a:t>8/21/24</a:t>
+              <a:t>8/22/24</a:t>
             </a:fld>
             <a:endParaRPr lang="en-US"/>
           </a:p>
@@ -1854,7 +2405,7 @@
           <a:p>
             <a:fld id="{BAA8DE05-51EE-4692-B197-877FA1DAAAED}" type="datetimeFigureOut">
               <a:rPr lang="en-US" smtClean="0"/>
-              <a:t>8/21/24</a:t>
+              <a:t>8/22/24</a:t>
             </a:fld>
             <a:endParaRPr lang="en-US"/>
           </a:p>
@@ -2062,7 +2613,7 @@
           <a:p>
             <a:fld id="{BAA8DE05-51EE-4692-B197-877FA1DAAAED}" type="datetimeFigureOut">
               <a:rPr lang="en-US" smtClean="0"/>
-              <a:t>8/21/24</a:t>
+              <a:t>8/22/24</a:t>
             </a:fld>
             <a:endParaRPr lang="en-US"/>
           </a:p>
@@ -2260,7 +2811,7 @@
           <a:p>
             <a:fld id="{BAA8DE05-51EE-4692-B197-877FA1DAAAED}" type="datetimeFigureOut">
               <a:rPr lang="en-US" smtClean="0"/>
-              <a:t>8/21/24</a:t>
+              <a:t>8/22/24</a:t>
             </a:fld>
             <a:endParaRPr lang="en-US"/>
           </a:p>
@@ -2535,7 +3086,7 @@
           <a:p>
             <a:fld id="{BAA8DE05-51EE-4692-B197-877FA1DAAAED}" type="datetimeFigureOut">
               <a:rPr lang="en-US" smtClean="0"/>
-              <a:t>8/21/24</a:t>
+              <a:t>8/22/24</a:t>
             </a:fld>
             <a:endParaRPr lang="en-US"/>
           </a:p>
@@ -2800,7 +3351,7 @@
           <a:p>
             <a:fld id="{BAA8DE05-51EE-4692-B197-877FA1DAAAED}" type="datetimeFigureOut">
               <a:rPr lang="en-US" smtClean="0"/>
-              <a:t>8/21/24</a:t>
+              <a:t>8/22/24</a:t>
             </a:fld>
             <a:endParaRPr lang="en-US"/>
           </a:p>
@@ -3212,7 +3763,7 @@
           <a:p>
             <a:fld id="{BAA8DE05-51EE-4692-B197-877FA1DAAAED}" type="datetimeFigureOut">
               <a:rPr lang="en-US" smtClean="0"/>
-              <a:t>8/21/24</a:t>
+              <a:t>8/22/24</a:t>
             </a:fld>
             <a:endParaRPr lang="en-US"/>
           </a:p>
@@ -3353,7 +3904,7 @@
           <a:p>
             <a:fld id="{BAA8DE05-51EE-4692-B197-877FA1DAAAED}" type="datetimeFigureOut">
               <a:rPr lang="en-US" smtClean="0"/>
-              <a:t>8/21/24</a:t>
+              <a:t>8/22/24</a:t>
             </a:fld>
             <a:endParaRPr lang="en-US"/>
           </a:p>
@@ -3466,7 +4017,7 @@
           <a:p>
             <a:fld id="{BAA8DE05-51EE-4692-B197-877FA1DAAAED}" type="datetimeFigureOut">
               <a:rPr lang="en-US" smtClean="0"/>
-              <a:t>8/21/24</a:t>
+              <a:t>8/22/24</a:t>
             </a:fld>
             <a:endParaRPr lang="en-US"/>
           </a:p>
@@ -3777,7 +4328,7 @@
           <a:p>
             <a:fld id="{BAA8DE05-51EE-4692-B197-877FA1DAAAED}" type="datetimeFigureOut">
               <a:rPr lang="en-US" smtClean="0"/>
-              <a:t>8/21/24</a:t>
+              <a:t>8/22/24</a:t>
             </a:fld>
             <a:endParaRPr lang="en-US"/>
           </a:p>
@@ -4065,7 +4616,7 @@
           <a:p>
             <a:fld id="{BAA8DE05-51EE-4692-B197-877FA1DAAAED}" type="datetimeFigureOut">
               <a:rPr lang="en-US" smtClean="0"/>
-              <a:t>8/21/24</a:t>
+              <a:t>8/22/24</a:t>
             </a:fld>
             <a:endParaRPr lang="en-US"/>
           </a:p>
@@ -4306,7 +4857,7 @@
           <a:p>
             <a:fld id="{BAA8DE05-51EE-4692-B197-877FA1DAAAED}" type="datetimeFigureOut">
               <a:rPr lang="en-US" smtClean="0"/>
-              <a:t>8/21/24</a:t>
+              <a:t>8/22/24</a:t>
             </a:fld>
             <a:endParaRPr lang="en-US"/>
           </a:p>
@@ -5798,6 +6349,2550 @@
                                           <p:spTgt spid="4">
                                             <p:txEl>
                                               <p:pRg st="2" end="2"/>
+                                            </p:txEl>
+                                          </p:spTgt>
+                                        </p:tgtEl>
+                                        <p:attrNameLst>
+                                          <p:attrName>style.visibility</p:attrName>
+                                        </p:attrNameLst>
+                                      </p:cBhvr>
+                                      <p:to>
+                                        <p:strVal val="visible"/>
+                                      </p:to>
+                                    </p:set>
+                                  </p:childTnLst>
+                                </p:cTn>
+                              </p:par>
+                            </p:childTnLst>
+                          </p:cTn>
+                        </p:par>
+                      </p:childTnLst>
+                    </p:cTn>
+                  </p:par>
+                </p:childTnLst>
+              </p:cTn>
+              <p:prevCondLst>
+                <p:cond evt="onPrev" delay="0">
+                  <p:tgtEl>
+                    <p:sldTgt/>
+                  </p:tgtEl>
+                </p:cond>
+              </p:prevCondLst>
+              <p:nextCondLst>
+                <p:cond evt="onNext" delay="0">
+                  <p:tgtEl>
+                    <p:sldTgt/>
+                  </p:tgtEl>
+                </p:cond>
+              </p:nextCondLst>
+            </p:seq>
+          </p:childTnLst>
+        </p:cTn>
+      </p:par>
+    </p:tnLst>
+  </p:timing>
+</p:sld>
+</file>
+
+<file path=ppt/slides/slide4.xml><?xml version="1.0" encoding="utf-8"?>
+<p:sld xmlns:a="http://schemas.openxmlformats.org/drawingml/2006/main" xmlns:r="http://schemas.openxmlformats.org/officeDocument/2006/relationships" xmlns:p="http://schemas.openxmlformats.org/presentationml/2006/main">
+  <p:cSld>
+    <p:spTree>
+      <p:nvGrpSpPr>
+        <p:cNvPr id="1" name="">
+          <a:extLst>
+            <a:ext uri="{FF2B5EF4-FFF2-40B4-BE49-F238E27FC236}">
+              <a16:creationId xmlns:a16="http://schemas.microsoft.com/office/drawing/2014/main" id="{319FC217-BC41-45F3-1F61-487327222FA2}"/>
+            </a:ext>
+          </a:extLst>
+        </p:cNvPr>
+        <p:cNvGrpSpPr/>
+        <p:nvPr/>
+      </p:nvGrpSpPr>
+      <p:grpSpPr>
+        <a:xfrm>
+          <a:off x="0" y="0"/>
+          <a:ext cx="0" cy="0"/>
+          <a:chOff x="0" y="0"/>
+          <a:chExt cx="0" cy="0"/>
+        </a:xfrm>
+      </p:grpSpPr>
+      <p:sp>
+        <p:nvSpPr>
+          <p:cNvPr id="3" name="Subtitle 2">
+            <a:extLst>
+              <a:ext uri="{FF2B5EF4-FFF2-40B4-BE49-F238E27FC236}">
+                <a16:creationId xmlns:a16="http://schemas.microsoft.com/office/drawing/2014/main" id="{6DC37C65-C82D-A8E6-DEAC-B305731404C9}"/>
+              </a:ext>
+            </a:extLst>
+          </p:cNvPr>
+          <p:cNvSpPr>
+            <a:spLocks noGrp="1"/>
+          </p:cNvSpPr>
+          <p:nvPr>
+            <p:ph type="subTitle" idx="1"/>
+          </p:nvPr>
+        </p:nvSpPr>
+        <p:spPr>
+          <a:xfrm>
+            <a:off x="97971" y="293688"/>
+            <a:ext cx="7652658" cy="303212"/>
+          </a:xfrm>
+        </p:spPr>
+        <p:txBody>
+          <a:bodyPr>
+            <a:normAutofit fontScale="92500" lnSpcReduction="20000"/>
+          </a:bodyPr>
+          <a:lstStyle/>
+          <a:p>
+            <a:r>
+              <a:rPr lang="en-US" sz="1800" b="1" dirty="0"/>
+              <a:t>6.1 Java Operators </a:t>
+            </a:r>
+            <a:r>
+              <a:rPr lang="en-US" sz="1800" dirty="0"/>
+              <a:t>– 6.1.3 Post and Pre Unary Increment/Decrement operators</a:t>
+            </a:r>
+            <a:endParaRPr lang="en-US" sz="1800" b="1" dirty="0"/>
+          </a:p>
+        </p:txBody>
+      </p:sp>
+      <p:sp>
+        <p:nvSpPr>
+          <p:cNvPr id="4" name="Subtitle 2">
+            <a:extLst>
+              <a:ext uri="{FF2B5EF4-FFF2-40B4-BE49-F238E27FC236}">
+                <a16:creationId xmlns:a16="http://schemas.microsoft.com/office/drawing/2014/main" id="{E2608A03-D11B-E7B4-F6A5-AE5943C33F36}"/>
+              </a:ext>
+            </a:extLst>
+          </p:cNvPr>
+          <p:cNvSpPr txBox="1">
+            <a:spLocks/>
+          </p:cNvSpPr>
+          <p:nvPr/>
+        </p:nvSpPr>
+        <p:spPr>
+          <a:xfrm>
+            <a:off x="0" y="820738"/>
+            <a:ext cx="12192000" cy="6037262"/>
+          </a:xfrm>
+          <a:prstGeom prst="rect">
+            <a:avLst/>
+          </a:prstGeom>
+        </p:spPr>
+        <p:txBody>
+          <a:bodyPr vert="horz" lIns="91440" tIns="45720" rIns="91440" bIns="45720" rtlCol="0">
+            <a:normAutofit/>
+          </a:bodyPr>
+          <a:lstStyle>
+            <a:lvl1pPr marL="0" indent="0" algn="ctr" defTabSz="914400" rtl="0" eaLnBrk="1" latinLnBrk="0" hangingPunct="1">
+              <a:lnSpc>
+                <a:spcPct val="90000"/>
+              </a:lnSpc>
+              <a:spcBef>
+                <a:spcPts val="1000"/>
+              </a:spcBef>
+              <a:buFont typeface="Arial" panose="020B0604020202020204" pitchFamily="34" charset="0"/>
+              <a:buNone/>
+              <a:defRPr sz="2400" kern="1200">
+                <a:solidFill>
+                  <a:schemeClr val="tx1"/>
+                </a:solidFill>
+                <a:latin typeface="+mn-lt"/>
+                <a:ea typeface="+mn-ea"/>
+                <a:cs typeface="+mn-cs"/>
+              </a:defRPr>
+            </a:lvl1pPr>
+            <a:lvl2pPr marL="457200" indent="0" algn="ctr" defTabSz="914400" rtl="0" eaLnBrk="1" latinLnBrk="0" hangingPunct="1">
+              <a:lnSpc>
+                <a:spcPct val="90000"/>
+              </a:lnSpc>
+              <a:spcBef>
+                <a:spcPts val="500"/>
+              </a:spcBef>
+              <a:buFont typeface="Arial" panose="020B0604020202020204" pitchFamily="34" charset="0"/>
+              <a:buNone/>
+              <a:defRPr sz="2000" kern="1200">
+                <a:solidFill>
+                  <a:schemeClr val="tx1"/>
+                </a:solidFill>
+                <a:latin typeface="+mn-lt"/>
+                <a:ea typeface="+mn-ea"/>
+                <a:cs typeface="+mn-cs"/>
+              </a:defRPr>
+            </a:lvl2pPr>
+            <a:lvl3pPr marL="914400" indent="0" algn="ctr" defTabSz="914400" rtl="0" eaLnBrk="1" latinLnBrk="0" hangingPunct="1">
+              <a:lnSpc>
+                <a:spcPct val="90000"/>
+              </a:lnSpc>
+              <a:spcBef>
+                <a:spcPts val="500"/>
+              </a:spcBef>
+              <a:buFont typeface="Arial" panose="020B0604020202020204" pitchFamily="34" charset="0"/>
+              <a:buNone/>
+              <a:defRPr sz="1800" kern="1200">
+                <a:solidFill>
+                  <a:schemeClr val="tx1"/>
+                </a:solidFill>
+                <a:latin typeface="+mn-lt"/>
+                <a:ea typeface="+mn-ea"/>
+                <a:cs typeface="+mn-cs"/>
+              </a:defRPr>
+            </a:lvl3pPr>
+            <a:lvl4pPr marL="1371600" indent="0" algn="ctr" defTabSz="914400" rtl="0" eaLnBrk="1" latinLnBrk="0" hangingPunct="1">
+              <a:lnSpc>
+                <a:spcPct val="90000"/>
+              </a:lnSpc>
+              <a:spcBef>
+                <a:spcPts val="500"/>
+              </a:spcBef>
+              <a:buFont typeface="Arial" panose="020B0604020202020204" pitchFamily="34" charset="0"/>
+              <a:buNone/>
+              <a:defRPr sz="1600" kern="1200">
+                <a:solidFill>
+                  <a:schemeClr val="tx1"/>
+                </a:solidFill>
+                <a:latin typeface="+mn-lt"/>
+                <a:ea typeface="+mn-ea"/>
+                <a:cs typeface="+mn-cs"/>
+              </a:defRPr>
+            </a:lvl4pPr>
+            <a:lvl5pPr marL="1828800" indent="0" algn="ctr" defTabSz="914400" rtl="0" eaLnBrk="1" latinLnBrk="0" hangingPunct="1">
+              <a:lnSpc>
+                <a:spcPct val="90000"/>
+              </a:lnSpc>
+              <a:spcBef>
+                <a:spcPts val="500"/>
+              </a:spcBef>
+              <a:buFont typeface="Arial" panose="020B0604020202020204" pitchFamily="34" charset="0"/>
+              <a:buNone/>
+              <a:defRPr sz="1600" kern="1200">
+                <a:solidFill>
+                  <a:schemeClr val="tx1"/>
+                </a:solidFill>
+                <a:latin typeface="+mn-lt"/>
+                <a:ea typeface="+mn-ea"/>
+                <a:cs typeface="+mn-cs"/>
+              </a:defRPr>
+            </a:lvl5pPr>
+            <a:lvl6pPr marL="2286000" indent="0" algn="ctr" defTabSz="914400" rtl="0" eaLnBrk="1" latinLnBrk="0" hangingPunct="1">
+              <a:lnSpc>
+                <a:spcPct val="90000"/>
+              </a:lnSpc>
+              <a:spcBef>
+                <a:spcPts val="500"/>
+              </a:spcBef>
+              <a:buFont typeface="Arial" panose="020B0604020202020204" pitchFamily="34" charset="0"/>
+              <a:buNone/>
+              <a:defRPr sz="1600" kern="1200">
+                <a:solidFill>
+                  <a:schemeClr val="tx1"/>
+                </a:solidFill>
+                <a:latin typeface="+mn-lt"/>
+                <a:ea typeface="+mn-ea"/>
+                <a:cs typeface="+mn-cs"/>
+              </a:defRPr>
+            </a:lvl6pPr>
+            <a:lvl7pPr marL="2743200" indent="0" algn="ctr" defTabSz="914400" rtl="0" eaLnBrk="1" latinLnBrk="0" hangingPunct="1">
+              <a:lnSpc>
+                <a:spcPct val="90000"/>
+              </a:lnSpc>
+              <a:spcBef>
+                <a:spcPts val="500"/>
+              </a:spcBef>
+              <a:buFont typeface="Arial" panose="020B0604020202020204" pitchFamily="34" charset="0"/>
+              <a:buNone/>
+              <a:defRPr sz="1600" kern="1200">
+                <a:solidFill>
+                  <a:schemeClr val="tx1"/>
+                </a:solidFill>
+                <a:latin typeface="+mn-lt"/>
+                <a:ea typeface="+mn-ea"/>
+                <a:cs typeface="+mn-cs"/>
+              </a:defRPr>
+            </a:lvl7pPr>
+            <a:lvl8pPr marL="3200400" indent="0" algn="ctr" defTabSz="914400" rtl="0" eaLnBrk="1" latinLnBrk="0" hangingPunct="1">
+              <a:lnSpc>
+                <a:spcPct val="90000"/>
+              </a:lnSpc>
+              <a:spcBef>
+                <a:spcPts val="500"/>
+              </a:spcBef>
+              <a:buFont typeface="Arial" panose="020B0604020202020204" pitchFamily="34" charset="0"/>
+              <a:buNone/>
+              <a:defRPr sz="1600" kern="1200">
+                <a:solidFill>
+                  <a:schemeClr val="tx1"/>
+                </a:solidFill>
+                <a:latin typeface="+mn-lt"/>
+                <a:ea typeface="+mn-ea"/>
+                <a:cs typeface="+mn-cs"/>
+              </a:defRPr>
+            </a:lvl8pPr>
+            <a:lvl9pPr marL="3657600" indent="0" algn="ctr" defTabSz="914400" rtl="0" eaLnBrk="1" latinLnBrk="0" hangingPunct="1">
+              <a:lnSpc>
+                <a:spcPct val="90000"/>
+              </a:lnSpc>
+              <a:spcBef>
+                <a:spcPts val="500"/>
+              </a:spcBef>
+              <a:buFont typeface="Arial" panose="020B0604020202020204" pitchFamily="34" charset="0"/>
+              <a:buNone/>
+              <a:defRPr sz="1600" kern="1200">
+                <a:solidFill>
+                  <a:schemeClr val="tx1"/>
+                </a:solidFill>
+                <a:latin typeface="+mn-lt"/>
+                <a:ea typeface="+mn-ea"/>
+                <a:cs typeface="+mn-cs"/>
+              </a:defRPr>
+            </a:lvl9pPr>
+          </a:lstStyle>
+          <a:p>
+            <a:pPr marL="285750" indent="-285750" algn="l">
+              <a:buFontTx/>
+              <a:buChar char="-"/>
+            </a:pPr>
+            <a:r>
+              <a:rPr lang="en-US" sz="1800" dirty="0"/>
+              <a:t>The “++” and “—” operators can be applied to the variable in </a:t>
+            </a:r>
+            <a:r>
+              <a:rPr lang="en-US" sz="1800" b="1" dirty="0"/>
+              <a:t>“postfix” </a:t>
+            </a:r>
+            <a:r>
+              <a:rPr lang="en-US" sz="1800" dirty="0"/>
+              <a:t>and </a:t>
+            </a:r>
+            <a:r>
+              <a:rPr lang="en-US" sz="1800" b="1" dirty="0"/>
+              <a:t>”prefix” </a:t>
+            </a:r>
+            <a:r>
+              <a:rPr lang="en-US" sz="1800" dirty="0"/>
+              <a:t>forms. This operator will either increase or decrease the variable's value by 1. </a:t>
+            </a:r>
+            <a:r>
+              <a:rPr lang="en-US" sz="1800" b="1" dirty="0"/>
+              <a:t> </a:t>
+            </a:r>
+          </a:p>
+          <a:p>
+            <a:pPr marL="285750" indent="-285750" algn="l">
+              <a:buFontTx/>
+              <a:buChar char="-"/>
+            </a:pPr>
+            <a:r>
+              <a:rPr lang="en-US" sz="1800" dirty="0"/>
+              <a:t>The Postfix operator returns the original value of the variable while the prefix operator returns the updated value of the variable </a:t>
+            </a:r>
+            <a:r>
+              <a:rPr lang="en-US" sz="1000" b="1" dirty="0"/>
+              <a:t>(code illustration snippets 1 and 2)</a:t>
+            </a:r>
+          </a:p>
+          <a:p>
+            <a:pPr marL="285750" indent="-285750" algn="l">
+              <a:buFontTx/>
+              <a:buChar char="-"/>
+            </a:pPr>
+            <a:r>
+              <a:rPr lang="en-US" sz="1800" dirty="0"/>
+              <a:t>The Unary Increment and Decrement operators are composed of 2 parts:</a:t>
+            </a:r>
+          </a:p>
+          <a:p>
+            <a:pPr lvl="1" algn="l"/>
+            <a:r>
+              <a:rPr lang="en-US" sz="1800" dirty="0"/>
+              <a:t>+) The first part is the expression “</a:t>
+            </a:r>
+            <a:r>
+              <a:rPr lang="en-US" sz="1800" dirty="0" err="1"/>
+              <a:t>i</a:t>
+            </a:r>
+            <a:r>
+              <a:rPr lang="en-US" sz="1800" dirty="0"/>
+              <a:t>++” </a:t>
+            </a:r>
+          </a:p>
+          <a:p>
+            <a:pPr lvl="1" algn="l"/>
+            <a:r>
+              <a:rPr lang="en-US" sz="1800" dirty="0"/>
+              <a:t>+) The second part is the assignment to the variable ”post” using the assignment operator</a:t>
+            </a:r>
+          </a:p>
+          <a:p>
+            <a:pPr lvl="1" algn="l"/>
+            <a:r>
+              <a:rPr lang="en-US" sz="1000" b="1" dirty="0"/>
+              <a:t>(code illustration snippets 3 and 4)</a:t>
+            </a:r>
+          </a:p>
+          <a:p>
+            <a:pPr algn="l"/>
+            <a:r>
+              <a:rPr lang="en-US" sz="1800" dirty="0"/>
+              <a:t>- Using Unary Increment/Decrement on wrapper object is the same as primitive data types. However, it will create a new object with an increased or decreased value based on the operator we used. </a:t>
+            </a:r>
+            <a:r>
+              <a:rPr lang="en-US" sz="1000" b="1" dirty="0"/>
+              <a:t>(code illustration snippet 5)</a:t>
+            </a:r>
+          </a:p>
+          <a:p>
+            <a:pPr algn="l"/>
+            <a:endParaRPr lang="en-US" sz="1800" dirty="0"/>
+          </a:p>
+          <a:p>
+            <a:pPr algn="l"/>
+            <a:endParaRPr lang="en-US" sz="2200" dirty="0"/>
+          </a:p>
+        </p:txBody>
+      </p:sp>
+    </p:spTree>
+    <p:extLst>
+      <p:ext uri="{BB962C8B-B14F-4D97-AF65-F5344CB8AC3E}">
+        <p14:creationId xmlns:p14="http://schemas.microsoft.com/office/powerpoint/2010/main" val="3074810053"/>
+      </p:ext>
+    </p:extLst>
+  </p:cSld>
+  <p:clrMapOvr>
+    <a:masterClrMapping/>
+  </p:clrMapOvr>
+  <p:timing>
+    <p:tnLst>
+      <p:par>
+        <p:cTn id="1" dur="indefinite" restart="never" nodeType="tmRoot">
+          <p:childTnLst>
+            <p:seq concurrent="1" nextAc="seek">
+              <p:cTn id="2" dur="indefinite" nodeType="mainSeq">
+                <p:childTnLst>
+                  <p:par>
+                    <p:cTn id="3" fill="hold">
+                      <p:stCondLst>
+                        <p:cond delay="indefinite"/>
+                      </p:stCondLst>
+                      <p:childTnLst>
+                        <p:par>
+                          <p:cTn id="4" fill="hold">
+                            <p:stCondLst>
+                              <p:cond delay="0"/>
+                            </p:stCondLst>
+                            <p:childTnLst>
+                              <p:par>
+                                <p:cTn id="5" presetID="1" presetClass="entr" presetSubtype="0" fill="hold" nodeType="clickEffect">
+                                  <p:stCondLst>
+                                    <p:cond delay="0"/>
+                                  </p:stCondLst>
+                                  <p:childTnLst>
+                                    <p:set>
+                                      <p:cBhvr>
+                                        <p:cTn id="6" dur="1" fill="hold">
+                                          <p:stCondLst>
+                                            <p:cond delay="0"/>
+                                          </p:stCondLst>
+                                        </p:cTn>
+                                        <p:tgtEl>
+                                          <p:spTgt spid="4">
+                                            <p:txEl>
+                                              <p:pRg st="0" end="0"/>
+                                            </p:txEl>
+                                          </p:spTgt>
+                                        </p:tgtEl>
+                                        <p:attrNameLst>
+                                          <p:attrName>style.visibility</p:attrName>
+                                        </p:attrNameLst>
+                                      </p:cBhvr>
+                                      <p:to>
+                                        <p:strVal val="visible"/>
+                                      </p:to>
+                                    </p:set>
+                                  </p:childTnLst>
+                                </p:cTn>
+                              </p:par>
+                            </p:childTnLst>
+                          </p:cTn>
+                        </p:par>
+                      </p:childTnLst>
+                    </p:cTn>
+                  </p:par>
+                  <p:par>
+                    <p:cTn id="7" fill="hold">
+                      <p:stCondLst>
+                        <p:cond delay="indefinite"/>
+                      </p:stCondLst>
+                      <p:childTnLst>
+                        <p:par>
+                          <p:cTn id="8" fill="hold">
+                            <p:stCondLst>
+                              <p:cond delay="0"/>
+                            </p:stCondLst>
+                            <p:childTnLst>
+                              <p:par>
+                                <p:cTn id="9" presetID="1" presetClass="entr" presetSubtype="0" fill="hold" nodeType="clickEffect">
+                                  <p:stCondLst>
+                                    <p:cond delay="0"/>
+                                  </p:stCondLst>
+                                  <p:childTnLst>
+                                    <p:set>
+                                      <p:cBhvr>
+                                        <p:cTn id="10" dur="1" fill="hold">
+                                          <p:stCondLst>
+                                            <p:cond delay="0"/>
+                                          </p:stCondLst>
+                                        </p:cTn>
+                                        <p:tgtEl>
+                                          <p:spTgt spid="4">
+                                            <p:txEl>
+                                              <p:pRg st="1" end="1"/>
+                                            </p:txEl>
+                                          </p:spTgt>
+                                        </p:tgtEl>
+                                        <p:attrNameLst>
+                                          <p:attrName>style.visibility</p:attrName>
+                                        </p:attrNameLst>
+                                      </p:cBhvr>
+                                      <p:to>
+                                        <p:strVal val="visible"/>
+                                      </p:to>
+                                    </p:set>
+                                  </p:childTnLst>
+                                </p:cTn>
+                              </p:par>
+                            </p:childTnLst>
+                          </p:cTn>
+                        </p:par>
+                      </p:childTnLst>
+                    </p:cTn>
+                  </p:par>
+                  <p:par>
+                    <p:cTn id="11" fill="hold">
+                      <p:stCondLst>
+                        <p:cond delay="indefinite"/>
+                      </p:stCondLst>
+                      <p:childTnLst>
+                        <p:par>
+                          <p:cTn id="12" fill="hold">
+                            <p:stCondLst>
+                              <p:cond delay="0"/>
+                            </p:stCondLst>
+                            <p:childTnLst>
+                              <p:par>
+                                <p:cTn id="13" presetID="1" presetClass="entr" presetSubtype="0" fill="hold" nodeType="clickEffect">
+                                  <p:stCondLst>
+                                    <p:cond delay="0"/>
+                                  </p:stCondLst>
+                                  <p:childTnLst>
+                                    <p:set>
+                                      <p:cBhvr>
+                                        <p:cTn id="14" dur="1" fill="hold">
+                                          <p:stCondLst>
+                                            <p:cond delay="0"/>
+                                          </p:stCondLst>
+                                        </p:cTn>
+                                        <p:tgtEl>
+                                          <p:spTgt spid="4">
+                                            <p:txEl>
+                                              <p:pRg st="2" end="2"/>
+                                            </p:txEl>
+                                          </p:spTgt>
+                                        </p:tgtEl>
+                                        <p:attrNameLst>
+                                          <p:attrName>style.visibility</p:attrName>
+                                        </p:attrNameLst>
+                                      </p:cBhvr>
+                                      <p:to>
+                                        <p:strVal val="visible"/>
+                                      </p:to>
+                                    </p:set>
+                                  </p:childTnLst>
+                                </p:cTn>
+                              </p:par>
+                            </p:childTnLst>
+                          </p:cTn>
+                        </p:par>
+                      </p:childTnLst>
+                    </p:cTn>
+                  </p:par>
+                  <p:par>
+                    <p:cTn id="15" fill="hold">
+                      <p:stCondLst>
+                        <p:cond delay="indefinite"/>
+                      </p:stCondLst>
+                      <p:childTnLst>
+                        <p:par>
+                          <p:cTn id="16" fill="hold">
+                            <p:stCondLst>
+                              <p:cond delay="0"/>
+                            </p:stCondLst>
+                            <p:childTnLst>
+                              <p:par>
+                                <p:cTn id="17" presetID="1" presetClass="entr" presetSubtype="0" fill="hold" nodeType="clickEffect">
+                                  <p:stCondLst>
+                                    <p:cond delay="0"/>
+                                  </p:stCondLst>
+                                  <p:childTnLst>
+                                    <p:set>
+                                      <p:cBhvr>
+                                        <p:cTn id="18" dur="1" fill="hold">
+                                          <p:stCondLst>
+                                            <p:cond delay="0"/>
+                                          </p:stCondLst>
+                                        </p:cTn>
+                                        <p:tgtEl>
+                                          <p:spTgt spid="4">
+                                            <p:txEl>
+                                              <p:pRg st="3" end="3"/>
+                                            </p:txEl>
+                                          </p:spTgt>
+                                        </p:tgtEl>
+                                        <p:attrNameLst>
+                                          <p:attrName>style.visibility</p:attrName>
+                                        </p:attrNameLst>
+                                      </p:cBhvr>
+                                      <p:to>
+                                        <p:strVal val="visible"/>
+                                      </p:to>
+                                    </p:set>
+                                  </p:childTnLst>
+                                </p:cTn>
+                              </p:par>
+                            </p:childTnLst>
+                          </p:cTn>
+                        </p:par>
+                      </p:childTnLst>
+                    </p:cTn>
+                  </p:par>
+                  <p:par>
+                    <p:cTn id="19" fill="hold">
+                      <p:stCondLst>
+                        <p:cond delay="indefinite"/>
+                      </p:stCondLst>
+                      <p:childTnLst>
+                        <p:par>
+                          <p:cTn id="20" fill="hold">
+                            <p:stCondLst>
+                              <p:cond delay="0"/>
+                            </p:stCondLst>
+                            <p:childTnLst>
+                              <p:par>
+                                <p:cTn id="21" presetID="1" presetClass="entr" presetSubtype="0" fill="hold" nodeType="clickEffect">
+                                  <p:stCondLst>
+                                    <p:cond delay="0"/>
+                                  </p:stCondLst>
+                                  <p:childTnLst>
+                                    <p:set>
+                                      <p:cBhvr>
+                                        <p:cTn id="22" dur="1" fill="hold">
+                                          <p:stCondLst>
+                                            <p:cond delay="0"/>
+                                          </p:stCondLst>
+                                        </p:cTn>
+                                        <p:tgtEl>
+                                          <p:spTgt spid="4">
+                                            <p:txEl>
+                                              <p:pRg st="4" end="4"/>
+                                            </p:txEl>
+                                          </p:spTgt>
+                                        </p:tgtEl>
+                                        <p:attrNameLst>
+                                          <p:attrName>style.visibility</p:attrName>
+                                        </p:attrNameLst>
+                                      </p:cBhvr>
+                                      <p:to>
+                                        <p:strVal val="visible"/>
+                                      </p:to>
+                                    </p:set>
+                                  </p:childTnLst>
+                                </p:cTn>
+                              </p:par>
+                            </p:childTnLst>
+                          </p:cTn>
+                        </p:par>
+                      </p:childTnLst>
+                    </p:cTn>
+                  </p:par>
+                  <p:par>
+                    <p:cTn id="23" fill="hold">
+                      <p:stCondLst>
+                        <p:cond delay="indefinite"/>
+                      </p:stCondLst>
+                      <p:childTnLst>
+                        <p:par>
+                          <p:cTn id="24" fill="hold">
+                            <p:stCondLst>
+                              <p:cond delay="0"/>
+                            </p:stCondLst>
+                            <p:childTnLst>
+                              <p:par>
+                                <p:cTn id="25" presetID="1" presetClass="entr" presetSubtype="0" fill="hold" nodeType="clickEffect">
+                                  <p:stCondLst>
+                                    <p:cond delay="0"/>
+                                  </p:stCondLst>
+                                  <p:childTnLst>
+                                    <p:set>
+                                      <p:cBhvr>
+                                        <p:cTn id="26" dur="1" fill="hold">
+                                          <p:stCondLst>
+                                            <p:cond delay="0"/>
+                                          </p:stCondLst>
+                                        </p:cTn>
+                                        <p:tgtEl>
+                                          <p:spTgt spid="4">
+                                            <p:txEl>
+                                              <p:pRg st="5" end="5"/>
+                                            </p:txEl>
+                                          </p:spTgt>
+                                        </p:tgtEl>
+                                        <p:attrNameLst>
+                                          <p:attrName>style.visibility</p:attrName>
+                                        </p:attrNameLst>
+                                      </p:cBhvr>
+                                      <p:to>
+                                        <p:strVal val="visible"/>
+                                      </p:to>
+                                    </p:set>
+                                  </p:childTnLst>
+                                </p:cTn>
+                              </p:par>
+                            </p:childTnLst>
+                          </p:cTn>
+                        </p:par>
+                      </p:childTnLst>
+                    </p:cTn>
+                  </p:par>
+                  <p:par>
+                    <p:cTn id="27" fill="hold">
+                      <p:stCondLst>
+                        <p:cond delay="indefinite"/>
+                      </p:stCondLst>
+                      <p:childTnLst>
+                        <p:par>
+                          <p:cTn id="28" fill="hold">
+                            <p:stCondLst>
+                              <p:cond delay="0"/>
+                            </p:stCondLst>
+                            <p:childTnLst>
+                              <p:par>
+                                <p:cTn id="29" presetID="1" presetClass="entr" presetSubtype="0" fill="hold" nodeType="clickEffect">
+                                  <p:stCondLst>
+                                    <p:cond delay="0"/>
+                                  </p:stCondLst>
+                                  <p:childTnLst>
+                                    <p:set>
+                                      <p:cBhvr>
+                                        <p:cTn id="30" dur="1" fill="hold">
+                                          <p:stCondLst>
+                                            <p:cond delay="0"/>
+                                          </p:stCondLst>
+                                        </p:cTn>
+                                        <p:tgtEl>
+                                          <p:spTgt spid="4">
+                                            <p:txEl>
+                                              <p:pRg st="6" end="6"/>
+                                            </p:txEl>
+                                          </p:spTgt>
+                                        </p:tgtEl>
+                                        <p:attrNameLst>
+                                          <p:attrName>style.visibility</p:attrName>
+                                        </p:attrNameLst>
+                                      </p:cBhvr>
+                                      <p:to>
+                                        <p:strVal val="visible"/>
+                                      </p:to>
+                                    </p:set>
+                                  </p:childTnLst>
+                                </p:cTn>
+                              </p:par>
+                            </p:childTnLst>
+                          </p:cTn>
+                        </p:par>
+                      </p:childTnLst>
+                    </p:cTn>
+                  </p:par>
+                </p:childTnLst>
+              </p:cTn>
+              <p:prevCondLst>
+                <p:cond evt="onPrev" delay="0">
+                  <p:tgtEl>
+                    <p:sldTgt/>
+                  </p:tgtEl>
+                </p:cond>
+              </p:prevCondLst>
+              <p:nextCondLst>
+                <p:cond evt="onNext" delay="0">
+                  <p:tgtEl>
+                    <p:sldTgt/>
+                  </p:tgtEl>
+                </p:cond>
+              </p:nextCondLst>
+            </p:seq>
+          </p:childTnLst>
+        </p:cTn>
+      </p:par>
+    </p:tnLst>
+  </p:timing>
+</p:sld>
+</file>
+
+<file path=ppt/slides/slide5.xml><?xml version="1.0" encoding="utf-8"?>
+<p:sld xmlns:a="http://schemas.openxmlformats.org/drawingml/2006/main" xmlns:r="http://schemas.openxmlformats.org/officeDocument/2006/relationships" xmlns:p="http://schemas.openxmlformats.org/presentationml/2006/main">
+  <p:cSld>
+    <p:spTree>
+      <p:nvGrpSpPr>
+        <p:cNvPr id="1" name="">
+          <a:extLst>
+            <a:ext uri="{FF2B5EF4-FFF2-40B4-BE49-F238E27FC236}">
+              <a16:creationId xmlns:a16="http://schemas.microsoft.com/office/drawing/2014/main" id="{8A27F034-D244-EA51-6921-C4CAD059F984}"/>
+            </a:ext>
+          </a:extLst>
+        </p:cNvPr>
+        <p:cNvGrpSpPr/>
+        <p:nvPr/>
+      </p:nvGrpSpPr>
+      <p:grpSpPr>
+        <a:xfrm>
+          <a:off x="0" y="0"/>
+          <a:ext cx="0" cy="0"/>
+          <a:chOff x="0" y="0"/>
+          <a:chExt cx="0" cy="0"/>
+        </a:xfrm>
+      </p:grpSpPr>
+      <p:sp>
+        <p:nvSpPr>
+          <p:cNvPr id="3" name="Subtitle 2">
+            <a:extLst>
+              <a:ext uri="{FF2B5EF4-FFF2-40B4-BE49-F238E27FC236}">
+                <a16:creationId xmlns:a16="http://schemas.microsoft.com/office/drawing/2014/main" id="{6B143039-A42A-CEF5-1ADF-23ED56D4CAEC}"/>
+              </a:ext>
+            </a:extLst>
+          </p:cNvPr>
+          <p:cNvSpPr>
+            <a:spLocks noGrp="1"/>
+          </p:cNvSpPr>
+          <p:nvPr>
+            <p:ph type="subTitle" idx="1"/>
+          </p:nvPr>
+        </p:nvSpPr>
+        <p:spPr>
+          <a:xfrm>
+            <a:off x="97971" y="293688"/>
+            <a:ext cx="7652658" cy="303212"/>
+          </a:xfrm>
+        </p:spPr>
+        <p:txBody>
+          <a:bodyPr>
+            <a:normAutofit fontScale="92500" lnSpcReduction="20000"/>
+          </a:bodyPr>
+          <a:lstStyle/>
+          <a:p>
+            <a:r>
+              <a:rPr lang="en-US" sz="1800" b="1" dirty="0"/>
+              <a:t>6.1 Java Operators </a:t>
+            </a:r>
+            <a:r>
+              <a:rPr lang="en-US" sz="1800" dirty="0"/>
+              <a:t>– 6.1.4 String concatenation using “+” and “+=“ operators</a:t>
+            </a:r>
+            <a:endParaRPr lang="en-US" sz="1800" b="1" dirty="0"/>
+          </a:p>
+        </p:txBody>
+      </p:sp>
+      <p:sp>
+        <p:nvSpPr>
+          <p:cNvPr id="4" name="Subtitle 2">
+            <a:extLst>
+              <a:ext uri="{FF2B5EF4-FFF2-40B4-BE49-F238E27FC236}">
+                <a16:creationId xmlns:a16="http://schemas.microsoft.com/office/drawing/2014/main" id="{E02E4D0F-21E8-BC44-3955-E2543F100F9C}"/>
+              </a:ext>
+            </a:extLst>
+          </p:cNvPr>
+          <p:cNvSpPr txBox="1">
+            <a:spLocks/>
+          </p:cNvSpPr>
+          <p:nvPr/>
+        </p:nvSpPr>
+        <p:spPr>
+          <a:xfrm>
+            <a:off x="0" y="820738"/>
+            <a:ext cx="12192000" cy="6037262"/>
+          </a:xfrm>
+          <a:prstGeom prst="rect">
+            <a:avLst/>
+          </a:prstGeom>
+        </p:spPr>
+        <p:txBody>
+          <a:bodyPr vert="horz" lIns="91440" tIns="45720" rIns="91440" bIns="45720" rtlCol="0">
+            <a:normAutofit/>
+          </a:bodyPr>
+          <a:lstStyle>
+            <a:lvl1pPr marL="0" indent="0" algn="ctr" defTabSz="914400" rtl="0" eaLnBrk="1" latinLnBrk="0" hangingPunct="1">
+              <a:lnSpc>
+                <a:spcPct val="90000"/>
+              </a:lnSpc>
+              <a:spcBef>
+                <a:spcPts val="1000"/>
+              </a:spcBef>
+              <a:buFont typeface="Arial" panose="020B0604020202020204" pitchFamily="34" charset="0"/>
+              <a:buNone/>
+              <a:defRPr sz="2400" kern="1200">
+                <a:solidFill>
+                  <a:schemeClr val="tx1"/>
+                </a:solidFill>
+                <a:latin typeface="+mn-lt"/>
+                <a:ea typeface="+mn-ea"/>
+                <a:cs typeface="+mn-cs"/>
+              </a:defRPr>
+            </a:lvl1pPr>
+            <a:lvl2pPr marL="457200" indent="0" algn="ctr" defTabSz="914400" rtl="0" eaLnBrk="1" latinLnBrk="0" hangingPunct="1">
+              <a:lnSpc>
+                <a:spcPct val="90000"/>
+              </a:lnSpc>
+              <a:spcBef>
+                <a:spcPts val="500"/>
+              </a:spcBef>
+              <a:buFont typeface="Arial" panose="020B0604020202020204" pitchFamily="34" charset="0"/>
+              <a:buNone/>
+              <a:defRPr sz="2000" kern="1200">
+                <a:solidFill>
+                  <a:schemeClr val="tx1"/>
+                </a:solidFill>
+                <a:latin typeface="+mn-lt"/>
+                <a:ea typeface="+mn-ea"/>
+                <a:cs typeface="+mn-cs"/>
+              </a:defRPr>
+            </a:lvl2pPr>
+            <a:lvl3pPr marL="914400" indent="0" algn="ctr" defTabSz="914400" rtl="0" eaLnBrk="1" latinLnBrk="0" hangingPunct="1">
+              <a:lnSpc>
+                <a:spcPct val="90000"/>
+              </a:lnSpc>
+              <a:spcBef>
+                <a:spcPts val="500"/>
+              </a:spcBef>
+              <a:buFont typeface="Arial" panose="020B0604020202020204" pitchFamily="34" charset="0"/>
+              <a:buNone/>
+              <a:defRPr sz="1800" kern="1200">
+                <a:solidFill>
+                  <a:schemeClr val="tx1"/>
+                </a:solidFill>
+                <a:latin typeface="+mn-lt"/>
+                <a:ea typeface="+mn-ea"/>
+                <a:cs typeface="+mn-cs"/>
+              </a:defRPr>
+            </a:lvl3pPr>
+            <a:lvl4pPr marL="1371600" indent="0" algn="ctr" defTabSz="914400" rtl="0" eaLnBrk="1" latinLnBrk="0" hangingPunct="1">
+              <a:lnSpc>
+                <a:spcPct val="90000"/>
+              </a:lnSpc>
+              <a:spcBef>
+                <a:spcPts val="500"/>
+              </a:spcBef>
+              <a:buFont typeface="Arial" panose="020B0604020202020204" pitchFamily="34" charset="0"/>
+              <a:buNone/>
+              <a:defRPr sz="1600" kern="1200">
+                <a:solidFill>
+                  <a:schemeClr val="tx1"/>
+                </a:solidFill>
+                <a:latin typeface="+mn-lt"/>
+                <a:ea typeface="+mn-ea"/>
+                <a:cs typeface="+mn-cs"/>
+              </a:defRPr>
+            </a:lvl4pPr>
+            <a:lvl5pPr marL="1828800" indent="0" algn="ctr" defTabSz="914400" rtl="0" eaLnBrk="1" latinLnBrk="0" hangingPunct="1">
+              <a:lnSpc>
+                <a:spcPct val="90000"/>
+              </a:lnSpc>
+              <a:spcBef>
+                <a:spcPts val="500"/>
+              </a:spcBef>
+              <a:buFont typeface="Arial" panose="020B0604020202020204" pitchFamily="34" charset="0"/>
+              <a:buNone/>
+              <a:defRPr sz="1600" kern="1200">
+                <a:solidFill>
+                  <a:schemeClr val="tx1"/>
+                </a:solidFill>
+                <a:latin typeface="+mn-lt"/>
+                <a:ea typeface="+mn-ea"/>
+                <a:cs typeface="+mn-cs"/>
+              </a:defRPr>
+            </a:lvl5pPr>
+            <a:lvl6pPr marL="2286000" indent="0" algn="ctr" defTabSz="914400" rtl="0" eaLnBrk="1" latinLnBrk="0" hangingPunct="1">
+              <a:lnSpc>
+                <a:spcPct val="90000"/>
+              </a:lnSpc>
+              <a:spcBef>
+                <a:spcPts val="500"/>
+              </a:spcBef>
+              <a:buFont typeface="Arial" panose="020B0604020202020204" pitchFamily="34" charset="0"/>
+              <a:buNone/>
+              <a:defRPr sz="1600" kern="1200">
+                <a:solidFill>
+                  <a:schemeClr val="tx1"/>
+                </a:solidFill>
+                <a:latin typeface="+mn-lt"/>
+                <a:ea typeface="+mn-ea"/>
+                <a:cs typeface="+mn-cs"/>
+              </a:defRPr>
+            </a:lvl6pPr>
+            <a:lvl7pPr marL="2743200" indent="0" algn="ctr" defTabSz="914400" rtl="0" eaLnBrk="1" latinLnBrk="0" hangingPunct="1">
+              <a:lnSpc>
+                <a:spcPct val="90000"/>
+              </a:lnSpc>
+              <a:spcBef>
+                <a:spcPts val="500"/>
+              </a:spcBef>
+              <a:buFont typeface="Arial" panose="020B0604020202020204" pitchFamily="34" charset="0"/>
+              <a:buNone/>
+              <a:defRPr sz="1600" kern="1200">
+                <a:solidFill>
+                  <a:schemeClr val="tx1"/>
+                </a:solidFill>
+                <a:latin typeface="+mn-lt"/>
+                <a:ea typeface="+mn-ea"/>
+                <a:cs typeface="+mn-cs"/>
+              </a:defRPr>
+            </a:lvl7pPr>
+            <a:lvl8pPr marL="3200400" indent="0" algn="ctr" defTabSz="914400" rtl="0" eaLnBrk="1" latinLnBrk="0" hangingPunct="1">
+              <a:lnSpc>
+                <a:spcPct val="90000"/>
+              </a:lnSpc>
+              <a:spcBef>
+                <a:spcPts val="500"/>
+              </a:spcBef>
+              <a:buFont typeface="Arial" panose="020B0604020202020204" pitchFamily="34" charset="0"/>
+              <a:buNone/>
+              <a:defRPr sz="1600" kern="1200">
+                <a:solidFill>
+                  <a:schemeClr val="tx1"/>
+                </a:solidFill>
+                <a:latin typeface="+mn-lt"/>
+                <a:ea typeface="+mn-ea"/>
+                <a:cs typeface="+mn-cs"/>
+              </a:defRPr>
+            </a:lvl8pPr>
+            <a:lvl9pPr marL="3657600" indent="0" algn="ctr" defTabSz="914400" rtl="0" eaLnBrk="1" latinLnBrk="0" hangingPunct="1">
+              <a:lnSpc>
+                <a:spcPct val="90000"/>
+              </a:lnSpc>
+              <a:spcBef>
+                <a:spcPts val="500"/>
+              </a:spcBef>
+              <a:buFont typeface="Arial" panose="020B0604020202020204" pitchFamily="34" charset="0"/>
+              <a:buNone/>
+              <a:defRPr sz="1600" kern="1200">
+                <a:solidFill>
+                  <a:schemeClr val="tx1"/>
+                </a:solidFill>
+                <a:latin typeface="+mn-lt"/>
+                <a:ea typeface="+mn-ea"/>
+                <a:cs typeface="+mn-cs"/>
+              </a:defRPr>
+            </a:lvl9pPr>
+          </a:lstStyle>
+          <a:p>
+            <a:pPr marL="285750" indent="-285750" algn="l">
+              <a:buFontTx/>
+              <a:buChar char="-"/>
+            </a:pPr>
+            <a:r>
+              <a:rPr lang="en-US" sz="1800" dirty="0"/>
+              <a:t>The ”+” and “+=” operators can perform mathematical operations and </a:t>
+            </a:r>
+            <a:r>
+              <a:rPr lang="en-US" sz="1800" b="1" dirty="0"/>
+              <a:t>String concatenation </a:t>
+            </a:r>
+            <a:r>
+              <a:rPr lang="en-US" sz="1800" dirty="0"/>
+              <a:t>operations.</a:t>
+            </a:r>
+          </a:p>
+          <a:p>
+            <a:pPr marL="285750" indent="-285750" algn="l">
+              <a:buFontTx/>
+              <a:buChar char="-"/>
+            </a:pPr>
+            <a:r>
+              <a:rPr lang="en-US" sz="1800" dirty="0"/>
+              <a:t> The behavior of these operators changes based on the operands that we are working</a:t>
+            </a:r>
+          </a:p>
+          <a:p>
+            <a:pPr marL="285750" indent="-285750" algn="l">
+              <a:buFontTx/>
+              <a:buChar char="-"/>
+            </a:pPr>
+            <a:r>
+              <a:rPr lang="en-US" sz="1800" dirty="0"/>
+              <a:t>If no String operands are detected, mathematical operations will be executed</a:t>
+            </a:r>
+          </a:p>
+          <a:p>
+            <a:pPr marL="285750" indent="-285750" algn="l">
+              <a:buFontTx/>
+              <a:buChar char="-"/>
+            </a:pPr>
+            <a:r>
+              <a:rPr lang="en-US" sz="1800" dirty="0"/>
+              <a:t>If there is </a:t>
+            </a:r>
+            <a:r>
+              <a:rPr lang="en-US" sz="1800" b="1" dirty="0"/>
+              <a:t>AT LEAST </a:t>
+            </a:r>
+            <a:r>
+              <a:rPr lang="en-US" sz="1800" dirty="0"/>
+              <a:t>1 String operand detected, String concatenation will be executed (if one of the operands is String and other operands are non-String =&gt; the non-String operand will be converted to String operand =&gt; the concatenation will be executed) </a:t>
+            </a:r>
+            <a:r>
+              <a:rPr lang="en-US" sz="1000" b="1" dirty="0"/>
+              <a:t>(code illustration snippet 6) </a:t>
+            </a:r>
+          </a:p>
+          <a:p>
+            <a:pPr marL="285750" indent="-285750" algn="l">
+              <a:buFontTx/>
+              <a:buChar char="-"/>
+            </a:pPr>
+            <a:r>
+              <a:rPr lang="en-US" sz="1800" dirty="0"/>
+              <a:t>When concatenating String variable to a non-String variable, a special method called “</a:t>
+            </a:r>
+            <a:r>
+              <a:rPr lang="en-US" sz="1800" dirty="0" err="1"/>
+              <a:t>toString</a:t>
+            </a:r>
+            <a:r>
+              <a:rPr lang="en-US" sz="1800" dirty="0"/>
+              <a:t>()” from class “</a:t>
+            </a:r>
+            <a:r>
+              <a:rPr lang="en-US" sz="1800" dirty="0" err="1"/>
+              <a:t>java.class.Object</a:t>
+            </a:r>
+            <a:r>
+              <a:rPr lang="en-US" sz="1800" dirty="0"/>
+              <a:t>” will be invoked with the non-String variable. This method is used to create a String representation for the object. </a:t>
+            </a:r>
+          </a:p>
+          <a:p>
+            <a:pPr marL="285750" indent="-285750" algn="l">
+              <a:buFontTx/>
+              <a:buChar char="-"/>
+            </a:pPr>
+            <a:r>
+              <a:rPr lang="en-US" sz="1800" dirty="0"/>
+              <a:t>If the variable is primitive, it will be transformed into </a:t>
+            </a:r>
+            <a:r>
+              <a:rPr lang="en-US" sz="1800" b="1" dirty="0"/>
+              <a:t>wrapper object </a:t>
+            </a:r>
+            <a:r>
+              <a:rPr lang="en-US" sz="1800" dirty="0"/>
+              <a:t>and then call the method “</a:t>
+            </a:r>
+            <a:r>
+              <a:rPr lang="en-US" sz="1800" dirty="0" err="1"/>
+              <a:t>toString</a:t>
+            </a:r>
+            <a:r>
+              <a:rPr lang="en-US" sz="1800" dirty="0"/>
+              <a:t>()” </a:t>
+            </a:r>
+            <a:r>
+              <a:rPr lang="en-US" sz="1000" b="1" dirty="0"/>
+              <a:t>(code snippet 7) </a:t>
+            </a:r>
+          </a:p>
+          <a:p>
+            <a:pPr algn="l"/>
+            <a:r>
+              <a:rPr lang="en-US" sz="1000" b="1" dirty="0"/>
+              <a:t>(code illustration snippet 8)</a:t>
+            </a:r>
+          </a:p>
+          <a:p>
+            <a:pPr marL="285750" indent="-285750" algn="l">
+              <a:buFontTx/>
+              <a:buChar char="-"/>
+            </a:pPr>
+            <a:r>
+              <a:rPr lang="en-US" sz="1800" dirty="0"/>
+              <a:t>The ”+” operator will check whether the non-String variable is ”null” or not. If it is “null”, a String “null” will be concatenated with the String variable </a:t>
+            </a:r>
+          </a:p>
+          <a:p>
+            <a:pPr marL="285750" indent="-285750" algn="l">
+              <a:buFontTx/>
+              <a:buChar char="-"/>
+            </a:pPr>
+            <a:r>
+              <a:rPr lang="en-US" sz="1800" dirty="0"/>
+              <a:t>”+=“ operator will only work if the left of the expression is a String variable (the left side could be any variable type) (code illustration snippet 9 – 10)</a:t>
+            </a:r>
+          </a:p>
+          <a:p>
+            <a:pPr marL="285750" indent="-285750" algn="l">
+              <a:buFontTx/>
+              <a:buChar char="-"/>
+            </a:pPr>
+            <a:endParaRPr lang="en-US" sz="1800" dirty="0"/>
+          </a:p>
+          <a:p>
+            <a:pPr marL="285750" indent="-285750" algn="l">
+              <a:buFontTx/>
+              <a:buChar char="-"/>
+            </a:pPr>
+            <a:endParaRPr lang="en-US" sz="1800" dirty="0"/>
+          </a:p>
+        </p:txBody>
+      </p:sp>
+    </p:spTree>
+    <p:extLst>
+      <p:ext uri="{BB962C8B-B14F-4D97-AF65-F5344CB8AC3E}">
+        <p14:creationId xmlns:p14="http://schemas.microsoft.com/office/powerpoint/2010/main" val="65112958"/>
+      </p:ext>
+    </p:extLst>
+  </p:cSld>
+  <p:clrMapOvr>
+    <a:masterClrMapping/>
+  </p:clrMapOvr>
+  <p:timing>
+    <p:tnLst>
+      <p:par>
+        <p:cTn id="1" dur="indefinite" restart="never" nodeType="tmRoot">
+          <p:childTnLst>
+            <p:seq concurrent="1" nextAc="seek">
+              <p:cTn id="2" dur="indefinite" nodeType="mainSeq">
+                <p:childTnLst>
+                  <p:par>
+                    <p:cTn id="3" fill="hold">
+                      <p:stCondLst>
+                        <p:cond delay="indefinite"/>
+                      </p:stCondLst>
+                      <p:childTnLst>
+                        <p:par>
+                          <p:cTn id="4" fill="hold">
+                            <p:stCondLst>
+                              <p:cond delay="0"/>
+                            </p:stCondLst>
+                            <p:childTnLst>
+                              <p:par>
+                                <p:cTn id="5" presetID="1" presetClass="entr" presetSubtype="0" fill="hold" nodeType="clickEffect">
+                                  <p:stCondLst>
+                                    <p:cond delay="0"/>
+                                  </p:stCondLst>
+                                  <p:childTnLst>
+                                    <p:set>
+                                      <p:cBhvr>
+                                        <p:cTn id="6" dur="1" fill="hold">
+                                          <p:stCondLst>
+                                            <p:cond delay="0"/>
+                                          </p:stCondLst>
+                                        </p:cTn>
+                                        <p:tgtEl>
+                                          <p:spTgt spid="4">
+                                            <p:txEl>
+                                              <p:pRg st="0" end="0"/>
+                                            </p:txEl>
+                                          </p:spTgt>
+                                        </p:tgtEl>
+                                        <p:attrNameLst>
+                                          <p:attrName>style.visibility</p:attrName>
+                                        </p:attrNameLst>
+                                      </p:cBhvr>
+                                      <p:to>
+                                        <p:strVal val="visible"/>
+                                      </p:to>
+                                    </p:set>
+                                  </p:childTnLst>
+                                </p:cTn>
+                              </p:par>
+                            </p:childTnLst>
+                          </p:cTn>
+                        </p:par>
+                      </p:childTnLst>
+                    </p:cTn>
+                  </p:par>
+                  <p:par>
+                    <p:cTn id="7" fill="hold">
+                      <p:stCondLst>
+                        <p:cond delay="indefinite"/>
+                      </p:stCondLst>
+                      <p:childTnLst>
+                        <p:par>
+                          <p:cTn id="8" fill="hold">
+                            <p:stCondLst>
+                              <p:cond delay="0"/>
+                            </p:stCondLst>
+                            <p:childTnLst>
+                              <p:par>
+                                <p:cTn id="9" presetID="1" presetClass="entr" presetSubtype="0" fill="hold" nodeType="clickEffect">
+                                  <p:stCondLst>
+                                    <p:cond delay="0"/>
+                                  </p:stCondLst>
+                                  <p:childTnLst>
+                                    <p:set>
+                                      <p:cBhvr>
+                                        <p:cTn id="10" dur="1" fill="hold">
+                                          <p:stCondLst>
+                                            <p:cond delay="0"/>
+                                          </p:stCondLst>
+                                        </p:cTn>
+                                        <p:tgtEl>
+                                          <p:spTgt spid="4">
+                                            <p:txEl>
+                                              <p:pRg st="1" end="1"/>
+                                            </p:txEl>
+                                          </p:spTgt>
+                                        </p:tgtEl>
+                                        <p:attrNameLst>
+                                          <p:attrName>style.visibility</p:attrName>
+                                        </p:attrNameLst>
+                                      </p:cBhvr>
+                                      <p:to>
+                                        <p:strVal val="visible"/>
+                                      </p:to>
+                                    </p:set>
+                                  </p:childTnLst>
+                                </p:cTn>
+                              </p:par>
+                            </p:childTnLst>
+                          </p:cTn>
+                        </p:par>
+                      </p:childTnLst>
+                    </p:cTn>
+                  </p:par>
+                  <p:par>
+                    <p:cTn id="11" fill="hold">
+                      <p:stCondLst>
+                        <p:cond delay="indefinite"/>
+                      </p:stCondLst>
+                      <p:childTnLst>
+                        <p:par>
+                          <p:cTn id="12" fill="hold">
+                            <p:stCondLst>
+                              <p:cond delay="0"/>
+                            </p:stCondLst>
+                            <p:childTnLst>
+                              <p:par>
+                                <p:cTn id="13" presetID="1" presetClass="entr" presetSubtype="0" fill="hold" nodeType="clickEffect">
+                                  <p:stCondLst>
+                                    <p:cond delay="0"/>
+                                  </p:stCondLst>
+                                  <p:childTnLst>
+                                    <p:set>
+                                      <p:cBhvr>
+                                        <p:cTn id="14" dur="1" fill="hold">
+                                          <p:stCondLst>
+                                            <p:cond delay="0"/>
+                                          </p:stCondLst>
+                                        </p:cTn>
+                                        <p:tgtEl>
+                                          <p:spTgt spid="4">
+                                            <p:txEl>
+                                              <p:pRg st="2" end="2"/>
+                                            </p:txEl>
+                                          </p:spTgt>
+                                        </p:tgtEl>
+                                        <p:attrNameLst>
+                                          <p:attrName>style.visibility</p:attrName>
+                                        </p:attrNameLst>
+                                      </p:cBhvr>
+                                      <p:to>
+                                        <p:strVal val="visible"/>
+                                      </p:to>
+                                    </p:set>
+                                  </p:childTnLst>
+                                </p:cTn>
+                              </p:par>
+                            </p:childTnLst>
+                          </p:cTn>
+                        </p:par>
+                      </p:childTnLst>
+                    </p:cTn>
+                  </p:par>
+                  <p:par>
+                    <p:cTn id="15" fill="hold">
+                      <p:stCondLst>
+                        <p:cond delay="indefinite"/>
+                      </p:stCondLst>
+                      <p:childTnLst>
+                        <p:par>
+                          <p:cTn id="16" fill="hold">
+                            <p:stCondLst>
+                              <p:cond delay="0"/>
+                            </p:stCondLst>
+                            <p:childTnLst>
+                              <p:par>
+                                <p:cTn id="17" presetID="1" presetClass="entr" presetSubtype="0" fill="hold" nodeType="clickEffect">
+                                  <p:stCondLst>
+                                    <p:cond delay="0"/>
+                                  </p:stCondLst>
+                                  <p:childTnLst>
+                                    <p:set>
+                                      <p:cBhvr>
+                                        <p:cTn id="18" dur="1" fill="hold">
+                                          <p:stCondLst>
+                                            <p:cond delay="0"/>
+                                          </p:stCondLst>
+                                        </p:cTn>
+                                        <p:tgtEl>
+                                          <p:spTgt spid="4">
+                                            <p:txEl>
+                                              <p:pRg st="3" end="3"/>
+                                            </p:txEl>
+                                          </p:spTgt>
+                                        </p:tgtEl>
+                                        <p:attrNameLst>
+                                          <p:attrName>style.visibility</p:attrName>
+                                        </p:attrNameLst>
+                                      </p:cBhvr>
+                                      <p:to>
+                                        <p:strVal val="visible"/>
+                                      </p:to>
+                                    </p:set>
+                                  </p:childTnLst>
+                                </p:cTn>
+                              </p:par>
+                            </p:childTnLst>
+                          </p:cTn>
+                        </p:par>
+                      </p:childTnLst>
+                    </p:cTn>
+                  </p:par>
+                  <p:par>
+                    <p:cTn id="19" fill="hold">
+                      <p:stCondLst>
+                        <p:cond delay="indefinite"/>
+                      </p:stCondLst>
+                      <p:childTnLst>
+                        <p:par>
+                          <p:cTn id="20" fill="hold">
+                            <p:stCondLst>
+                              <p:cond delay="0"/>
+                            </p:stCondLst>
+                            <p:childTnLst>
+                              <p:par>
+                                <p:cTn id="21" presetID="1" presetClass="entr" presetSubtype="0" fill="hold" nodeType="clickEffect">
+                                  <p:stCondLst>
+                                    <p:cond delay="0"/>
+                                  </p:stCondLst>
+                                  <p:childTnLst>
+                                    <p:set>
+                                      <p:cBhvr>
+                                        <p:cTn id="22" dur="1" fill="hold">
+                                          <p:stCondLst>
+                                            <p:cond delay="0"/>
+                                          </p:stCondLst>
+                                        </p:cTn>
+                                        <p:tgtEl>
+                                          <p:spTgt spid="4">
+                                            <p:txEl>
+                                              <p:pRg st="4" end="4"/>
+                                            </p:txEl>
+                                          </p:spTgt>
+                                        </p:tgtEl>
+                                        <p:attrNameLst>
+                                          <p:attrName>style.visibility</p:attrName>
+                                        </p:attrNameLst>
+                                      </p:cBhvr>
+                                      <p:to>
+                                        <p:strVal val="visible"/>
+                                      </p:to>
+                                    </p:set>
+                                  </p:childTnLst>
+                                </p:cTn>
+                              </p:par>
+                            </p:childTnLst>
+                          </p:cTn>
+                        </p:par>
+                      </p:childTnLst>
+                    </p:cTn>
+                  </p:par>
+                  <p:par>
+                    <p:cTn id="23" fill="hold">
+                      <p:stCondLst>
+                        <p:cond delay="indefinite"/>
+                      </p:stCondLst>
+                      <p:childTnLst>
+                        <p:par>
+                          <p:cTn id="24" fill="hold">
+                            <p:stCondLst>
+                              <p:cond delay="0"/>
+                            </p:stCondLst>
+                            <p:childTnLst>
+                              <p:par>
+                                <p:cTn id="25" presetID="1" presetClass="entr" presetSubtype="0" fill="hold" nodeType="clickEffect">
+                                  <p:stCondLst>
+                                    <p:cond delay="0"/>
+                                  </p:stCondLst>
+                                  <p:childTnLst>
+                                    <p:set>
+                                      <p:cBhvr>
+                                        <p:cTn id="26" dur="1" fill="hold">
+                                          <p:stCondLst>
+                                            <p:cond delay="0"/>
+                                          </p:stCondLst>
+                                        </p:cTn>
+                                        <p:tgtEl>
+                                          <p:spTgt spid="4">
+                                            <p:txEl>
+                                              <p:pRg st="5" end="5"/>
+                                            </p:txEl>
+                                          </p:spTgt>
+                                        </p:tgtEl>
+                                        <p:attrNameLst>
+                                          <p:attrName>style.visibility</p:attrName>
+                                        </p:attrNameLst>
+                                      </p:cBhvr>
+                                      <p:to>
+                                        <p:strVal val="visible"/>
+                                      </p:to>
+                                    </p:set>
+                                  </p:childTnLst>
+                                </p:cTn>
+                              </p:par>
+                            </p:childTnLst>
+                          </p:cTn>
+                        </p:par>
+                      </p:childTnLst>
+                    </p:cTn>
+                  </p:par>
+                  <p:par>
+                    <p:cTn id="27" fill="hold">
+                      <p:stCondLst>
+                        <p:cond delay="indefinite"/>
+                      </p:stCondLst>
+                      <p:childTnLst>
+                        <p:par>
+                          <p:cTn id="28" fill="hold">
+                            <p:stCondLst>
+                              <p:cond delay="0"/>
+                            </p:stCondLst>
+                            <p:childTnLst>
+                              <p:par>
+                                <p:cTn id="29" presetID="1" presetClass="entr" presetSubtype="0" fill="hold" nodeType="clickEffect">
+                                  <p:stCondLst>
+                                    <p:cond delay="0"/>
+                                  </p:stCondLst>
+                                  <p:childTnLst>
+                                    <p:set>
+                                      <p:cBhvr>
+                                        <p:cTn id="30" dur="1" fill="hold">
+                                          <p:stCondLst>
+                                            <p:cond delay="0"/>
+                                          </p:stCondLst>
+                                        </p:cTn>
+                                        <p:tgtEl>
+                                          <p:spTgt spid="4">
+                                            <p:txEl>
+                                              <p:pRg st="6" end="6"/>
+                                            </p:txEl>
+                                          </p:spTgt>
+                                        </p:tgtEl>
+                                        <p:attrNameLst>
+                                          <p:attrName>style.visibility</p:attrName>
+                                        </p:attrNameLst>
+                                      </p:cBhvr>
+                                      <p:to>
+                                        <p:strVal val="visible"/>
+                                      </p:to>
+                                    </p:set>
+                                  </p:childTnLst>
+                                </p:cTn>
+                              </p:par>
+                            </p:childTnLst>
+                          </p:cTn>
+                        </p:par>
+                      </p:childTnLst>
+                    </p:cTn>
+                  </p:par>
+                  <p:par>
+                    <p:cTn id="31" fill="hold">
+                      <p:stCondLst>
+                        <p:cond delay="indefinite"/>
+                      </p:stCondLst>
+                      <p:childTnLst>
+                        <p:par>
+                          <p:cTn id="32" fill="hold">
+                            <p:stCondLst>
+                              <p:cond delay="0"/>
+                            </p:stCondLst>
+                            <p:childTnLst>
+                              <p:par>
+                                <p:cTn id="33" presetID="1" presetClass="entr" presetSubtype="0" fill="hold" nodeType="clickEffect">
+                                  <p:stCondLst>
+                                    <p:cond delay="0"/>
+                                  </p:stCondLst>
+                                  <p:childTnLst>
+                                    <p:set>
+                                      <p:cBhvr>
+                                        <p:cTn id="34" dur="1" fill="hold">
+                                          <p:stCondLst>
+                                            <p:cond delay="0"/>
+                                          </p:stCondLst>
+                                        </p:cTn>
+                                        <p:tgtEl>
+                                          <p:spTgt spid="4">
+                                            <p:txEl>
+                                              <p:pRg st="7" end="7"/>
+                                            </p:txEl>
+                                          </p:spTgt>
+                                        </p:tgtEl>
+                                        <p:attrNameLst>
+                                          <p:attrName>style.visibility</p:attrName>
+                                        </p:attrNameLst>
+                                      </p:cBhvr>
+                                      <p:to>
+                                        <p:strVal val="visible"/>
+                                      </p:to>
+                                    </p:set>
+                                  </p:childTnLst>
+                                </p:cTn>
+                              </p:par>
+                            </p:childTnLst>
+                          </p:cTn>
+                        </p:par>
+                      </p:childTnLst>
+                    </p:cTn>
+                  </p:par>
+                  <p:par>
+                    <p:cTn id="35" fill="hold">
+                      <p:stCondLst>
+                        <p:cond delay="indefinite"/>
+                      </p:stCondLst>
+                      <p:childTnLst>
+                        <p:par>
+                          <p:cTn id="36" fill="hold">
+                            <p:stCondLst>
+                              <p:cond delay="0"/>
+                            </p:stCondLst>
+                            <p:childTnLst>
+                              <p:par>
+                                <p:cTn id="37" presetID="1" presetClass="entr" presetSubtype="0" fill="hold" nodeType="clickEffect">
+                                  <p:stCondLst>
+                                    <p:cond delay="0"/>
+                                  </p:stCondLst>
+                                  <p:childTnLst>
+                                    <p:set>
+                                      <p:cBhvr>
+                                        <p:cTn id="38" dur="1" fill="hold">
+                                          <p:stCondLst>
+                                            <p:cond delay="0"/>
+                                          </p:stCondLst>
+                                        </p:cTn>
+                                        <p:tgtEl>
+                                          <p:spTgt spid="4">
+                                            <p:txEl>
+                                              <p:pRg st="8" end="8"/>
+                                            </p:txEl>
+                                          </p:spTgt>
+                                        </p:tgtEl>
+                                        <p:attrNameLst>
+                                          <p:attrName>style.visibility</p:attrName>
+                                        </p:attrNameLst>
+                                      </p:cBhvr>
+                                      <p:to>
+                                        <p:strVal val="visible"/>
+                                      </p:to>
+                                    </p:set>
+                                  </p:childTnLst>
+                                </p:cTn>
+                              </p:par>
+                            </p:childTnLst>
+                          </p:cTn>
+                        </p:par>
+                      </p:childTnLst>
+                    </p:cTn>
+                  </p:par>
+                </p:childTnLst>
+              </p:cTn>
+              <p:prevCondLst>
+                <p:cond evt="onPrev" delay="0">
+                  <p:tgtEl>
+                    <p:sldTgt/>
+                  </p:tgtEl>
+                </p:cond>
+              </p:prevCondLst>
+              <p:nextCondLst>
+                <p:cond evt="onNext" delay="0">
+                  <p:tgtEl>
+                    <p:sldTgt/>
+                  </p:tgtEl>
+                </p:cond>
+              </p:nextCondLst>
+            </p:seq>
+          </p:childTnLst>
+        </p:cTn>
+      </p:par>
+    </p:tnLst>
+  </p:timing>
+</p:sld>
+</file>
+
+<file path=ppt/slides/slide6.xml><?xml version="1.0" encoding="utf-8"?>
+<p:sld xmlns:a="http://schemas.openxmlformats.org/drawingml/2006/main" xmlns:r="http://schemas.openxmlformats.org/officeDocument/2006/relationships" xmlns:p="http://schemas.openxmlformats.org/presentationml/2006/main">
+  <p:cSld>
+    <p:spTree>
+      <p:nvGrpSpPr>
+        <p:cNvPr id="1" name="">
+          <a:extLst>
+            <a:ext uri="{FF2B5EF4-FFF2-40B4-BE49-F238E27FC236}">
+              <a16:creationId xmlns:a16="http://schemas.microsoft.com/office/drawing/2014/main" id="{9AD84F93-B996-B311-CE38-1CD98659511C}"/>
+            </a:ext>
+          </a:extLst>
+        </p:cNvPr>
+        <p:cNvGrpSpPr/>
+        <p:nvPr/>
+      </p:nvGrpSpPr>
+      <p:grpSpPr>
+        <a:xfrm>
+          <a:off x="0" y="0"/>
+          <a:ext cx="0" cy="0"/>
+          <a:chOff x="0" y="0"/>
+          <a:chExt cx="0" cy="0"/>
+        </a:xfrm>
+      </p:grpSpPr>
+      <p:sp>
+        <p:nvSpPr>
+          <p:cNvPr id="3" name="Subtitle 2">
+            <a:extLst>
+              <a:ext uri="{FF2B5EF4-FFF2-40B4-BE49-F238E27FC236}">
+                <a16:creationId xmlns:a16="http://schemas.microsoft.com/office/drawing/2014/main" id="{D3D99236-040B-2518-C4EA-2997353C755A}"/>
+              </a:ext>
+            </a:extLst>
+          </p:cNvPr>
+          <p:cNvSpPr>
+            <a:spLocks noGrp="1"/>
+          </p:cNvSpPr>
+          <p:nvPr>
+            <p:ph type="subTitle" idx="1"/>
+          </p:nvPr>
+        </p:nvSpPr>
+        <p:spPr>
+          <a:xfrm>
+            <a:off x="97971" y="293688"/>
+            <a:ext cx="7652658" cy="303212"/>
+          </a:xfrm>
+        </p:spPr>
+        <p:txBody>
+          <a:bodyPr>
+            <a:normAutofit fontScale="92500" lnSpcReduction="20000"/>
+          </a:bodyPr>
+          <a:lstStyle/>
+          <a:p>
+            <a:r>
+              <a:rPr lang="en-US" sz="1800" b="1" dirty="0"/>
+              <a:t>6.1 Java Operators </a:t>
+            </a:r>
+            <a:r>
+              <a:rPr lang="en-US" sz="1800" dirty="0"/>
+              <a:t>– 6.1.5 Numeric promotion and casting</a:t>
+            </a:r>
+            <a:endParaRPr lang="en-US" sz="1800" b="1" dirty="0"/>
+          </a:p>
+        </p:txBody>
+      </p:sp>
+      <p:sp>
+        <p:nvSpPr>
+          <p:cNvPr id="4" name="Subtitle 2">
+            <a:extLst>
+              <a:ext uri="{FF2B5EF4-FFF2-40B4-BE49-F238E27FC236}">
+                <a16:creationId xmlns:a16="http://schemas.microsoft.com/office/drawing/2014/main" id="{75FCFD56-AA16-BD02-E8F1-129A170F789D}"/>
+              </a:ext>
+            </a:extLst>
+          </p:cNvPr>
+          <p:cNvSpPr txBox="1">
+            <a:spLocks/>
+          </p:cNvSpPr>
+          <p:nvPr/>
+        </p:nvSpPr>
+        <p:spPr>
+          <a:xfrm>
+            <a:off x="0" y="820738"/>
+            <a:ext cx="12192000" cy="6037262"/>
+          </a:xfrm>
+          <a:prstGeom prst="rect">
+            <a:avLst/>
+          </a:prstGeom>
+        </p:spPr>
+        <p:txBody>
+          <a:bodyPr vert="horz" lIns="91440" tIns="45720" rIns="91440" bIns="45720" rtlCol="0">
+            <a:normAutofit/>
+          </a:bodyPr>
+          <a:lstStyle>
+            <a:lvl1pPr marL="0" indent="0" algn="ctr" defTabSz="914400" rtl="0" eaLnBrk="1" latinLnBrk="0" hangingPunct="1">
+              <a:lnSpc>
+                <a:spcPct val="90000"/>
+              </a:lnSpc>
+              <a:spcBef>
+                <a:spcPts val="1000"/>
+              </a:spcBef>
+              <a:buFont typeface="Arial" panose="020B0604020202020204" pitchFamily="34" charset="0"/>
+              <a:buNone/>
+              <a:defRPr sz="2400" kern="1200">
+                <a:solidFill>
+                  <a:schemeClr val="tx1"/>
+                </a:solidFill>
+                <a:latin typeface="+mn-lt"/>
+                <a:ea typeface="+mn-ea"/>
+                <a:cs typeface="+mn-cs"/>
+              </a:defRPr>
+            </a:lvl1pPr>
+            <a:lvl2pPr marL="457200" indent="0" algn="ctr" defTabSz="914400" rtl="0" eaLnBrk="1" latinLnBrk="0" hangingPunct="1">
+              <a:lnSpc>
+                <a:spcPct val="90000"/>
+              </a:lnSpc>
+              <a:spcBef>
+                <a:spcPts val="500"/>
+              </a:spcBef>
+              <a:buFont typeface="Arial" panose="020B0604020202020204" pitchFamily="34" charset="0"/>
+              <a:buNone/>
+              <a:defRPr sz="2000" kern="1200">
+                <a:solidFill>
+                  <a:schemeClr val="tx1"/>
+                </a:solidFill>
+                <a:latin typeface="+mn-lt"/>
+                <a:ea typeface="+mn-ea"/>
+                <a:cs typeface="+mn-cs"/>
+              </a:defRPr>
+            </a:lvl2pPr>
+            <a:lvl3pPr marL="914400" indent="0" algn="ctr" defTabSz="914400" rtl="0" eaLnBrk="1" latinLnBrk="0" hangingPunct="1">
+              <a:lnSpc>
+                <a:spcPct val="90000"/>
+              </a:lnSpc>
+              <a:spcBef>
+                <a:spcPts val="500"/>
+              </a:spcBef>
+              <a:buFont typeface="Arial" panose="020B0604020202020204" pitchFamily="34" charset="0"/>
+              <a:buNone/>
+              <a:defRPr sz="1800" kern="1200">
+                <a:solidFill>
+                  <a:schemeClr val="tx1"/>
+                </a:solidFill>
+                <a:latin typeface="+mn-lt"/>
+                <a:ea typeface="+mn-ea"/>
+                <a:cs typeface="+mn-cs"/>
+              </a:defRPr>
+            </a:lvl3pPr>
+            <a:lvl4pPr marL="1371600" indent="0" algn="ctr" defTabSz="914400" rtl="0" eaLnBrk="1" latinLnBrk="0" hangingPunct="1">
+              <a:lnSpc>
+                <a:spcPct val="90000"/>
+              </a:lnSpc>
+              <a:spcBef>
+                <a:spcPts val="500"/>
+              </a:spcBef>
+              <a:buFont typeface="Arial" panose="020B0604020202020204" pitchFamily="34" charset="0"/>
+              <a:buNone/>
+              <a:defRPr sz="1600" kern="1200">
+                <a:solidFill>
+                  <a:schemeClr val="tx1"/>
+                </a:solidFill>
+                <a:latin typeface="+mn-lt"/>
+                <a:ea typeface="+mn-ea"/>
+                <a:cs typeface="+mn-cs"/>
+              </a:defRPr>
+            </a:lvl4pPr>
+            <a:lvl5pPr marL="1828800" indent="0" algn="ctr" defTabSz="914400" rtl="0" eaLnBrk="1" latinLnBrk="0" hangingPunct="1">
+              <a:lnSpc>
+                <a:spcPct val="90000"/>
+              </a:lnSpc>
+              <a:spcBef>
+                <a:spcPts val="500"/>
+              </a:spcBef>
+              <a:buFont typeface="Arial" panose="020B0604020202020204" pitchFamily="34" charset="0"/>
+              <a:buNone/>
+              <a:defRPr sz="1600" kern="1200">
+                <a:solidFill>
+                  <a:schemeClr val="tx1"/>
+                </a:solidFill>
+                <a:latin typeface="+mn-lt"/>
+                <a:ea typeface="+mn-ea"/>
+                <a:cs typeface="+mn-cs"/>
+              </a:defRPr>
+            </a:lvl5pPr>
+            <a:lvl6pPr marL="2286000" indent="0" algn="ctr" defTabSz="914400" rtl="0" eaLnBrk="1" latinLnBrk="0" hangingPunct="1">
+              <a:lnSpc>
+                <a:spcPct val="90000"/>
+              </a:lnSpc>
+              <a:spcBef>
+                <a:spcPts val="500"/>
+              </a:spcBef>
+              <a:buFont typeface="Arial" panose="020B0604020202020204" pitchFamily="34" charset="0"/>
+              <a:buNone/>
+              <a:defRPr sz="1600" kern="1200">
+                <a:solidFill>
+                  <a:schemeClr val="tx1"/>
+                </a:solidFill>
+                <a:latin typeface="+mn-lt"/>
+                <a:ea typeface="+mn-ea"/>
+                <a:cs typeface="+mn-cs"/>
+              </a:defRPr>
+            </a:lvl6pPr>
+            <a:lvl7pPr marL="2743200" indent="0" algn="ctr" defTabSz="914400" rtl="0" eaLnBrk="1" latinLnBrk="0" hangingPunct="1">
+              <a:lnSpc>
+                <a:spcPct val="90000"/>
+              </a:lnSpc>
+              <a:spcBef>
+                <a:spcPts val="500"/>
+              </a:spcBef>
+              <a:buFont typeface="Arial" panose="020B0604020202020204" pitchFamily="34" charset="0"/>
+              <a:buNone/>
+              <a:defRPr sz="1600" kern="1200">
+                <a:solidFill>
+                  <a:schemeClr val="tx1"/>
+                </a:solidFill>
+                <a:latin typeface="+mn-lt"/>
+                <a:ea typeface="+mn-ea"/>
+                <a:cs typeface="+mn-cs"/>
+              </a:defRPr>
+            </a:lvl7pPr>
+            <a:lvl8pPr marL="3200400" indent="0" algn="ctr" defTabSz="914400" rtl="0" eaLnBrk="1" latinLnBrk="0" hangingPunct="1">
+              <a:lnSpc>
+                <a:spcPct val="90000"/>
+              </a:lnSpc>
+              <a:spcBef>
+                <a:spcPts val="500"/>
+              </a:spcBef>
+              <a:buFont typeface="Arial" panose="020B0604020202020204" pitchFamily="34" charset="0"/>
+              <a:buNone/>
+              <a:defRPr sz="1600" kern="1200">
+                <a:solidFill>
+                  <a:schemeClr val="tx1"/>
+                </a:solidFill>
+                <a:latin typeface="+mn-lt"/>
+                <a:ea typeface="+mn-ea"/>
+                <a:cs typeface="+mn-cs"/>
+              </a:defRPr>
+            </a:lvl8pPr>
+            <a:lvl9pPr marL="3657600" indent="0" algn="ctr" defTabSz="914400" rtl="0" eaLnBrk="1" latinLnBrk="0" hangingPunct="1">
+              <a:lnSpc>
+                <a:spcPct val="90000"/>
+              </a:lnSpc>
+              <a:spcBef>
+                <a:spcPts val="500"/>
+              </a:spcBef>
+              <a:buFont typeface="Arial" panose="020B0604020202020204" pitchFamily="34" charset="0"/>
+              <a:buNone/>
+              <a:defRPr sz="1600" kern="1200">
+                <a:solidFill>
+                  <a:schemeClr val="tx1"/>
+                </a:solidFill>
+                <a:latin typeface="+mn-lt"/>
+                <a:ea typeface="+mn-ea"/>
+                <a:cs typeface="+mn-cs"/>
+              </a:defRPr>
+            </a:lvl9pPr>
+          </a:lstStyle>
+          <a:p>
+            <a:pPr algn="l"/>
+            <a:r>
+              <a:rPr lang="en-US" sz="1800" dirty="0"/>
+              <a:t>(Code illustration snippet 11)</a:t>
+            </a:r>
+          </a:p>
+          <a:p>
+            <a:pPr marL="285750" indent="-285750" algn="l">
+              <a:buFontTx/>
+              <a:buChar char="-"/>
+            </a:pPr>
+            <a:r>
+              <a:rPr lang="en-US" sz="1800" dirty="0"/>
+              <a:t>Everyone will think this code will produce -1, however, when we compile this code, we will get this error: </a:t>
+            </a:r>
+          </a:p>
+          <a:p>
+            <a:pPr algn="l"/>
+            <a:endParaRPr lang="en-US" sz="1800" dirty="0"/>
+          </a:p>
+          <a:p>
+            <a:pPr algn="l"/>
+            <a:endParaRPr lang="en-US" sz="1800" dirty="0"/>
+          </a:p>
+          <a:p>
+            <a:pPr algn="l"/>
+            <a:endParaRPr lang="en-US" sz="1800" dirty="0"/>
+          </a:p>
+          <a:p>
+            <a:pPr algn="l"/>
+            <a:r>
+              <a:rPr lang="en-US" sz="1800" dirty="0"/>
+              <a:t>-  Another problem arise when we have a deeper look inside this error message: Where does “int” come from ? The problem is we only use “byte” and “short” in this situation.</a:t>
+            </a:r>
+          </a:p>
+          <a:p>
+            <a:pPr algn="l"/>
+            <a:r>
+              <a:rPr lang="en-US" sz="1800" dirty="0"/>
+              <a:t>– The reason is that Java has applied a rule called </a:t>
+            </a:r>
+            <a:r>
+              <a:rPr lang="en-US" sz="1800" b="1" dirty="0"/>
+              <a:t>“numeric promotion” </a:t>
+            </a:r>
+            <a:r>
+              <a:rPr lang="en-US" sz="1800" dirty="0"/>
+              <a:t>when doing operations on numeric value</a:t>
+            </a:r>
+          </a:p>
+          <a:p>
+            <a:pPr marL="285750" indent="-285750" algn="l">
+              <a:buFontTx/>
+              <a:buChar char="-"/>
+            </a:pPr>
+            <a:r>
+              <a:rPr lang="en-US" sz="1800" dirty="0"/>
+              <a:t>There are 2 types of promotion in Java </a:t>
+            </a:r>
+            <a:r>
+              <a:rPr lang="en-US" sz="1800" b="1" dirty="0"/>
+              <a:t>“Unary Numeric Promotion” </a:t>
+            </a:r>
+            <a:r>
+              <a:rPr lang="en-US" sz="1800" dirty="0"/>
+              <a:t>and </a:t>
+            </a:r>
+            <a:r>
+              <a:rPr lang="en-US" sz="1800" b="1" dirty="0"/>
+              <a:t>“Binary Numeric Promotion” </a:t>
+            </a:r>
+          </a:p>
+          <a:p>
+            <a:pPr algn="l"/>
+            <a:r>
+              <a:rPr lang="en-US" sz="1800" dirty="0"/>
+              <a:t>	+) Unary Numeric Promotion: If a Unary Operator is working with a numeric variable that has a variable type smaller than the size of “int” =&gt; That variable will be transformed or </a:t>
+            </a:r>
+            <a:r>
+              <a:rPr lang="en-US" sz="1800" b="1" dirty="0"/>
+              <a:t>“promoted” </a:t>
+            </a:r>
+            <a:r>
+              <a:rPr lang="en-US" sz="1800" dirty="0"/>
+              <a:t>to “int”</a:t>
+            </a:r>
+          </a:p>
+          <a:p>
+            <a:pPr algn="l"/>
+            <a:r>
+              <a:rPr lang="en-US" sz="1800" dirty="0"/>
+              <a:t>	+) Binary Numeric Promotion: In an expression, if one in two operands has a size that is smaller than “int” =&gt; All other operands will be promoted to “int”. If one in two operands has a size larger than ”int” =&gt; all operands will be promoted to the current types of the operand that is larger than ”int”</a:t>
+            </a:r>
+          </a:p>
+          <a:p>
+            <a:pPr algn="l"/>
+            <a:r>
+              <a:rPr lang="en-US" sz="1800" dirty="0"/>
+              <a:t>(code illustration snippet 12)</a:t>
+            </a:r>
+          </a:p>
+          <a:p>
+            <a:pPr algn="l"/>
+            <a:r>
+              <a:rPr lang="en-US" sz="1800" dirty="0"/>
+              <a:t>- Even if the source variable has a value size that fits with the target variable size, these codes aren’t </a:t>
+            </a:r>
+            <a:r>
+              <a:rPr lang="en-US" sz="1800" dirty="0" err="1"/>
+              <a:t>compilable</a:t>
+            </a:r>
+            <a:r>
+              <a:rPr lang="en-US" sz="1800" dirty="0"/>
+              <a:t> since compiler can’t execute code, therefore, it doesn’t know whether the size is correct or not. In these cases, </a:t>
+            </a:r>
+            <a:r>
+              <a:rPr lang="en-US" sz="1800" b="1" dirty="0"/>
+              <a:t>compile time constant </a:t>
+            </a:r>
+            <a:r>
+              <a:rPr lang="en-US" sz="1800" dirty="0"/>
+              <a:t>and </a:t>
+            </a:r>
+            <a:r>
+              <a:rPr lang="en-US" sz="1800" b="1" dirty="0"/>
+              <a:t>explicit narrowing </a:t>
+            </a:r>
+            <a:r>
+              <a:rPr lang="en-US" sz="1800" dirty="0"/>
+              <a:t>is required (code illustration snippet 13)</a:t>
+            </a:r>
+          </a:p>
+        </p:txBody>
+      </p:sp>
+      <p:pic>
+        <p:nvPicPr>
+          <p:cNvPr id="2" name="Picture 1">
+            <a:extLst>
+              <a:ext uri="{FF2B5EF4-FFF2-40B4-BE49-F238E27FC236}">
+                <a16:creationId xmlns:a16="http://schemas.microsoft.com/office/drawing/2014/main" id="{510A09AA-2563-AC70-FE80-CA00101E1246}"/>
+              </a:ext>
+            </a:extLst>
+          </p:cNvPr>
+          <p:cNvPicPr>
+            <a:picLocks noChangeAspect="1"/>
+          </p:cNvPicPr>
+          <p:nvPr/>
+        </p:nvPicPr>
+        <p:blipFill>
+          <a:blip r:embed="rId3"/>
+          <a:stretch>
+            <a:fillRect/>
+          </a:stretch>
+        </p:blipFill>
+        <p:spPr>
+          <a:xfrm>
+            <a:off x="1861457" y="1566846"/>
+            <a:ext cx="7772400" cy="937563"/>
+          </a:xfrm>
+          <a:prstGeom prst="rect">
+            <a:avLst/>
+          </a:prstGeom>
+        </p:spPr>
+      </p:pic>
+    </p:spTree>
+    <p:extLst>
+      <p:ext uri="{BB962C8B-B14F-4D97-AF65-F5344CB8AC3E}">
+        <p14:creationId xmlns:p14="http://schemas.microsoft.com/office/powerpoint/2010/main" val="1382860317"/>
+      </p:ext>
+    </p:extLst>
+  </p:cSld>
+  <p:clrMapOvr>
+    <a:masterClrMapping/>
+  </p:clrMapOvr>
+  <p:timing>
+    <p:tnLst>
+      <p:par>
+        <p:cTn id="1" dur="indefinite" restart="never" nodeType="tmRoot">
+          <p:childTnLst>
+            <p:seq concurrent="1" nextAc="seek">
+              <p:cTn id="2" dur="indefinite" nodeType="mainSeq">
+                <p:childTnLst>
+                  <p:par>
+                    <p:cTn id="3" fill="hold">
+                      <p:stCondLst>
+                        <p:cond delay="indefinite"/>
+                      </p:stCondLst>
+                      <p:childTnLst>
+                        <p:par>
+                          <p:cTn id="4" fill="hold">
+                            <p:stCondLst>
+                              <p:cond delay="0"/>
+                            </p:stCondLst>
+                            <p:childTnLst>
+                              <p:par>
+                                <p:cTn id="5" presetID="1" presetClass="entr" presetSubtype="0" fill="hold" nodeType="clickEffect">
+                                  <p:stCondLst>
+                                    <p:cond delay="0"/>
+                                  </p:stCondLst>
+                                  <p:childTnLst>
+                                    <p:set>
+                                      <p:cBhvr>
+                                        <p:cTn id="6" dur="1" fill="hold">
+                                          <p:stCondLst>
+                                            <p:cond delay="0"/>
+                                          </p:stCondLst>
+                                        </p:cTn>
+                                        <p:tgtEl>
+                                          <p:spTgt spid="4">
+                                            <p:txEl>
+                                              <p:pRg st="0" end="0"/>
+                                            </p:txEl>
+                                          </p:spTgt>
+                                        </p:tgtEl>
+                                        <p:attrNameLst>
+                                          <p:attrName>style.visibility</p:attrName>
+                                        </p:attrNameLst>
+                                      </p:cBhvr>
+                                      <p:to>
+                                        <p:strVal val="visible"/>
+                                      </p:to>
+                                    </p:set>
+                                  </p:childTnLst>
+                                </p:cTn>
+                              </p:par>
+                            </p:childTnLst>
+                          </p:cTn>
+                        </p:par>
+                      </p:childTnLst>
+                    </p:cTn>
+                  </p:par>
+                  <p:par>
+                    <p:cTn id="7" fill="hold">
+                      <p:stCondLst>
+                        <p:cond delay="indefinite"/>
+                      </p:stCondLst>
+                      <p:childTnLst>
+                        <p:par>
+                          <p:cTn id="8" fill="hold">
+                            <p:stCondLst>
+                              <p:cond delay="0"/>
+                            </p:stCondLst>
+                            <p:childTnLst>
+                              <p:par>
+                                <p:cTn id="9" presetID="1" presetClass="entr" presetSubtype="0" fill="hold" nodeType="clickEffect">
+                                  <p:stCondLst>
+                                    <p:cond delay="0"/>
+                                  </p:stCondLst>
+                                  <p:childTnLst>
+                                    <p:set>
+                                      <p:cBhvr>
+                                        <p:cTn id="10" dur="1" fill="hold">
+                                          <p:stCondLst>
+                                            <p:cond delay="0"/>
+                                          </p:stCondLst>
+                                        </p:cTn>
+                                        <p:tgtEl>
+                                          <p:spTgt spid="4">
+                                            <p:txEl>
+                                              <p:pRg st="1" end="1"/>
+                                            </p:txEl>
+                                          </p:spTgt>
+                                        </p:tgtEl>
+                                        <p:attrNameLst>
+                                          <p:attrName>style.visibility</p:attrName>
+                                        </p:attrNameLst>
+                                      </p:cBhvr>
+                                      <p:to>
+                                        <p:strVal val="visible"/>
+                                      </p:to>
+                                    </p:set>
+                                  </p:childTnLst>
+                                </p:cTn>
+                              </p:par>
+                            </p:childTnLst>
+                          </p:cTn>
+                        </p:par>
+                      </p:childTnLst>
+                    </p:cTn>
+                  </p:par>
+                  <p:par>
+                    <p:cTn id="11" fill="hold">
+                      <p:stCondLst>
+                        <p:cond delay="indefinite"/>
+                      </p:stCondLst>
+                      <p:childTnLst>
+                        <p:par>
+                          <p:cTn id="12" fill="hold">
+                            <p:stCondLst>
+                              <p:cond delay="0"/>
+                            </p:stCondLst>
+                            <p:childTnLst>
+                              <p:par>
+                                <p:cTn id="13" presetID="1" presetClass="entr" presetSubtype="0" fill="hold" nodeType="clickEffect">
+                                  <p:stCondLst>
+                                    <p:cond delay="0"/>
+                                  </p:stCondLst>
+                                  <p:childTnLst>
+                                    <p:set>
+                                      <p:cBhvr>
+                                        <p:cTn id="14" dur="1" fill="hold">
+                                          <p:stCondLst>
+                                            <p:cond delay="0"/>
+                                          </p:stCondLst>
+                                        </p:cTn>
+                                        <p:tgtEl>
+                                          <p:spTgt spid="4">
+                                            <p:txEl>
+                                              <p:pRg st="5" end="5"/>
+                                            </p:txEl>
+                                          </p:spTgt>
+                                        </p:tgtEl>
+                                        <p:attrNameLst>
+                                          <p:attrName>style.visibility</p:attrName>
+                                        </p:attrNameLst>
+                                      </p:cBhvr>
+                                      <p:to>
+                                        <p:strVal val="visible"/>
+                                      </p:to>
+                                    </p:set>
+                                  </p:childTnLst>
+                                </p:cTn>
+                              </p:par>
+                            </p:childTnLst>
+                          </p:cTn>
+                        </p:par>
+                      </p:childTnLst>
+                    </p:cTn>
+                  </p:par>
+                  <p:par>
+                    <p:cTn id="15" fill="hold">
+                      <p:stCondLst>
+                        <p:cond delay="indefinite"/>
+                      </p:stCondLst>
+                      <p:childTnLst>
+                        <p:par>
+                          <p:cTn id="16" fill="hold">
+                            <p:stCondLst>
+                              <p:cond delay="0"/>
+                            </p:stCondLst>
+                            <p:childTnLst>
+                              <p:par>
+                                <p:cTn id="17" presetID="1" presetClass="entr" presetSubtype="0" fill="hold" nodeType="clickEffect">
+                                  <p:stCondLst>
+                                    <p:cond delay="0"/>
+                                  </p:stCondLst>
+                                  <p:childTnLst>
+                                    <p:set>
+                                      <p:cBhvr>
+                                        <p:cTn id="18" dur="1" fill="hold">
+                                          <p:stCondLst>
+                                            <p:cond delay="0"/>
+                                          </p:stCondLst>
+                                        </p:cTn>
+                                        <p:tgtEl>
+                                          <p:spTgt spid="4">
+                                            <p:txEl>
+                                              <p:pRg st="6" end="6"/>
+                                            </p:txEl>
+                                          </p:spTgt>
+                                        </p:tgtEl>
+                                        <p:attrNameLst>
+                                          <p:attrName>style.visibility</p:attrName>
+                                        </p:attrNameLst>
+                                      </p:cBhvr>
+                                      <p:to>
+                                        <p:strVal val="visible"/>
+                                      </p:to>
+                                    </p:set>
+                                  </p:childTnLst>
+                                </p:cTn>
+                              </p:par>
+                            </p:childTnLst>
+                          </p:cTn>
+                        </p:par>
+                      </p:childTnLst>
+                    </p:cTn>
+                  </p:par>
+                  <p:par>
+                    <p:cTn id="19" fill="hold">
+                      <p:stCondLst>
+                        <p:cond delay="indefinite"/>
+                      </p:stCondLst>
+                      <p:childTnLst>
+                        <p:par>
+                          <p:cTn id="20" fill="hold">
+                            <p:stCondLst>
+                              <p:cond delay="0"/>
+                            </p:stCondLst>
+                            <p:childTnLst>
+                              <p:par>
+                                <p:cTn id="21" presetID="1" presetClass="entr" presetSubtype="0" fill="hold" nodeType="clickEffect">
+                                  <p:stCondLst>
+                                    <p:cond delay="0"/>
+                                  </p:stCondLst>
+                                  <p:childTnLst>
+                                    <p:set>
+                                      <p:cBhvr>
+                                        <p:cTn id="22" dur="1" fill="hold">
+                                          <p:stCondLst>
+                                            <p:cond delay="0"/>
+                                          </p:stCondLst>
+                                        </p:cTn>
+                                        <p:tgtEl>
+                                          <p:spTgt spid="4">
+                                            <p:txEl>
+                                              <p:pRg st="7" end="7"/>
+                                            </p:txEl>
+                                          </p:spTgt>
+                                        </p:tgtEl>
+                                        <p:attrNameLst>
+                                          <p:attrName>style.visibility</p:attrName>
+                                        </p:attrNameLst>
+                                      </p:cBhvr>
+                                      <p:to>
+                                        <p:strVal val="visible"/>
+                                      </p:to>
+                                    </p:set>
+                                  </p:childTnLst>
+                                </p:cTn>
+                              </p:par>
+                            </p:childTnLst>
+                          </p:cTn>
+                        </p:par>
+                      </p:childTnLst>
+                    </p:cTn>
+                  </p:par>
+                  <p:par>
+                    <p:cTn id="23" fill="hold">
+                      <p:stCondLst>
+                        <p:cond delay="indefinite"/>
+                      </p:stCondLst>
+                      <p:childTnLst>
+                        <p:par>
+                          <p:cTn id="24" fill="hold">
+                            <p:stCondLst>
+                              <p:cond delay="0"/>
+                            </p:stCondLst>
+                            <p:childTnLst>
+                              <p:par>
+                                <p:cTn id="25" presetID="1" presetClass="entr" presetSubtype="0" fill="hold" nodeType="clickEffect">
+                                  <p:stCondLst>
+                                    <p:cond delay="0"/>
+                                  </p:stCondLst>
+                                  <p:childTnLst>
+                                    <p:set>
+                                      <p:cBhvr>
+                                        <p:cTn id="26" dur="1" fill="hold">
+                                          <p:stCondLst>
+                                            <p:cond delay="0"/>
+                                          </p:stCondLst>
+                                        </p:cTn>
+                                        <p:tgtEl>
+                                          <p:spTgt spid="4">
+                                            <p:txEl>
+                                              <p:pRg st="8" end="8"/>
+                                            </p:txEl>
+                                          </p:spTgt>
+                                        </p:tgtEl>
+                                        <p:attrNameLst>
+                                          <p:attrName>style.visibility</p:attrName>
+                                        </p:attrNameLst>
+                                      </p:cBhvr>
+                                      <p:to>
+                                        <p:strVal val="visible"/>
+                                      </p:to>
+                                    </p:set>
+                                  </p:childTnLst>
+                                </p:cTn>
+                              </p:par>
+                            </p:childTnLst>
+                          </p:cTn>
+                        </p:par>
+                      </p:childTnLst>
+                    </p:cTn>
+                  </p:par>
+                  <p:par>
+                    <p:cTn id="27" fill="hold">
+                      <p:stCondLst>
+                        <p:cond delay="indefinite"/>
+                      </p:stCondLst>
+                      <p:childTnLst>
+                        <p:par>
+                          <p:cTn id="28" fill="hold">
+                            <p:stCondLst>
+                              <p:cond delay="0"/>
+                            </p:stCondLst>
+                            <p:childTnLst>
+                              <p:par>
+                                <p:cTn id="29" presetID="1" presetClass="entr" presetSubtype="0" fill="hold" nodeType="clickEffect">
+                                  <p:stCondLst>
+                                    <p:cond delay="0"/>
+                                  </p:stCondLst>
+                                  <p:childTnLst>
+                                    <p:set>
+                                      <p:cBhvr>
+                                        <p:cTn id="30" dur="1" fill="hold">
+                                          <p:stCondLst>
+                                            <p:cond delay="0"/>
+                                          </p:stCondLst>
+                                        </p:cTn>
+                                        <p:tgtEl>
+                                          <p:spTgt spid="4">
+                                            <p:txEl>
+                                              <p:pRg st="9" end="9"/>
+                                            </p:txEl>
+                                          </p:spTgt>
+                                        </p:tgtEl>
+                                        <p:attrNameLst>
+                                          <p:attrName>style.visibility</p:attrName>
+                                        </p:attrNameLst>
+                                      </p:cBhvr>
+                                      <p:to>
+                                        <p:strVal val="visible"/>
+                                      </p:to>
+                                    </p:set>
+                                  </p:childTnLst>
+                                </p:cTn>
+                              </p:par>
+                            </p:childTnLst>
+                          </p:cTn>
+                        </p:par>
+                      </p:childTnLst>
+                    </p:cTn>
+                  </p:par>
+                  <p:par>
+                    <p:cTn id="31" fill="hold">
+                      <p:stCondLst>
+                        <p:cond delay="indefinite"/>
+                      </p:stCondLst>
+                      <p:childTnLst>
+                        <p:par>
+                          <p:cTn id="32" fill="hold">
+                            <p:stCondLst>
+                              <p:cond delay="0"/>
+                            </p:stCondLst>
+                            <p:childTnLst>
+                              <p:par>
+                                <p:cTn id="33" presetID="1" presetClass="entr" presetSubtype="0" fill="hold" nodeType="clickEffect">
+                                  <p:stCondLst>
+                                    <p:cond delay="0"/>
+                                  </p:stCondLst>
+                                  <p:childTnLst>
+                                    <p:set>
+                                      <p:cBhvr>
+                                        <p:cTn id="34" dur="1" fill="hold">
+                                          <p:stCondLst>
+                                            <p:cond delay="0"/>
+                                          </p:stCondLst>
+                                        </p:cTn>
+                                        <p:tgtEl>
+                                          <p:spTgt spid="4">
+                                            <p:txEl>
+                                              <p:pRg st="10" end="10"/>
+                                            </p:txEl>
+                                          </p:spTgt>
+                                        </p:tgtEl>
+                                        <p:attrNameLst>
+                                          <p:attrName>style.visibility</p:attrName>
+                                        </p:attrNameLst>
+                                      </p:cBhvr>
+                                      <p:to>
+                                        <p:strVal val="visible"/>
+                                      </p:to>
+                                    </p:set>
+                                  </p:childTnLst>
+                                </p:cTn>
+                              </p:par>
+                            </p:childTnLst>
+                          </p:cTn>
+                        </p:par>
+                      </p:childTnLst>
+                    </p:cTn>
+                  </p:par>
+                  <p:par>
+                    <p:cTn id="35" fill="hold">
+                      <p:stCondLst>
+                        <p:cond delay="indefinite"/>
+                      </p:stCondLst>
+                      <p:childTnLst>
+                        <p:par>
+                          <p:cTn id="36" fill="hold">
+                            <p:stCondLst>
+                              <p:cond delay="0"/>
+                            </p:stCondLst>
+                            <p:childTnLst>
+                              <p:par>
+                                <p:cTn id="37" presetID="1" presetClass="entr" presetSubtype="0" fill="hold" nodeType="clickEffect">
+                                  <p:stCondLst>
+                                    <p:cond delay="0"/>
+                                  </p:stCondLst>
+                                  <p:childTnLst>
+                                    <p:set>
+                                      <p:cBhvr>
+                                        <p:cTn id="38" dur="1" fill="hold">
+                                          <p:stCondLst>
+                                            <p:cond delay="0"/>
+                                          </p:stCondLst>
+                                        </p:cTn>
+                                        <p:tgtEl>
+                                          <p:spTgt spid="4">
+                                            <p:txEl>
+                                              <p:pRg st="11" end="11"/>
                                             </p:txEl>
                                           </p:spTgt>
                                         </p:tgtEl>
@@ -6156,4 +9251,319 @@
     </a:ext>
   </a:extLst>
 </a:theme>
+</file>
+
+<file path=ppt/theme/theme2.xml><?xml version="1.0" encoding="utf-8"?>
+<a:theme xmlns:a="http://schemas.openxmlformats.org/drawingml/2006/main" name="Office Theme">
+  <a:themeElements>
+    <a:clrScheme name="Office">
+      <a:dk1>
+        <a:sysClr val="windowText" lastClr="000000"/>
+      </a:dk1>
+      <a:lt1>
+        <a:sysClr val="window" lastClr="FFFFFF"/>
+      </a:lt1>
+      <a:dk2>
+        <a:srgbClr val="0E2841"/>
+      </a:dk2>
+      <a:lt2>
+        <a:srgbClr val="E8E8E8"/>
+      </a:lt2>
+      <a:accent1>
+        <a:srgbClr val="156082"/>
+      </a:accent1>
+      <a:accent2>
+        <a:srgbClr val="E97132"/>
+      </a:accent2>
+      <a:accent3>
+        <a:srgbClr val="196B24"/>
+      </a:accent3>
+      <a:accent4>
+        <a:srgbClr val="0F9ED5"/>
+      </a:accent4>
+      <a:accent5>
+        <a:srgbClr val="A02B93"/>
+      </a:accent5>
+      <a:accent6>
+        <a:srgbClr val="4EA72E"/>
+      </a:accent6>
+      <a:hlink>
+        <a:srgbClr val="467886"/>
+      </a:hlink>
+      <a:folHlink>
+        <a:srgbClr val="96607D"/>
+      </a:folHlink>
+    </a:clrScheme>
+    <a:fontScheme name="Office">
+      <a:majorFont>
+        <a:latin typeface="Aptos Display" panose="02110004020202020204"/>
+        <a:ea typeface=""/>
+        <a:cs typeface=""/>
+        <a:font script="Jpan" typeface="游ゴシック Light"/>
+        <a:font script="Hang" typeface="맑은 고딕"/>
+        <a:font script="Hans" typeface="等线 Light"/>
+        <a:font script="Hant" typeface="新細明體"/>
+        <a:font script="Arab" typeface="Times New Roman"/>
+        <a:font script="Hebr" typeface="Times New Roman"/>
+        <a:font script="Thai" typeface="Angsana New"/>
+        <a:font script="Ethi" typeface="Nyala"/>
+        <a:font script="Beng" typeface="Vrinda"/>
+        <a:font script="Gujr" typeface="Shruti"/>
+        <a:font script="Khmr" typeface="MoolBoran"/>
+        <a:font script="Knda" typeface="Tunga"/>
+        <a:font script="Guru" typeface="Raavi"/>
+        <a:font script="Cans" typeface="Euphemia"/>
+        <a:font script="Cher" typeface="Plantagenet Cherokee"/>
+        <a:font script="Yiii" typeface="Microsoft Yi Baiti"/>
+        <a:font script="Tibt" typeface="Microsoft Himalaya"/>
+        <a:font script="Thaa" typeface="MV Boli"/>
+        <a:font script="Deva" typeface="Mangal"/>
+        <a:font script="Telu" typeface="Gautami"/>
+        <a:font script="Taml" typeface="Latha"/>
+        <a:font script="Syrc" typeface="Estrangelo Edessa"/>
+        <a:font script="Orya" typeface="Kalinga"/>
+        <a:font script="Mlym" typeface="Kartika"/>
+        <a:font script="Laoo" typeface="DokChampa"/>
+        <a:font script="Sinh" typeface="Iskoola Pota"/>
+        <a:font script="Mong" typeface="Mongolian Baiti"/>
+        <a:font script="Viet" typeface="Times New Roman"/>
+        <a:font script="Uigh" typeface="Microsoft Uighur"/>
+        <a:font script="Geor" typeface="Sylfaen"/>
+        <a:font script="Armn" typeface="Arial"/>
+        <a:font script="Bugi" typeface="Leelawadee UI"/>
+        <a:font script="Bopo" typeface="Microsoft JhengHei"/>
+        <a:font script="Java" typeface="Javanese Text"/>
+        <a:font script="Lisu" typeface="Segoe UI"/>
+        <a:font script="Mymr" typeface="Myanmar Text"/>
+        <a:font script="Nkoo" typeface="Ebrima"/>
+        <a:font script="Olck" typeface="Nirmala UI"/>
+        <a:font script="Osma" typeface="Ebrima"/>
+        <a:font script="Phag" typeface="Phagspa"/>
+        <a:font script="Syrn" typeface="Estrangelo Edessa"/>
+        <a:font script="Syrj" typeface="Estrangelo Edessa"/>
+        <a:font script="Syre" typeface="Estrangelo Edessa"/>
+        <a:font script="Sora" typeface="Nirmala UI"/>
+        <a:font script="Tale" typeface="Microsoft Tai Le"/>
+        <a:font script="Talu" typeface="Microsoft New Tai Lue"/>
+        <a:font script="Tfng" typeface="Ebrima"/>
+      </a:majorFont>
+      <a:minorFont>
+        <a:latin typeface="Aptos" panose="02110004020202020204"/>
+        <a:ea typeface=""/>
+        <a:cs typeface=""/>
+        <a:font script="Jpan" typeface="游ゴシック"/>
+        <a:font script="Hang" typeface="맑은 고딕"/>
+        <a:font script="Hans" typeface="等线"/>
+        <a:font script="Hant" typeface="新細明體"/>
+        <a:font script="Arab" typeface="Arial"/>
+        <a:font script="Hebr" typeface="Arial"/>
+        <a:font script="Thai" typeface="Cordia New"/>
+        <a:font script="Ethi" typeface="Nyala"/>
+        <a:font script="Beng" typeface="Vrinda"/>
+        <a:font script="Gujr" typeface="Shruti"/>
+        <a:font script="Khmr" typeface="DaunPenh"/>
+        <a:font script="Knda" typeface="Tunga"/>
+        <a:font script="Guru" typeface="Raavi"/>
+        <a:font script="Cans" typeface="Euphemia"/>
+        <a:font script="Cher" typeface="Plantagenet Cherokee"/>
+        <a:font script="Yiii" typeface="Microsoft Yi Baiti"/>
+        <a:font script="Tibt" typeface="Microsoft Himalaya"/>
+        <a:font script="Thaa" typeface="MV Boli"/>
+        <a:font script="Deva" typeface="Mangal"/>
+        <a:font script="Telu" typeface="Gautami"/>
+        <a:font script="Taml" typeface="Latha"/>
+        <a:font script="Syrc" typeface="Estrangelo Edessa"/>
+        <a:font script="Orya" typeface="Kalinga"/>
+        <a:font script="Mlym" typeface="Kartika"/>
+        <a:font script="Laoo" typeface="DokChampa"/>
+        <a:font script="Sinh" typeface="Iskoola Pota"/>
+        <a:font script="Mong" typeface="Mongolian Baiti"/>
+        <a:font script="Viet" typeface="Arial"/>
+        <a:font script="Uigh" typeface="Microsoft Uighur"/>
+        <a:font script="Geor" typeface="Sylfaen"/>
+        <a:font script="Armn" typeface="Arial"/>
+        <a:font script="Bugi" typeface="Leelawadee UI"/>
+        <a:font script="Bopo" typeface="Microsoft JhengHei"/>
+        <a:font script="Java" typeface="Javanese Text"/>
+        <a:font script="Lisu" typeface="Segoe UI"/>
+        <a:font script="Mymr" typeface="Myanmar Text"/>
+        <a:font script="Nkoo" typeface="Ebrima"/>
+        <a:font script="Olck" typeface="Nirmala UI"/>
+        <a:font script="Osma" typeface="Ebrima"/>
+        <a:font script="Phag" typeface="Phagspa"/>
+        <a:font script="Syrn" typeface="Estrangelo Edessa"/>
+        <a:font script="Syrj" typeface="Estrangelo Edessa"/>
+        <a:font script="Syre" typeface="Estrangelo Edessa"/>
+        <a:font script="Sora" typeface="Nirmala UI"/>
+        <a:font script="Tale" typeface="Microsoft Tai Le"/>
+        <a:font script="Talu" typeface="Microsoft New Tai Lue"/>
+        <a:font script="Tfng" typeface="Ebrima"/>
+      </a:minorFont>
+    </a:fontScheme>
+    <a:fmtScheme name="Office">
+      <a:fillStyleLst>
+        <a:solidFill>
+          <a:schemeClr val="phClr"/>
+        </a:solidFill>
+        <a:gradFill rotWithShape="1">
+          <a:gsLst>
+            <a:gs pos="0">
+              <a:schemeClr val="phClr">
+                <a:lumMod val="110000"/>
+                <a:satMod val="105000"/>
+                <a:tint val="67000"/>
+              </a:schemeClr>
+            </a:gs>
+            <a:gs pos="50000">
+              <a:schemeClr val="phClr">
+                <a:lumMod val="105000"/>
+                <a:satMod val="103000"/>
+                <a:tint val="73000"/>
+              </a:schemeClr>
+            </a:gs>
+            <a:gs pos="100000">
+              <a:schemeClr val="phClr">
+                <a:lumMod val="105000"/>
+                <a:satMod val="109000"/>
+                <a:tint val="81000"/>
+              </a:schemeClr>
+            </a:gs>
+          </a:gsLst>
+          <a:lin ang="5400000" scaled="0"/>
+        </a:gradFill>
+        <a:gradFill rotWithShape="1">
+          <a:gsLst>
+            <a:gs pos="0">
+              <a:schemeClr val="phClr">
+                <a:satMod val="103000"/>
+                <a:lumMod val="102000"/>
+                <a:tint val="94000"/>
+              </a:schemeClr>
+            </a:gs>
+            <a:gs pos="50000">
+              <a:schemeClr val="phClr">
+                <a:satMod val="110000"/>
+                <a:lumMod val="100000"/>
+                <a:shade val="100000"/>
+              </a:schemeClr>
+            </a:gs>
+            <a:gs pos="100000">
+              <a:schemeClr val="phClr">
+                <a:lumMod val="99000"/>
+                <a:satMod val="120000"/>
+                <a:shade val="78000"/>
+              </a:schemeClr>
+            </a:gs>
+          </a:gsLst>
+          <a:lin ang="5400000" scaled="0"/>
+        </a:gradFill>
+      </a:fillStyleLst>
+      <a:lnStyleLst>
+        <a:ln w="12700" cap="flat" cmpd="sng" algn="ctr">
+          <a:solidFill>
+            <a:schemeClr val="phClr"/>
+          </a:solidFill>
+          <a:prstDash val="solid"/>
+          <a:miter lim="800000"/>
+        </a:ln>
+        <a:ln w="19050" cap="flat" cmpd="sng" algn="ctr">
+          <a:solidFill>
+            <a:schemeClr val="phClr"/>
+          </a:solidFill>
+          <a:prstDash val="solid"/>
+          <a:miter lim="800000"/>
+        </a:ln>
+        <a:ln w="25400" cap="flat" cmpd="sng" algn="ctr">
+          <a:solidFill>
+            <a:schemeClr val="phClr"/>
+          </a:solidFill>
+          <a:prstDash val="solid"/>
+          <a:miter lim="800000"/>
+        </a:ln>
+      </a:lnStyleLst>
+      <a:effectStyleLst>
+        <a:effectStyle>
+          <a:effectLst/>
+        </a:effectStyle>
+        <a:effectStyle>
+          <a:effectLst/>
+        </a:effectStyle>
+        <a:effectStyle>
+          <a:effectLst>
+            <a:outerShdw blurRad="57150" dist="19050" dir="5400000" algn="ctr" rotWithShape="0">
+              <a:srgbClr val="000000">
+                <a:alpha val="63000"/>
+              </a:srgbClr>
+            </a:outerShdw>
+          </a:effectLst>
+        </a:effectStyle>
+      </a:effectStyleLst>
+      <a:bgFillStyleLst>
+        <a:solidFill>
+          <a:schemeClr val="phClr"/>
+        </a:solidFill>
+        <a:solidFill>
+          <a:schemeClr val="phClr">
+            <a:tint val="95000"/>
+            <a:satMod val="170000"/>
+          </a:schemeClr>
+        </a:solidFill>
+        <a:gradFill rotWithShape="1">
+          <a:gsLst>
+            <a:gs pos="0">
+              <a:schemeClr val="phClr">
+                <a:tint val="93000"/>
+                <a:satMod val="150000"/>
+                <a:shade val="98000"/>
+                <a:lumMod val="102000"/>
+              </a:schemeClr>
+            </a:gs>
+            <a:gs pos="50000">
+              <a:schemeClr val="phClr">
+                <a:tint val="98000"/>
+                <a:satMod val="130000"/>
+                <a:shade val="90000"/>
+                <a:lumMod val="103000"/>
+              </a:schemeClr>
+            </a:gs>
+            <a:gs pos="100000">
+              <a:schemeClr val="phClr">
+                <a:shade val="63000"/>
+                <a:satMod val="120000"/>
+              </a:schemeClr>
+            </a:gs>
+          </a:gsLst>
+          <a:lin ang="5400000" scaled="0"/>
+        </a:gradFill>
+      </a:bgFillStyleLst>
+    </a:fmtScheme>
+  </a:themeElements>
+  <a:objectDefaults>
+    <a:lnDef>
+      <a:spPr/>
+      <a:bodyPr/>
+      <a:lstStyle/>
+      <a:style>
+        <a:lnRef idx="2">
+          <a:schemeClr val="accent1"/>
+        </a:lnRef>
+        <a:fillRef idx="0">
+          <a:schemeClr val="accent1"/>
+        </a:fillRef>
+        <a:effectRef idx="1">
+          <a:schemeClr val="accent1"/>
+        </a:effectRef>
+        <a:fontRef idx="minor">
+          <a:schemeClr val="tx1"/>
+        </a:fontRef>
+      </a:style>
+    </a:lnDef>
+  </a:objectDefaults>
+  <a:extraClrSchemeLst/>
+  <a:extLst>
+    <a:ext uri="{05A4C25C-085E-4340-85A3-A5531E510DB2}">
+      <thm15:themeFamily xmlns:thm15="http://schemas.microsoft.com/office/thememl/2012/main" name="Office Theme" id="{2E142A2C-CD16-42D6-873A-C26D2A0506FA}" vid="{1BDDFF52-6CD6-40A5-AB3C-68EB2F1E4D0A}"/>
+    </a:ext>
+  </a:extLst>
+</a:theme>
 </file>
--- a/Java SE 8 Teaching Material/Chapter 6 - Working with Java Operators.pptx
+++ b/Java SE 8 Teaching Material/Chapter 6 - Working with Java Operators.pptx
@@ -5,7 +5,7 @@
     <p:sldMasterId id="2147483648" r:id="rId1"/>
   </p:sldMasterIdLst>
   <p:notesMasterIdLst>
-    <p:notesMasterId r:id="rId8"/>
+    <p:notesMasterId r:id="rId9"/>
   </p:notesMasterIdLst>
   <p:sldIdLst>
     <p:sldId id="256" r:id="rId2"/>
@@ -14,6 +14,7 @@
     <p:sldId id="260" r:id="rId5"/>
     <p:sldId id="261" r:id="rId6"/>
     <p:sldId id="262" r:id="rId7"/>
+    <p:sldId id="263" r:id="rId8"/>
   </p:sldIdLst>
   <p:sldSz cx="12192000" cy="6858000"/>
   <p:notesSz cx="6858000" cy="9144000"/>
@@ -123,6 +124,7 @@
             <p14:sldId id="260"/>
             <p14:sldId id="261"/>
             <p14:sldId id="262"/>
+            <p14:sldId id="263"/>
           </p14:sldIdLst>
         </p14:section>
       </p14:sectionLst>
@@ -1516,6 +1518,44 @@
     </pc:docChg>
   </pc:docChgLst>
 </pc:chgInfo>
+</file>
+
+<file path=ppt/ink/ink1.xml><?xml version="1.0" encoding="utf-8"?>
+<inkml:ink xmlns:inkml="http://www.w3.org/2003/InkML">
+  <inkml:definitions>
+    <inkml:context xml:id="ctx0">
+      <inkml:inkSource xml:id="inkSrc0">
+        <inkml:traceFormat>
+          <inkml:channel name="X" type="integer" min="-2.14748E9" max="2.14748E9" units="cm"/>
+          <inkml:channel name="Y" type="integer" min="-2.14748E9" max="2.14748E9" units="cm"/>
+          <inkml:channel name="F" type="integer" max="32767" units="dev"/>
+        </inkml:traceFormat>
+        <inkml:channelProperties>
+          <inkml:channelProperty channel="X" name="resolution" value="1000" units="1/cm"/>
+          <inkml:channelProperty channel="Y" name="resolution" value="1000" units="1/cm"/>
+          <inkml:channelProperty channel="F" name="resolution" value="0" units="1/dev"/>
+        </inkml:channelProperties>
+      </inkml:inkSource>
+      <inkml:timestamp xml:id="ts0" timeString="2024-08-23T07:56:24.510"/>
+    </inkml:context>
+    <inkml:brush xml:id="br0">
+      <inkml:brushProperty name="width" value="0.05292" units="cm"/>
+      <inkml:brushProperty name="height" value="0.05292" units="cm"/>
+      <inkml:brushProperty name="color" value="#FF0000"/>
+    </inkml:brush>
+  </inkml:definitions>
+  <inkml:trace contextRef="#ctx0" brushRef="#br0">22650 8351 9089,'2'3'6598,"7"-8"-5596,-7-1-83,6-4-259,-7 6-436,-1 3-173,-2 12 100,-1 1-28,-1 12-123,0 0 6,2 1-6,0 0-95,2-1-135,0-8-72,0-3 72,0-9 224,2-3 6,2-2 45,3-5 17,4-5 27,0-7-89,2-5 51,-2 0 22,-1 1 78,-5 5-151,-2 6 190,-2 5-106,-2 4 28,-3 2-106,-3 4-6,-4 5 57,-1 5-57,0 6 0,1 1-6,1-2-16,4-2 10,2-4 12,3-5-163,0-3-10,1-3-12,0-2 185,1-5 0,2-4 50,2-8 23,2-3 11,-2 0 73,-1 3-6,-2 5 96,-2 7-79,-2 2-95,-4 8 5,-10 15-78,1 0 0,-5 10-5,11-10-62,3-5-191,4-6 16,2-5 242,2-3 52,5-1 71,2-4 11,5-1-61,-1-6 11,-1-1 101,-3 1-96,-2 3 7,-4 1-7,-2 5 90,-1 0-195,0 0 77,0-1-10,0-2-12,0 0-34,0 1-5,0 1 0,0 1-2521,0 1 1,0 0 0</inkml:trace>
+  <inkml:trace contextRef="#ctx0" brushRef="#br0" timeOffset="1257">22747 8398 15182,'-6'0'202,"1"0"-141,5 0-61,-14 16 6,9-9 56,-10 15-96,14-12-44,0-3-219,1 0 62,0-5 16,0-1 404,4-4 5,4-8-22,2 0-61,0-4 122,-4 6 125,-3 4 111,-2 2 324,-1 3-526,-2 0-139,-4 5-18,-4 2-39,-2 6-11,-1 0-17,1 1-39,4-4 0,1-1-162,5-5-129,1-3 44,1-1 247,3-4 174,2-4-34,5-5 50,0-3 40,0 0-56,-1 2 66,-3 3-32,-3 6-46,-1 2 281,-2 2-230,-4 1-95,-1 2-12,-8 2-72,2 2-34,-2-2 16,7-1-16,2-2-128,2 0-556,2-1 493,0-4 191,0 2-157,0-3-134,0 5 504,-1 0-213,-1-3 84,1 0-84,0-2-90,1 2-66,0 2 156,-2 2 112,-4 7 11,-4 6 95,-3 11-95,-2 5-33,1 1-90,4-4-45,4-5-28,3-8-246,2-6 90,4-5 173,5-2-258,5-3-257,12-15 341,-5 1 230,3-13 79,-12 7-18,-5 0-27,-4 5-1,-2 4 449,-1 4-163,-1 4-123,-3 2-112,1 3-33,1 0-51,0 0-437,2 0-795,8 2 453,2-1 264,10 1-432,1-3 197,-1-5 330,-3-2 420,-7-2 129,-6 3 750,-15 4 633,-12 5-128,-12 7-388,-10 5-396,0 7-12,0-1-22,7-1-258,10-5-308,13-5-986,8-5 302,18-3-592,18-9 1276,10-5 0,11-4 0,-7 2 0,11-5 0,2-1 0,1 0 0</inkml:trace>
+  <inkml:trace contextRef="#ctx0" brushRef="#br0" timeOffset="1332">22666 8478 11878,'0'0'0</inkml:trace>
+  <inkml:trace contextRef="#ctx0" brushRef="#br0" timeOffset="4716">6424 11068 16527,'-8'6'1237,"1"-2"-1102,7-4 1238,0 0-981,34-14-101,-11 6-56,29-9-5,-19 12 16,1 3 34,2 1-67,2 1-57,4 0-16,3 2-61,3 2-79,0 1 78,-1 3-39,-3 0 12,-3 1-1,-3 1-44,-3-1 39,-1 0-45,-2-1-12,0-2 12,0-2 12,-1-2 55,2-1-62,-2-1 1,-1-3 78,-3 1-84,-4-2-28,-6 0 22,-5 2 12,-5 1 11,-3 0 16,-3 1-2065,0 0 2032,-13 8 0,9-7 0,-10 7 0</inkml:trace>
+  <inkml:trace contextRef="#ctx0" brushRef="#br0" timeOffset="6566">18523 11044 16628,'0'4'2178,"0"0"113,0-4-2017,6 1 102,5-1-102,9 1-105,7-3-18,6 0-145,5-3 61,2 1 11,1-1 12,-1 2 123,-2 1-34,-2 0-95,-3 2 45,-4 0-45,7 2-28,-11 1 95,7 2 17,-11 0-157,3-2 123,2 0 152,3-2-146,3 0-11,18-1 16,-13-1 40,10-1-179,-18-1-1,-4 0 40,-2 1-45,-1 1 39,-1 0-39,1 1 112,13 0-112,-7 1 0,10 2 96,-10 1-18,3 0-22,-1 0-56,0-1 0,-2-2 34,6 2-34,-9-2 67,5 2-34,-9-1-21,2 2-12,2-1 5,2 0 192,2-1-113,1-1-51,-1-1 12,0 0 39,8 0-84,-10-2 0,3 1 6,-12-3-1,-1 2-5,-1 1 0,2 0 0,-1 1 17,2 0-17,2 0 0,1-1 34,2 0-34,3 0-6,-1 0 6,0-1 0,1 1-5,-2-2 5,1 2 0,-1-1 39,10-2-39,-10 1 0,7-1 0,-13 0 39,-1 1-39,0 0 0,0 0 17,10-2-17,2 2 33,0 0 46,-2 2-79,-7 1 0,0 0 5,1 0-5,0 0 34,1 0-28,1 0 162,16-4-107,-8 1 29,12-5 27,-14 3-38,0 0 55,-4 1 51,0 1-112,-3 2 0,-1-1-68,-3 1-5,-1 0 56,-3-1-50,-2 1 16,-2 0-22,-3 1 0,-2 0-22,-1 0 22,0 0-118,-1 0-397,-1 0-3389,-1 0-1148,-9-4 5052,-4-3 0,1 1 0,1 1 0</inkml:trace>
+  <inkml:trace contextRef="#ctx0" brushRef="#br0" timeOffset="8283">6552 12928 17815,'36'-6'597,"0"-1"1,0 1 0,0 1-299,-2 1 1,0 1-1230,6 0 1,1 0 1116,3 1 1,0-1-51,1 2 1,-1 0 23,-3 0 1,-2 0-115,-4 1 1,-1 0-23,-1 2 1,-1-1-24,1 1 1,-1 1 39,1 0 0,2 0-42,17 2 0,0 0 0,-13-2 0,-1 0 0,13 2 0,-1-1 17,-17-3 0,-2 1 16,31 2 12,-5 0 45,-4-1 494,-4 2-394,-16-2 1,1-1-56,15 2-18,13-1-44,-20-3-28,-2 0 44,-4 0 1161,-1-3-1144,-5 0 414,-1-3-436,8-2-79,-10 0 46,6-1 27,-12 2-39,0 1 107,-1-1-23,0 1-61,0 0 61,-2 0-112,9 1 73,-6 1-28,8 0 73,-5 2-6,4 0 40,3-3 94,7 0-89,1-2-45,4 1-22,-3-1-56,-2 2 207,4 1-168,-15 3 40,1 0-63,-14 1 40,-2 0 34,0 0 72,6 0-140,-3 0-22,8-2 22,-3 1-67,1-2-39,0 1-6,-2 0-224,-5 0-493,-5 2-1758,-4 0 2520,-17 0 0,9 0 0,-9 0 0</inkml:trace>
+  <inkml:trace contextRef="#ctx0" brushRef="#br0" timeOffset="9124">18592 12954 19294,'5'2'2341,"0"-1"17,-5-1-1714,36 0-157,-6 0-344,5 0 0,3 0-401,21 0 280,-24-1 1,0 0-21,0 0 1,0-1 8,-3 1 1,-1 0-12,28-1-129,-15 1-331,-12 5 271,-15 5 93,-10 7-195,-14 8-1019,-6 5-1832,-16 3-3764,-3 0 6906,-6-5 0,18-12 0,5-7 0</inkml:trace>
+  <inkml:trace contextRef="#ctx0" brushRef="#br0" timeOffset="11332">6427 13586 18285,'26'28'1233,"2"-2"-707,-2-12-27,4 0-12,4-3-196,3-1-84,5-3-61,3-1-73,3-1 22,2-2-95,1 2 5,1-1 51,1 2-56,1-1 25,-15-1 1,2 0-26,-10-2 0,1 0-118,10 1 0,0-1 118,17 0 0,1-2 33,-1 0-27,0 0-6,-2 0 0,-3 2 0,-2 0 0,-3 1 0,-2 0 0,-4-1 39,-1 0-39,0-2 6,-1 0-6,2 0 0,1-2 33,-12-1 1,0-1-34,16-3 73,12-4-67,-21 4 11,-4 1-6,-1 2 28,-1 2 39,1-1-72,3 0-6,3-1 438,4-1-438,1-2 56,1-1-56,1-2 0,0 0 45,0 1-45,-2 0 0,0 2 0,-2 1 33,-1 2-21,-2 2-12,-2 2 0,-3 0 39,0 0-39,-2 0 5,1 0 1,0 0-6,1 0 28,0 0-28,-3 0 0,-2 0 34,-1 0-23,-1 0-11,-1 0 39,2 0-33,1 0 33,1 0-34,2 0 253,1 0-112,16 0-102,-13-2 40,10 0-28,-18-1 6,-2 1-62,-4-1 0,-2 2 17,-1 1-12,-2 0 7,1 0-7,0 0 74,12 2-74,-6-2 62,8 3 51,-8-3-84,1 0-1,1 0-33,-1 0 0,-2 0 23,-1 0-18,8 0 1,-7 0 5,7 0 56,-6 0-61,-1 0-1,1 0 85,-1-1-90,-1 0 0,-2-1 95,7-3-89,-8 1-6,5-1 0,-8 1 45,-1 1-45,0 0 0,-1 0 0,3 2 16,-5 0-16,1 1 0,-4-1 62,-2 1-62,2-1 45,1 1 0,0-1-45,3 0 67,1-1-62,3 2 46,2-2 55,3 1-95,2 0 107,1 0-34,1 1-84,0 0 50,-2 0-50,-2 0 0,-3 0 51,-3 0-46,-2 0-5,-2 0 51,-1 0-40,0 0 280,1 0-72,4 0-68,1 0 29,3 0-141,1 0 28,1 0 28,1-1 62,9-2-151,-8 0-1,4-2 46,-12 1-46,-5 1-10,-3 0-348,-4 3-561,-3-1-1880,-16 1 2794,-16 0 0,10 0 0,-7 0 0</inkml:trace>
+  <inkml:trace contextRef="#ctx0" brushRef="#br0" timeOffset="12907">18658 13418 23864,'8'1'459,"3"0"-106,8-1 34,10 0-17,12 1-118,12 2-965,8-1 847,-28 0 1,1-1-57,14 2 1,0-1-79,-14 0 0,0 0-3,7 0 0,-2 1-126,-1 1-300,-10 0-1011,-12-1-2106,-7-1 3546,-21-1 0,9-1 0,-10 0 0</inkml:trace>
+  <inkml:trace contextRef="#ctx0" brushRef="#br0" timeOffset="16049">6419 14416 20151,'33'1'509,"0"-1"1,29 1-404,-22-1-22,2 0-45,0 1 73,4 3-106,0 0 156,3 2-55,1-1-12,2 1 79,-1-1-50,0-1 4,-15-2 1,2 1-123,18-1-581,-19 0 1,0-1 580,15 0-6,0 0 202,0-1-202,0 0 0,-3 0 28,0-1 6,-3-1-40,15-3 6,-17 1 39,10-2-39,-20 3 0,-3 0 0,-1 1 0,0 1 67,-1 0-55,1 1 927,0 0-849,1 0 51,1 0-135,0 0 83,1 0-55,1 0 33,-1 0-61,3 0 27,-1 0 118,2-2-151,0-2 0,0-3 34,0-2-23,-3 0-16,-3 0 5,-1 1 0,-2 0 22,0 2-16,1-1-6,3 1 33,2 0-33,4-1 6,1 0-1,2 0-5,0-1 124,1 0-40,-2 1-40,-2 1 1,-4 1-39,-5 2 27,8 1-33,-11 2 23,8 0-23,-9 0 0,0 0 0,2 0 5,1 0 35,1 0-40,3 1 0,-1 0-6,3-1 12,0 1-6,2-1 11,1 0-11,2 0 50,1 0-50,0 0 0,2 0 0,0 0 6,-1 0 39,1-2-40,-2-2 1,-2-1 78,-1-2-79,-3 0-5,0-1 157,-2-2-146,-1 0 45,-1-1-50,0 3 44,-1 0-16,11 0-34,-9 2 28,8 0-22,-12 2 16,0 1-16,0 0-6,-1 0 173,11-2-83,4 1 27,2-1 18,2 1-130,-8 2 1,1-1 89,1 1-56,-1-1 6,-3 1-39,0-1-1,-5 0 281,12-2-151,-11 2 27,11-3-78,-11 2 168,3 1-162,-1 0-84,-1 2 55,-2 1-61,-4 0 0,-1 0 11,-3 0-11,-2 0 0,-3 0 6,-3 0 0,-6 0-6,-4 0 0,-2 0 0,-2 0 33,-10 2-33,-4 0-78,-13 3 78,-6-1-6,-7 1-11,-8 0-72,-5 0-29,10-1 1,-4-1-1,-3-1 0,-2 0-355,0 0 0,0-1 375,1 0 0,3 0 19,13-1 1,2 0 44,-2 0 1,0 0 33,1 0 0,-1 0-212,0 0 1,-1 0 244,1 0 1,-1-1-34,0 0 0,0-1 0,1 0 0,-1-1 22,-1 0 1,0-1-23,-2 1 0,0-1 0,0 1 0,0-1-323,-2 2 1,0-1 338,2 1 1,0 0-20,3 1 1,0 0 2,-2 0 0,1 0 0,3 1 0,0 0-23,-2 0 1,0 0-121,1 0 0,1 0 137,-1 1 0,0 0-22,-2 1 0,-1 1-3,2-1 1,-1 2 10,-2 0 1,-1 1-83,2 0 0,1-1 99,1 1 0,1-1-14,-2 1 0,0 1 73,4-2 0,-1 1-59,0 0 1,1 0-1,0 0 0,1 0-42,-26 4 40,2-1 5,5 0-23,2-3 12,3-1 592,2-3-581,1 0 0,-17-2 0,16-2 0,-14-2 0,19 1-34,-4-1 18,-2 2-18,-6 0 36,-2 1-7,-4 0-46,-2 1 51,-1-1 0,1 0-8,17 2 0,1 0 8,-21-1 0,23 1 0,0 0 5,-14 2 6,2 1-11,0 4 0,2 0 28,2-1 860,2 0-888,2-3 6,3 0 352,4-3-241,4 0-117,4 0 0,5 0 390,3-1-390,1-1 62,2-1-62,-7-2 45,5 2-45,-8-1 0,4 2-34,-8 0 28,-4 1 6,-8 1-134,10 0 0,0 1-225,-14 3-414,-10 2-3831,31 13 4604,25 5 0,-2-6 0,16-2 0</inkml:trace>
+  <inkml:trace contextRef="#ctx0" brushRef="#br0" timeOffset="17174">18319 14244 20559,'-3'1'2919,"0"-1"-1676,3 0-380,55-3-580,-23 0 0,4-1-1109,5 1 1,4-1 0,0 0 884,-1 0 1,-1-1 0,0 1-57,20-1 0,-3 1 149,-8 1 1,-4 0-153,-11 2 0,-3 1 0,10 0 34,-11 0-34,-8 0-34,-3 2-140,-7 1 1833,-6-1-2230,-6 1-301,-3-3 872,-9-4 0,6 3 0,-6-4 0</inkml:trace>
+</inkml:ink>
 </file>
 
 <file path=ppt/notesMasters/notesMaster1.xml><?xml version="1.0" encoding="utf-8"?>
@@ -1600,7 +1640,7 @@
           <a:p>
             <a:fld id="{7664DC43-F744-704A-A194-E80C7BE54CAA}" type="datetimeFigureOut">
               <a:rPr lang="en-VN" smtClean="0"/>
-              <a:t>22/8/24</a:t>
+              <a:t>23/8/24</a:t>
             </a:fld>
             <a:endParaRPr lang="en-VN"/>
           </a:p>
@@ -2060,6 +2100,114 @@
 </p:notes>
 </file>
 
+<file path=ppt/notesSlides/notesSlide3.xml><?xml version="1.0" encoding="utf-8"?>
+<p:notes xmlns:a="http://schemas.openxmlformats.org/drawingml/2006/main" xmlns:r="http://schemas.openxmlformats.org/officeDocument/2006/relationships" xmlns:p="http://schemas.openxmlformats.org/presentationml/2006/main">
+  <p:cSld>
+    <p:spTree>
+      <p:nvGrpSpPr>
+        <p:cNvPr id="1" name="">
+          <a:extLst>
+            <a:ext uri="{FF2B5EF4-FFF2-40B4-BE49-F238E27FC236}">
+              <a16:creationId xmlns:a16="http://schemas.microsoft.com/office/drawing/2014/main" id="{5D7C82BB-1EF9-70B9-D99F-069FF5C522D7}"/>
+            </a:ext>
+          </a:extLst>
+        </p:cNvPr>
+        <p:cNvGrpSpPr/>
+        <p:nvPr/>
+      </p:nvGrpSpPr>
+      <p:grpSpPr>
+        <a:xfrm>
+          <a:off x="0" y="0"/>
+          <a:ext cx="0" cy="0"/>
+          <a:chOff x="0" y="0"/>
+          <a:chExt cx="0" cy="0"/>
+        </a:xfrm>
+      </p:grpSpPr>
+      <p:sp>
+        <p:nvSpPr>
+          <p:cNvPr id="2" name="Slide Image Placeholder 1">
+            <a:extLst>
+              <a:ext uri="{FF2B5EF4-FFF2-40B4-BE49-F238E27FC236}">
+                <a16:creationId xmlns:a16="http://schemas.microsoft.com/office/drawing/2014/main" id="{1EE07001-DDE3-B620-E478-6E08564C4167}"/>
+              </a:ext>
+            </a:extLst>
+          </p:cNvPr>
+          <p:cNvSpPr>
+            <a:spLocks noGrp="1" noRot="1" noChangeAspect="1"/>
+          </p:cNvSpPr>
+          <p:nvPr>
+            <p:ph type="sldImg"/>
+          </p:nvPr>
+        </p:nvSpPr>
+        <p:spPr/>
+      </p:sp>
+      <p:sp>
+        <p:nvSpPr>
+          <p:cNvPr id="3" name="Notes Placeholder 2">
+            <a:extLst>
+              <a:ext uri="{FF2B5EF4-FFF2-40B4-BE49-F238E27FC236}">
+                <a16:creationId xmlns:a16="http://schemas.microsoft.com/office/drawing/2014/main" id="{0C2E552C-DA7B-95F0-9942-9C95EE1FB5B6}"/>
+              </a:ext>
+            </a:extLst>
+          </p:cNvPr>
+          <p:cNvSpPr>
+            <a:spLocks noGrp="1"/>
+          </p:cNvSpPr>
+          <p:nvPr>
+            <p:ph type="body" idx="1"/>
+          </p:nvPr>
+        </p:nvSpPr>
+        <p:spPr/>
+        <p:txBody>
+          <a:bodyPr/>
+          <a:lstStyle/>
+          <a:p>
+            <a:endParaRPr lang="en-VN" dirty="0"/>
+          </a:p>
+        </p:txBody>
+      </p:sp>
+      <p:sp>
+        <p:nvSpPr>
+          <p:cNvPr id="4" name="Slide Number Placeholder 3">
+            <a:extLst>
+              <a:ext uri="{FF2B5EF4-FFF2-40B4-BE49-F238E27FC236}">
+                <a16:creationId xmlns:a16="http://schemas.microsoft.com/office/drawing/2014/main" id="{022E6790-7BBD-B702-7D8D-D22C5D368131}"/>
+              </a:ext>
+            </a:extLst>
+          </p:cNvPr>
+          <p:cNvSpPr>
+            <a:spLocks noGrp="1"/>
+          </p:cNvSpPr>
+          <p:nvPr>
+            <p:ph type="sldNum" sz="quarter" idx="5"/>
+          </p:nvPr>
+        </p:nvSpPr>
+        <p:spPr/>
+        <p:txBody>
+          <a:bodyPr/>
+          <a:lstStyle/>
+          <a:p>
+            <a:fld id="{A776ACA8-AF14-F04C-ADFD-EE53B23C09C4}" type="slidenum">
+              <a:rPr lang="en-VN" smtClean="0"/>
+              <a:t>7</a:t>
+            </a:fld>
+            <a:endParaRPr lang="en-VN"/>
+          </a:p>
+        </p:txBody>
+      </p:sp>
+    </p:spTree>
+    <p:extLst>
+      <p:ext uri="{BB962C8B-B14F-4D97-AF65-F5344CB8AC3E}">
+        <p14:creationId xmlns:p14="http://schemas.microsoft.com/office/powerpoint/2010/main" val="1562078111"/>
+      </p:ext>
+    </p:extLst>
+  </p:cSld>
+  <p:clrMapOvr>
+    <a:masterClrMapping/>
+  </p:clrMapOvr>
+</p:notes>
+</file>
+
 <file path=ppt/slideLayouts/slideLayout1.xml><?xml version="1.0" encoding="utf-8"?>
 <p:sldLayout xmlns:a="http://schemas.openxmlformats.org/drawingml/2006/main" xmlns:r="http://schemas.openxmlformats.org/officeDocument/2006/relationships" xmlns:p="http://schemas.openxmlformats.org/presentationml/2006/main" type="title" preserve="1">
   <p:cSld name="Title Slide">
@@ -2207,7 +2355,7 @@
           <a:p>
             <a:fld id="{BAA8DE05-51EE-4692-B197-877FA1DAAAED}" type="datetimeFigureOut">
               <a:rPr lang="en-US" smtClean="0"/>
-              <a:t>8/22/24</a:t>
+              <a:t>8/23/24</a:t>
             </a:fld>
             <a:endParaRPr lang="en-US"/>
           </a:p>
@@ -2405,7 +2553,7 @@
           <a:p>
             <a:fld id="{BAA8DE05-51EE-4692-B197-877FA1DAAAED}" type="datetimeFigureOut">
               <a:rPr lang="en-US" smtClean="0"/>
-              <a:t>8/22/24</a:t>
+              <a:t>8/23/24</a:t>
             </a:fld>
             <a:endParaRPr lang="en-US"/>
           </a:p>
@@ -2613,7 +2761,7 @@
           <a:p>
             <a:fld id="{BAA8DE05-51EE-4692-B197-877FA1DAAAED}" type="datetimeFigureOut">
               <a:rPr lang="en-US" smtClean="0"/>
-              <a:t>8/22/24</a:t>
+              <a:t>8/23/24</a:t>
             </a:fld>
             <a:endParaRPr lang="en-US"/>
           </a:p>
@@ -2811,7 +2959,7 @@
           <a:p>
             <a:fld id="{BAA8DE05-51EE-4692-B197-877FA1DAAAED}" type="datetimeFigureOut">
               <a:rPr lang="en-US" smtClean="0"/>
-              <a:t>8/22/24</a:t>
+              <a:t>8/23/24</a:t>
             </a:fld>
             <a:endParaRPr lang="en-US"/>
           </a:p>
@@ -3086,7 +3234,7 @@
           <a:p>
             <a:fld id="{BAA8DE05-51EE-4692-B197-877FA1DAAAED}" type="datetimeFigureOut">
               <a:rPr lang="en-US" smtClean="0"/>
-              <a:t>8/22/24</a:t>
+              <a:t>8/23/24</a:t>
             </a:fld>
             <a:endParaRPr lang="en-US"/>
           </a:p>
@@ -3351,7 +3499,7 @@
           <a:p>
             <a:fld id="{BAA8DE05-51EE-4692-B197-877FA1DAAAED}" type="datetimeFigureOut">
               <a:rPr lang="en-US" smtClean="0"/>
-              <a:t>8/22/24</a:t>
+              <a:t>8/23/24</a:t>
             </a:fld>
             <a:endParaRPr lang="en-US"/>
           </a:p>
@@ -3763,7 +3911,7 @@
           <a:p>
             <a:fld id="{BAA8DE05-51EE-4692-B197-877FA1DAAAED}" type="datetimeFigureOut">
               <a:rPr lang="en-US" smtClean="0"/>
-              <a:t>8/22/24</a:t>
+              <a:t>8/23/24</a:t>
             </a:fld>
             <a:endParaRPr lang="en-US"/>
           </a:p>
@@ -3904,7 +4052,7 @@
           <a:p>
             <a:fld id="{BAA8DE05-51EE-4692-B197-877FA1DAAAED}" type="datetimeFigureOut">
               <a:rPr lang="en-US" smtClean="0"/>
-              <a:t>8/22/24</a:t>
+              <a:t>8/23/24</a:t>
             </a:fld>
             <a:endParaRPr lang="en-US"/>
           </a:p>
@@ -4017,7 +4165,7 @@
           <a:p>
             <a:fld id="{BAA8DE05-51EE-4692-B197-877FA1DAAAED}" type="datetimeFigureOut">
               <a:rPr lang="en-US" smtClean="0"/>
-              <a:t>8/22/24</a:t>
+              <a:t>8/23/24</a:t>
             </a:fld>
             <a:endParaRPr lang="en-US"/>
           </a:p>
@@ -4328,7 +4476,7 @@
           <a:p>
             <a:fld id="{BAA8DE05-51EE-4692-B197-877FA1DAAAED}" type="datetimeFigureOut">
               <a:rPr lang="en-US" smtClean="0"/>
-              <a:t>8/22/24</a:t>
+              <a:t>8/23/24</a:t>
             </a:fld>
             <a:endParaRPr lang="en-US"/>
           </a:p>
@@ -4616,7 +4764,7 @@
           <a:p>
             <a:fld id="{BAA8DE05-51EE-4692-B197-877FA1DAAAED}" type="datetimeFigureOut">
               <a:rPr lang="en-US" smtClean="0"/>
-              <a:t>8/22/24</a:t>
+              <a:t>8/23/24</a:t>
             </a:fld>
             <a:endParaRPr lang="en-US"/>
           </a:p>
@@ -4857,7 +5005,7 @@
           <a:p>
             <a:fld id="{BAA8DE05-51EE-4692-B197-877FA1DAAAED}" type="datetimeFigureOut">
               <a:rPr lang="en-US" smtClean="0"/>
-              <a:t>8/22/24</a:t>
+              <a:t>8/23/24</a:t>
             </a:fld>
             <a:endParaRPr lang="en-US"/>
           </a:p>
@@ -8893,6 +9041,508 @@
                                           <p:spTgt spid="4">
                                             <p:txEl>
                                               <p:pRg st="11" end="11"/>
+                                            </p:txEl>
+                                          </p:spTgt>
+                                        </p:tgtEl>
+                                        <p:attrNameLst>
+                                          <p:attrName>style.visibility</p:attrName>
+                                        </p:attrNameLst>
+                                      </p:cBhvr>
+                                      <p:to>
+                                        <p:strVal val="visible"/>
+                                      </p:to>
+                                    </p:set>
+                                  </p:childTnLst>
+                                </p:cTn>
+                              </p:par>
+                            </p:childTnLst>
+                          </p:cTn>
+                        </p:par>
+                      </p:childTnLst>
+                    </p:cTn>
+                  </p:par>
+                </p:childTnLst>
+              </p:cTn>
+              <p:prevCondLst>
+                <p:cond evt="onPrev" delay="0">
+                  <p:tgtEl>
+                    <p:sldTgt/>
+                  </p:tgtEl>
+                </p:cond>
+              </p:prevCondLst>
+              <p:nextCondLst>
+                <p:cond evt="onNext" delay="0">
+                  <p:tgtEl>
+                    <p:sldTgt/>
+                  </p:tgtEl>
+                </p:cond>
+              </p:nextCondLst>
+            </p:seq>
+          </p:childTnLst>
+        </p:cTn>
+      </p:par>
+    </p:tnLst>
+  </p:timing>
+</p:sld>
+</file>
+
+<file path=ppt/slides/slide7.xml><?xml version="1.0" encoding="utf-8"?>
+<p:sld xmlns:a="http://schemas.openxmlformats.org/drawingml/2006/main" xmlns:r="http://schemas.openxmlformats.org/officeDocument/2006/relationships" xmlns:p="http://schemas.openxmlformats.org/presentationml/2006/main">
+  <p:cSld>
+    <p:spTree>
+      <p:nvGrpSpPr>
+        <p:cNvPr id="1" name="">
+          <a:extLst>
+            <a:ext uri="{FF2B5EF4-FFF2-40B4-BE49-F238E27FC236}">
+              <a16:creationId xmlns:a16="http://schemas.microsoft.com/office/drawing/2014/main" id="{30DC4087-AFE4-64E6-AD58-0D01ED70D25F}"/>
+            </a:ext>
+          </a:extLst>
+        </p:cNvPr>
+        <p:cNvGrpSpPr/>
+        <p:nvPr/>
+      </p:nvGrpSpPr>
+      <p:grpSpPr>
+        <a:xfrm>
+          <a:off x="0" y="0"/>
+          <a:ext cx="0" cy="0"/>
+          <a:chOff x="0" y="0"/>
+          <a:chExt cx="0" cy="0"/>
+        </a:xfrm>
+      </p:grpSpPr>
+      <p:sp>
+        <p:nvSpPr>
+          <p:cNvPr id="3" name="Subtitle 2">
+            <a:extLst>
+              <a:ext uri="{FF2B5EF4-FFF2-40B4-BE49-F238E27FC236}">
+                <a16:creationId xmlns:a16="http://schemas.microsoft.com/office/drawing/2014/main" id="{C60F71B8-BB94-9BCF-A38B-7F94105C685B}"/>
+              </a:ext>
+            </a:extLst>
+          </p:cNvPr>
+          <p:cNvSpPr>
+            <a:spLocks noGrp="1"/>
+          </p:cNvSpPr>
+          <p:nvPr>
+            <p:ph type="subTitle" idx="1"/>
+          </p:nvPr>
+        </p:nvSpPr>
+        <p:spPr>
+          <a:xfrm>
+            <a:off x="97971" y="293688"/>
+            <a:ext cx="8545286" cy="303212"/>
+          </a:xfrm>
+        </p:spPr>
+        <p:txBody>
+          <a:bodyPr>
+            <a:normAutofit fontScale="92500" lnSpcReduction="20000"/>
+          </a:bodyPr>
+          <a:lstStyle/>
+          <a:p>
+            <a:r>
+              <a:rPr lang="en-US" sz="1800" b="1" dirty="0"/>
+              <a:t>6.1 Java Operators </a:t>
+            </a:r>
+            <a:r>
+              <a:rPr lang="en-US" sz="1800" dirty="0"/>
+              <a:t>– 6.1.6 Operator precedence and evaluation of expression</a:t>
+            </a:r>
+            <a:endParaRPr lang="en-US" sz="1800" b="1" dirty="0"/>
+          </a:p>
+        </p:txBody>
+      </p:sp>
+      <p:sp>
+        <p:nvSpPr>
+          <p:cNvPr id="4" name="Subtitle 2">
+            <a:extLst>
+              <a:ext uri="{FF2B5EF4-FFF2-40B4-BE49-F238E27FC236}">
+                <a16:creationId xmlns:a16="http://schemas.microsoft.com/office/drawing/2014/main" id="{CDB71976-99CD-36E7-BC22-D67409CC298A}"/>
+              </a:ext>
+            </a:extLst>
+          </p:cNvPr>
+          <p:cNvSpPr txBox="1">
+            <a:spLocks/>
+          </p:cNvSpPr>
+          <p:nvPr/>
+        </p:nvSpPr>
+        <p:spPr>
+          <a:xfrm>
+            <a:off x="0" y="820738"/>
+            <a:ext cx="12192000" cy="6037262"/>
+          </a:xfrm>
+          <a:prstGeom prst="rect">
+            <a:avLst/>
+          </a:prstGeom>
+        </p:spPr>
+        <p:txBody>
+          <a:bodyPr vert="horz" lIns="91440" tIns="45720" rIns="91440" bIns="45720" rtlCol="0">
+            <a:normAutofit/>
+          </a:bodyPr>
+          <a:lstStyle>
+            <a:lvl1pPr marL="0" indent="0" algn="ctr" defTabSz="914400" rtl="0" eaLnBrk="1" latinLnBrk="0" hangingPunct="1">
+              <a:lnSpc>
+                <a:spcPct val="90000"/>
+              </a:lnSpc>
+              <a:spcBef>
+                <a:spcPts val="1000"/>
+              </a:spcBef>
+              <a:buFont typeface="Arial" panose="020B0604020202020204" pitchFamily="34" charset="0"/>
+              <a:buNone/>
+              <a:defRPr sz="2400" kern="1200">
+                <a:solidFill>
+                  <a:schemeClr val="tx1"/>
+                </a:solidFill>
+                <a:latin typeface="+mn-lt"/>
+                <a:ea typeface="+mn-ea"/>
+                <a:cs typeface="+mn-cs"/>
+              </a:defRPr>
+            </a:lvl1pPr>
+            <a:lvl2pPr marL="457200" indent="0" algn="ctr" defTabSz="914400" rtl="0" eaLnBrk="1" latinLnBrk="0" hangingPunct="1">
+              <a:lnSpc>
+                <a:spcPct val="90000"/>
+              </a:lnSpc>
+              <a:spcBef>
+                <a:spcPts val="500"/>
+              </a:spcBef>
+              <a:buFont typeface="Arial" panose="020B0604020202020204" pitchFamily="34" charset="0"/>
+              <a:buNone/>
+              <a:defRPr sz="2000" kern="1200">
+                <a:solidFill>
+                  <a:schemeClr val="tx1"/>
+                </a:solidFill>
+                <a:latin typeface="+mn-lt"/>
+                <a:ea typeface="+mn-ea"/>
+                <a:cs typeface="+mn-cs"/>
+              </a:defRPr>
+            </a:lvl2pPr>
+            <a:lvl3pPr marL="914400" indent="0" algn="ctr" defTabSz="914400" rtl="0" eaLnBrk="1" latinLnBrk="0" hangingPunct="1">
+              <a:lnSpc>
+                <a:spcPct val="90000"/>
+              </a:lnSpc>
+              <a:spcBef>
+                <a:spcPts val="500"/>
+              </a:spcBef>
+              <a:buFont typeface="Arial" panose="020B0604020202020204" pitchFamily="34" charset="0"/>
+              <a:buNone/>
+              <a:defRPr sz="1800" kern="1200">
+                <a:solidFill>
+                  <a:schemeClr val="tx1"/>
+                </a:solidFill>
+                <a:latin typeface="+mn-lt"/>
+                <a:ea typeface="+mn-ea"/>
+                <a:cs typeface="+mn-cs"/>
+              </a:defRPr>
+            </a:lvl3pPr>
+            <a:lvl4pPr marL="1371600" indent="0" algn="ctr" defTabSz="914400" rtl="0" eaLnBrk="1" latinLnBrk="0" hangingPunct="1">
+              <a:lnSpc>
+                <a:spcPct val="90000"/>
+              </a:lnSpc>
+              <a:spcBef>
+                <a:spcPts val="500"/>
+              </a:spcBef>
+              <a:buFont typeface="Arial" panose="020B0604020202020204" pitchFamily="34" charset="0"/>
+              <a:buNone/>
+              <a:defRPr sz="1600" kern="1200">
+                <a:solidFill>
+                  <a:schemeClr val="tx1"/>
+                </a:solidFill>
+                <a:latin typeface="+mn-lt"/>
+                <a:ea typeface="+mn-ea"/>
+                <a:cs typeface="+mn-cs"/>
+              </a:defRPr>
+            </a:lvl4pPr>
+            <a:lvl5pPr marL="1828800" indent="0" algn="ctr" defTabSz="914400" rtl="0" eaLnBrk="1" latinLnBrk="0" hangingPunct="1">
+              <a:lnSpc>
+                <a:spcPct val="90000"/>
+              </a:lnSpc>
+              <a:spcBef>
+                <a:spcPts val="500"/>
+              </a:spcBef>
+              <a:buFont typeface="Arial" panose="020B0604020202020204" pitchFamily="34" charset="0"/>
+              <a:buNone/>
+              <a:defRPr sz="1600" kern="1200">
+                <a:solidFill>
+                  <a:schemeClr val="tx1"/>
+                </a:solidFill>
+                <a:latin typeface="+mn-lt"/>
+                <a:ea typeface="+mn-ea"/>
+                <a:cs typeface="+mn-cs"/>
+              </a:defRPr>
+            </a:lvl5pPr>
+            <a:lvl6pPr marL="2286000" indent="0" algn="ctr" defTabSz="914400" rtl="0" eaLnBrk="1" latinLnBrk="0" hangingPunct="1">
+              <a:lnSpc>
+                <a:spcPct val="90000"/>
+              </a:lnSpc>
+              <a:spcBef>
+                <a:spcPts val="500"/>
+              </a:spcBef>
+              <a:buFont typeface="Arial" panose="020B0604020202020204" pitchFamily="34" charset="0"/>
+              <a:buNone/>
+              <a:defRPr sz="1600" kern="1200">
+                <a:solidFill>
+                  <a:schemeClr val="tx1"/>
+                </a:solidFill>
+                <a:latin typeface="+mn-lt"/>
+                <a:ea typeface="+mn-ea"/>
+                <a:cs typeface="+mn-cs"/>
+              </a:defRPr>
+            </a:lvl6pPr>
+            <a:lvl7pPr marL="2743200" indent="0" algn="ctr" defTabSz="914400" rtl="0" eaLnBrk="1" latinLnBrk="0" hangingPunct="1">
+              <a:lnSpc>
+                <a:spcPct val="90000"/>
+              </a:lnSpc>
+              <a:spcBef>
+                <a:spcPts val="500"/>
+              </a:spcBef>
+              <a:buFont typeface="Arial" panose="020B0604020202020204" pitchFamily="34" charset="0"/>
+              <a:buNone/>
+              <a:defRPr sz="1600" kern="1200">
+                <a:solidFill>
+                  <a:schemeClr val="tx1"/>
+                </a:solidFill>
+                <a:latin typeface="+mn-lt"/>
+                <a:ea typeface="+mn-ea"/>
+                <a:cs typeface="+mn-cs"/>
+              </a:defRPr>
+            </a:lvl7pPr>
+            <a:lvl8pPr marL="3200400" indent="0" algn="ctr" defTabSz="914400" rtl="0" eaLnBrk="1" latinLnBrk="0" hangingPunct="1">
+              <a:lnSpc>
+                <a:spcPct val="90000"/>
+              </a:lnSpc>
+              <a:spcBef>
+                <a:spcPts val="500"/>
+              </a:spcBef>
+              <a:buFont typeface="Arial" panose="020B0604020202020204" pitchFamily="34" charset="0"/>
+              <a:buNone/>
+              <a:defRPr sz="1600" kern="1200">
+                <a:solidFill>
+                  <a:schemeClr val="tx1"/>
+                </a:solidFill>
+                <a:latin typeface="+mn-lt"/>
+                <a:ea typeface="+mn-ea"/>
+                <a:cs typeface="+mn-cs"/>
+              </a:defRPr>
+            </a:lvl8pPr>
+            <a:lvl9pPr marL="3657600" indent="0" algn="ctr" defTabSz="914400" rtl="0" eaLnBrk="1" latinLnBrk="0" hangingPunct="1">
+              <a:lnSpc>
+                <a:spcPct val="90000"/>
+              </a:lnSpc>
+              <a:spcBef>
+                <a:spcPts val="500"/>
+              </a:spcBef>
+              <a:buFont typeface="Arial" panose="020B0604020202020204" pitchFamily="34" charset="0"/>
+              <a:buNone/>
+              <a:defRPr sz="1600" kern="1200">
+                <a:solidFill>
+                  <a:schemeClr val="tx1"/>
+                </a:solidFill>
+                <a:latin typeface="+mn-lt"/>
+                <a:ea typeface="+mn-ea"/>
+                <a:cs typeface="+mn-cs"/>
+              </a:defRPr>
+            </a:lvl9pPr>
+          </a:lstStyle>
+          <a:p>
+            <a:pPr algn="l"/>
+            <a:r>
+              <a:rPr lang="en-US" sz="1800" b="1" dirty="0"/>
+              <a:t>I) Precedence</a:t>
+            </a:r>
+          </a:p>
+          <a:p>
+            <a:pPr marL="285750" indent="-285750" algn="l">
+              <a:buFontTx/>
+              <a:buChar char="-"/>
+            </a:pPr>
+            <a:r>
+              <a:rPr lang="en-US" sz="1800" dirty="0"/>
+              <a:t>Precedence will determine which operator will be used first in an expression. Moreover, it will also decide which operands would go with the operator that has the highest precedence. (code illustration snippet 14)</a:t>
+            </a:r>
+          </a:p>
+          <a:p>
+            <a:pPr marL="285750" indent="-285750" algn="l">
+              <a:buFontTx/>
+              <a:buChar char="-"/>
+            </a:pPr>
+            <a:endParaRPr lang="en-US" sz="1800" dirty="0"/>
+          </a:p>
+        </p:txBody>
+      </p:sp>
+      <p:pic>
+        <p:nvPicPr>
+          <p:cNvPr id="5" name="Picture 4">
+            <a:extLst>
+              <a:ext uri="{FF2B5EF4-FFF2-40B4-BE49-F238E27FC236}">
+                <a16:creationId xmlns:a16="http://schemas.microsoft.com/office/drawing/2014/main" id="{AA02CAEA-18E1-207D-DBDD-3F2B4FC23950}"/>
+              </a:ext>
+            </a:extLst>
+          </p:cNvPr>
+          <p:cNvPicPr>
+            <a:picLocks noChangeAspect="1"/>
+          </p:cNvPicPr>
+          <p:nvPr/>
+        </p:nvPicPr>
+        <p:blipFill>
+          <a:blip r:embed="rId3"/>
+          <a:stretch>
+            <a:fillRect/>
+          </a:stretch>
+        </p:blipFill>
+        <p:spPr>
+          <a:xfrm>
+            <a:off x="2209800" y="1765146"/>
+            <a:ext cx="7772400" cy="5092854"/>
+          </a:xfrm>
+          <a:prstGeom prst="rect">
+            <a:avLst/>
+          </a:prstGeom>
+        </p:spPr>
+      </p:pic>
+      <mc:AlternateContent xmlns:mc="http://schemas.openxmlformats.org/markup-compatibility/2006">
+        <mc:Choice xmlns:p14="http://schemas.microsoft.com/office/powerpoint/2010/main" Requires="p14">
+          <p:contentPart p14:bwMode="auto" r:id="rId4">
+            <p14:nvContentPartPr>
+              <p14:cNvPr id="6" name="Ink 5">
+                <a:extLst>
+                  <a:ext uri="{FF2B5EF4-FFF2-40B4-BE49-F238E27FC236}">
+                    <a16:creationId xmlns:a16="http://schemas.microsoft.com/office/drawing/2014/main" id="{412848CC-AA56-3C30-9604-D56DC9C16A4D}"/>
+                  </a:ext>
+                </a:extLst>
+              </p14:cNvPr>
+              <p14:cNvContentPartPr/>
+              <p14:nvPr/>
+            </p14:nvContentPartPr>
+            <p14:xfrm>
+              <a:off x="2276280" y="2998080"/>
+              <a:ext cx="5934600" cy="2209680"/>
+            </p14:xfrm>
+          </p:contentPart>
+        </mc:Choice>
+        <mc:Fallback>
+          <p:pic>
+            <p:nvPicPr>
+              <p:cNvPr id="6" name="Ink 5">
+                <a:extLst>
+                  <a:ext uri="{FF2B5EF4-FFF2-40B4-BE49-F238E27FC236}">
+                    <a16:creationId xmlns:a16="http://schemas.microsoft.com/office/drawing/2014/main" id="{412848CC-AA56-3C30-9604-D56DC9C16A4D}"/>
+                  </a:ext>
+                </a:extLst>
+              </p:cNvPr>
+              <p:cNvPicPr/>
+              <p:nvPr/>
+            </p:nvPicPr>
+            <p:blipFill>
+              <a:blip r:embed="rId5"/>
+              <a:stretch>
+                <a:fillRect/>
+              </a:stretch>
+            </p:blipFill>
+            <p:spPr>
+              <a:xfrm>
+                <a:off x="2266920" y="2988720"/>
+                <a:ext cx="5953320" cy="2228400"/>
+              </a:xfrm>
+              <a:prstGeom prst="rect">
+                <a:avLst/>
+              </a:prstGeom>
+            </p:spPr>
+          </p:pic>
+        </mc:Fallback>
+      </mc:AlternateContent>
+    </p:spTree>
+    <p:extLst>
+      <p:ext uri="{BB962C8B-B14F-4D97-AF65-F5344CB8AC3E}">
+        <p14:creationId xmlns:p14="http://schemas.microsoft.com/office/powerpoint/2010/main" val="539686970"/>
+      </p:ext>
+    </p:extLst>
+  </p:cSld>
+  <p:clrMapOvr>
+    <a:masterClrMapping/>
+  </p:clrMapOvr>
+  <p:timing>
+    <p:tnLst>
+      <p:par>
+        <p:cTn id="1" dur="indefinite" restart="never" nodeType="tmRoot">
+          <p:childTnLst>
+            <p:seq concurrent="1" nextAc="seek">
+              <p:cTn id="2" dur="indefinite" nodeType="mainSeq">
+                <p:childTnLst>
+                  <p:par>
+                    <p:cTn id="3" fill="hold">
+                      <p:stCondLst>
+                        <p:cond delay="indefinite"/>
+                      </p:stCondLst>
+                      <p:childTnLst>
+                        <p:par>
+                          <p:cTn id="4" fill="hold">
+                            <p:stCondLst>
+                              <p:cond delay="0"/>
+                            </p:stCondLst>
+                            <p:childTnLst>
+                              <p:par>
+                                <p:cTn id="5" presetID="1" presetClass="entr" presetSubtype="0" fill="hold" nodeType="clickEffect">
+                                  <p:stCondLst>
+                                    <p:cond delay="0"/>
+                                  </p:stCondLst>
+                                  <p:childTnLst>
+                                    <p:set>
+                                      <p:cBhvr>
+                                        <p:cTn id="6" dur="1" fill="hold">
+                                          <p:stCondLst>
+                                            <p:cond delay="0"/>
+                                          </p:stCondLst>
+                                        </p:cTn>
+                                        <p:tgtEl>
+                                          <p:spTgt spid="4">
+                                            <p:txEl>
+                                              <p:pRg st="0" end="0"/>
+                                            </p:txEl>
+                                          </p:spTgt>
+                                        </p:tgtEl>
+                                        <p:attrNameLst>
+                                          <p:attrName>style.visibility</p:attrName>
+                                        </p:attrNameLst>
+                                      </p:cBhvr>
+                                      <p:to>
+                                        <p:strVal val="visible"/>
+                                      </p:to>
+                                    </p:set>
+                                  </p:childTnLst>
+                                </p:cTn>
+                              </p:par>
+                            </p:childTnLst>
+                          </p:cTn>
+                        </p:par>
+                      </p:childTnLst>
+                    </p:cTn>
+                  </p:par>
+                  <p:par>
+                    <p:cTn id="7" fill="hold">
+                      <p:stCondLst>
+                        <p:cond delay="indefinite"/>
+                      </p:stCondLst>
+                      <p:childTnLst>
+                        <p:par>
+                          <p:cTn id="8" fill="hold">
+                            <p:stCondLst>
+                              <p:cond delay="0"/>
+                            </p:stCondLst>
+                            <p:childTnLst>
+                              <p:par>
+                                <p:cTn id="9" presetID="1" presetClass="entr" presetSubtype="0" fill="hold" nodeType="clickEffect">
+                                  <p:stCondLst>
+                                    <p:cond delay="0"/>
+                                  </p:stCondLst>
+                                  <p:childTnLst>
+                                    <p:set>
+                                      <p:cBhvr>
+                                        <p:cTn id="10" dur="1" fill="hold">
+                                          <p:stCondLst>
+                                            <p:cond delay="0"/>
+                                          </p:stCondLst>
+                                        </p:cTn>
+                                        <p:tgtEl>
+                                          <p:spTgt spid="4">
+                                            <p:txEl>
+                                              <p:pRg st="1" end="1"/>
                                             </p:txEl>
                                           </p:spTgt>
                                         </p:tgtEl>

--- a/Java SE 8 Teaching Material/Chapter 6 - Working with Java Operators.pptx
+++ b/Java SE 8 Teaching Material/Chapter 6 - Working with Java Operators.pptx
@@ -5,7 +5,7 @@
     <p:sldMasterId id="2147483648" r:id="rId1"/>
   </p:sldMasterIdLst>
   <p:notesMasterIdLst>
-    <p:notesMasterId r:id="rId9"/>
+    <p:notesMasterId r:id="rId10"/>
   </p:notesMasterIdLst>
   <p:sldIdLst>
     <p:sldId id="256" r:id="rId2"/>
@@ -15,6 +15,7 @@
     <p:sldId id="261" r:id="rId6"/>
     <p:sldId id="262" r:id="rId7"/>
     <p:sldId id="263" r:id="rId8"/>
+    <p:sldId id="264" r:id="rId9"/>
   </p:sldIdLst>
   <p:sldSz cx="12192000" cy="6858000"/>
   <p:notesSz cx="6858000" cy="9144000"/>
@@ -125,6 +126,7 @@
             <p14:sldId id="261"/>
             <p14:sldId id="262"/>
             <p14:sldId id="263"/>
+            <p14:sldId id="264"/>
           </p14:sldIdLst>
         </p14:section>
       </p14:sectionLst>
@@ -1640,7 +1642,7 @@
           <a:p>
             <a:fld id="{7664DC43-F744-704A-A194-E80C7BE54CAA}" type="datetimeFigureOut">
               <a:rPr lang="en-VN" smtClean="0"/>
-              <a:t>23/8/24</a:t>
+              <a:t>24/8/24</a:t>
             </a:fld>
             <a:endParaRPr lang="en-VN"/>
           </a:p>
@@ -2208,6 +2210,114 @@
 </p:notes>
 </file>
 
+<file path=ppt/notesSlides/notesSlide4.xml><?xml version="1.0" encoding="utf-8"?>
+<p:notes xmlns:a="http://schemas.openxmlformats.org/drawingml/2006/main" xmlns:r="http://schemas.openxmlformats.org/officeDocument/2006/relationships" xmlns:p="http://schemas.openxmlformats.org/presentationml/2006/main">
+  <p:cSld>
+    <p:spTree>
+      <p:nvGrpSpPr>
+        <p:cNvPr id="1" name="">
+          <a:extLst>
+            <a:ext uri="{FF2B5EF4-FFF2-40B4-BE49-F238E27FC236}">
+              <a16:creationId xmlns:a16="http://schemas.microsoft.com/office/drawing/2014/main" id="{F008725B-7F25-F8DA-9924-C04FDCB2B041}"/>
+            </a:ext>
+          </a:extLst>
+        </p:cNvPr>
+        <p:cNvGrpSpPr/>
+        <p:nvPr/>
+      </p:nvGrpSpPr>
+      <p:grpSpPr>
+        <a:xfrm>
+          <a:off x="0" y="0"/>
+          <a:ext cx="0" cy="0"/>
+          <a:chOff x="0" y="0"/>
+          <a:chExt cx="0" cy="0"/>
+        </a:xfrm>
+      </p:grpSpPr>
+      <p:sp>
+        <p:nvSpPr>
+          <p:cNvPr id="2" name="Slide Image Placeholder 1">
+            <a:extLst>
+              <a:ext uri="{FF2B5EF4-FFF2-40B4-BE49-F238E27FC236}">
+                <a16:creationId xmlns:a16="http://schemas.microsoft.com/office/drawing/2014/main" id="{EF219568-79FE-B526-758E-061921AB1D5C}"/>
+              </a:ext>
+            </a:extLst>
+          </p:cNvPr>
+          <p:cNvSpPr>
+            <a:spLocks noGrp="1" noRot="1" noChangeAspect="1"/>
+          </p:cNvSpPr>
+          <p:nvPr>
+            <p:ph type="sldImg"/>
+          </p:nvPr>
+        </p:nvSpPr>
+        <p:spPr/>
+      </p:sp>
+      <p:sp>
+        <p:nvSpPr>
+          <p:cNvPr id="3" name="Notes Placeholder 2">
+            <a:extLst>
+              <a:ext uri="{FF2B5EF4-FFF2-40B4-BE49-F238E27FC236}">
+                <a16:creationId xmlns:a16="http://schemas.microsoft.com/office/drawing/2014/main" id="{F6C67BF5-0E2C-E0CB-14FC-9811AE9440E0}"/>
+              </a:ext>
+            </a:extLst>
+          </p:cNvPr>
+          <p:cNvSpPr>
+            <a:spLocks noGrp="1"/>
+          </p:cNvSpPr>
+          <p:nvPr>
+            <p:ph type="body" idx="1"/>
+          </p:nvPr>
+        </p:nvSpPr>
+        <p:spPr/>
+        <p:txBody>
+          <a:bodyPr/>
+          <a:lstStyle/>
+          <a:p>
+            <a:endParaRPr lang="en-VN" dirty="0"/>
+          </a:p>
+        </p:txBody>
+      </p:sp>
+      <p:sp>
+        <p:nvSpPr>
+          <p:cNvPr id="4" name="Slide Number Placeholder 3">
+            <a:extLst>
+              <a:ext uri="{FF2B5EF4-FFF2-40B4-BE49-F238E27FC236}">
+                <a16:creationId xmlns:a16="http://schemas.microsoft.com/office/drawing/2014/main" id="{1750ACD5-B868-B770-DDD3-B53BA9D773D9}"/>
+              </a:ext>
+            </a:extLst>
+          </p:cNvPr>
+          <p:cNvSpPr>
+            <a:spLocks noGrp="1"/>
+          </p:cNvSpPr>
+          <p:nvPr>
+            <p:ph type="sldNum" sz="quarter" idx="5"/>
+          </p:nvPr>
+        </p:nvSpPr>
+        <p:spPr/>
+        <p:txBody>
+          <a:bodyPr/>
+          <a:lstStyle/>
+          <a:p>
+            <a:fld id="{A776ACA8-AF14-F04C-ADFD-EE53B23C09C4}" type="slidenum">
+              <a:rPr lang="en-VN" smtClean="0"/>
+              <a:t>8</a:t>
+            </a:fld>
+            <a:endParaRPr lang="en-VN"/>
+          </a:p>
+        </p:txBody>
+      </p:sp>
+    </p:spTree>
+    <p:extLst>
+      <p:ext uri="{BB962C8B-B14F-4D97-AF65-F5344CB8AC3E}">
+        <p14:creationId xmlns:p14="http://schemas.microsoft.com/office/powerpoint/2010/main" val="2163592192"/>
+      </p:ext>
+    </p:extLst>
+  </p:cSld>
+  <p:clrMapOvr>
+    <a:masterClrMapping/>
+  </p:clrMapOvr>
+</p:notes>
+</file>
+
 <file path=ppt/slideLayouts/slideLayout1.xml><?xml version="1.0" encoding="utf-8"?>
 <p:sldLayout xmlns:a="http://schemas.openxmlformats.org/drawingml/2006/main" xmlns:r="http://schemas.openxmlformats.org/officeDocument/2006/relationships" xmlns:p="http://schemas.openxmlformats.org/presentationml/2006/main" type="title" preserve="1">
   <p:cSld name="Title Slide">
@@ -2355,7 +2465,7 @@
           <a:p>
             <a:fld id="{BAA8DE05-51EE-4692-B197-877FA1DAAAED}" type="datetimeFigureOut">
               <a:rPr lang="en-US" smtClean="0"/>
-              <a:t>8/23/24</a:t>
+              <a:t>8/24/24</a:t>
             </a:fld>
             <a:endParaRPr lang="en-US"/>
           </a:p>
@@ -2553,7 +2663,7 @@
           <a:p>
             <a:fld id="{BAA8DE05-51EE-4692-B197-877FA1DAAAED}" type="datetimeFigureOut">
               <a:rPr lang="en-US" smtClean="0"/>
-              <a:t>8/23/24</a:t>
+              <a:t>8/24/24</a:t>
             </a:fld>
             <a:endParaRPr lang="en-US"/>
           </a:p>
@@ -2761,7 +2871,7 @@
           <a:p>
             <a:fld id="{BAA8DE05-51EE-4692-B197-877FA1DAAAED}" type="datetimeFigureOut">
               <a:rPr lang="en-US" smtClean="0"/>
-              <a:t>8/23/24</a:t>
+              <a:t>8/24/24</a:t>
             </a:fld>
             <a:endParaRPr lang="en-US"/>
           </a:p>
@@ -2959,7 +3069,7 @@
           <a:p>
             <a:fld id="{BAA8DE05-51EE-4692-B197-877FA1DAAAED}" type="datetimeFigureOut">
               <a:rPr lang="en-US" smtClean="0"/>
-              <a:t>8/23/24</a:t>
+              <a:t>8/24/24</a:t>
             </a:fld>
             <a:endParaRPr lang="en-US"/>
           </a:p>
@@ -3234,7 +3344,7 @@
           <a:p>
             <a:fld id="{BAA8DE05-51EE-4692-B197-877FA1DAAAED}" type="datetimeFigureOut">
               <a:rPr lang="en-US" smtClean="0"/>
-              <a:t>8/23/24</a:t>
+              <a:t>8/24/24</a:t>
             </a:fld>
             <a:endParaRPr lang="en-US"/>
           </a:p>
@@ -3499,7 +3609,7 @@
           <a:p>
             <a:fld id="{BAA8DE05-51EE-4692-B197-877FA1DAAAED}" type="datetimeFigureOut">
               <a:rPr lang="en-US" smtClean="0"/>
-              <a:t>8/23/24</a:t>
+              <a:t>8/24/24</a:t>
             </a:fld>
             <a:endParaRPr lang="en-US"/>
           </a:p>
@@ -3911,7 +4021,7 @@
           <a:p>
             <a:fld id="{BAA8DE05-51EE-4692-B197-877FA1DAAAED}" type="datetimeFigureOut">
               <a:rPr lang="en-US" smtClean="0"/>
-              <a:t>8/23/24</a:t>
+              <a:t>8/24/24</a:t>
             </a:fld>
             <a:endParaRPr lang="en-US"/>
           </a:p>
@@ -4052,7 +4162,7 @@
           <a:p>
             <a:fld id="{BAA8DE05-51EE-4692-B197-877FA1DAAAED}" type="datetimeFigureOut">
               <a:rPr lang="en-US" smtClean="0"/>
-              <a:t>8/23/24</a:t>
+              <a:t>8/24/24</a:t>
             </a:fld>
             <a:endParaRPr lang="en-US"/>
           </a:p>
@@ -4165,7 +4275,7 @@
           <a:p>
             <a:fld id="{BAA8DE05-51EE-4692-B197-877FA1DAAAED}" type="datetimeFigureOut">
               <a:rPr lang="en-US" smtClean="0"/>
-              <a:t>8/23/24</a:t>
+              <a:t>8/24/24</a:t>
             </a:fld>
             <a:endParaRPr lang="en-US"/>
           </a:p>
@@ -4476,7 +4586,7 @@
           <a:p>
             <a:fld id="{BAA8DE05-51EE-4692-B197-877FA1DAAAED}" type="datetimeFigureOut">
               <a:rPr lang="en-US" smtClean="0"/>
-              <a:t>8/23/24</a:t>
+              <a:t>8/24/24</a:t>
             </a:fld>
             <a:endParaRPr lang="en-US"/>
           </a:p>
@@ -4764,7 +4874,7 @@
           <a:p>
             <a:fld id="{BAA8DE05-51EE-4692-B197-877FA1DAAAED}" type="datetimeFigureOut">
               <a:rPr lang="en-US" smtClean="0"/>
-              <a:t>8/23/24</a:t>
+              <a:t>8/24/24</a:t>
             </a:fld>
             <a:endParaRPr lang="en-US"/>
           </a:p>
@@ -5005,7 +5115,7 @@
           <a:p>
             <a:fld id="{BAA8DE05-51EE-4692-B197-877FA1DAAAED}" type="datetimeFigureOut">
               <a:rPr lang="en-US" smtClean="0"/>
-              <a:t>8/23/24</a:t>
+              <a:t>8/24/24</a:t>
             </a:fld>
             <a:endParaRPr lang="en-US"/>
           </a:p>
@@ -9396,8 +9506,8 @@
           </a:prstGeom>
         </p:spPr>
       </p:pic>
-      <mc:AlternateContent xmlns:mc="http://schemas.openxmlformats.org/markup-compatibility/2006">
-        <mc:Choice xmlns:p14="http://schemas.microsoft.com/office/powerpoint/2010/main" Requires="p14">
+      <mc:AlternateContent xmlns:mc="http://schemas.openxmlformats.org/markup-compatibility/2006" xmlns:p14="http://schemas.microsoft.com/office/powerpoint/2010/main">
+        <mc:Choice Requires="p14">
           <p:contentPart p14:bwMode="auto" r:id="rId4">
             <p14:nvContentPartPr>
               <p14:cNvPr id="6" name="Ink 5">
@@ -9416,7 +9526,7 @@
             </p14:xfrm>
           </p:contentPart>
         </mc:Choice>
-        <mc:Fallback>
+        <mc:Fallback xmlns="">
           <p:pic>
             <p:nvPicPr>
               <p:cNvPr id="6" name="Ink 5">
@@ -9543,6 +9653,872 @@
                                           <p:spTgt spid="4">
                                             <p:txEl>
                                               <p:pRg st="1" end="1"/>
+                                            </p:txEl>
+                                          </p:spTgt>
+                                        </p:tgtEl>
+                                        <p:attrNameLst>
+                                          <p:attrName>style.visibility</p:attrName>
+                                        </p:attrNameLst>
+                                      </p:cBhvr>
+                                      <p:to>
+                                        <p:strVal val="visible"/>
+                                      </p:to>
+                                    </p:set>
+                                  </p:childTnLst>
+                                </p:cTn>
+                              </p:par>
+                            </p:childTnLst>
+                          </p:cTn>
+                        </p:par>
+                      </p:childTnLst>
+                    </p:cTn>
+                  </p:par>
+                </p:childTnLst>
+              </p:cTn>
+              <p:prevCondLst>
+                <p:cond evt="onPrev" delay="0">
+                  <p:tgtEl>
+                    <p:sldTgt/>
+                  </p:tgtEl>
+                </p:cond>
+              </p:prevCondLst>
+              <p:nextCondLst>
+                <p:cond evt="onNext" delay="0">
+                  <p:tgtEl>
+                    <p:sldTgt/>
+                  </p:tgtEl>
+                </p:cond>
+              </p:nextCondLst>
+            </p:seq>
+          </p:childTnLst>
+        </p:cTn>
+      </p:par>
+    </p:tnLst>
+  </p:timing>
+</p:sld>
+</file>
+
+<file path=ppt/slides/slide8.xml><?xml version="1.0" encoding="utf-8"?>
+<p:sld xmlns:a="http://schemas.openxmlformats.org/drawingml/2006/main" xmlns:r="http://schemas.openxmlformats.org/officeDocument/2006/relationships" xmlns:p="http://schemas.openxmlformats.org/presentationml/2006/main">
+  <p:cSld>
+    <p:spTree>
+      <p:nvGrpSpPr>
+        <p:cNvPr id="1" name="">
+          <a:extLst>
+            <a:ext uri="{FF2B5EF4-FFF2-40B4-BE49-F238E27FC236}">
+              <a16:creationId xmlns:a16="http://schemas.microsoft.com/office/drawing/2014/main" id="{72DB6983-EF1E-8E09-BB4B-0AF58B6990E9}"/>
+            </a:ext>
+          </a:extLst>
+        </p:cNvPr>
+        <p:cNvGrpSpPr/>
+        <p:nvPr/>
+      </p:nvGrpSpPr>
+      <p:grpSpPr>
+        <a:xfrm>
+          <a:off x="0" y="0"/>
+          <a:ext cx="0" cy="0"/>
+          <a:chOff x="0" y="0"/>
+          <a:chExt cx="0" cy="0"/>
+        </a:xfrm>
+      </p:grpSpPr>
+      <p:sp>
+        <p:nvSpPr>
+          <p:cNvPr id="3" name="Subtitle 2">
+            <a:extLst>
+              <a:ext uri="{FF2B5EF4-FFF2-40B4-BE49-F238E27FC236}">
+                <a16:creationId xmlns:a16="http://schemas.microsoft.com/office/drawing/2014/main" id="{92EA0F15-52C6-B768-B3AC-3F9DFFB26181}"/>
+              </a:ext>
+            </a:extLst>
+          </p:cNvPr>
+          <p:cNvSpPr>
+            <a:spLocks noGrp="1"/>
+          </p:cNvSpPr>
+          <p:nvPr>
+            <p:ph type="subTitle" idx="1"/>
+          </p:nvPr>
+        </p:nvSpPr>
+        <p:spPr>
+          <a:xfrm>
+            <a:off x="97971" y="293688"/>
+            <a:ext cx="8545286" cy="303212"/>
+          </a:xfrm>
+        </p:spPr>
+        <p:txBody>
+          <a:bodyPr>
+            <a:normAutofit fontScale="92500" lnSpcReduction="20000"/>
+          </a:bodyPr>
+          <a:lstStyle/>
+          <a:p>
+            <a:r>
+              <a:rPr lang="en-US" sz="1800" b="1" dirty="0"/>
+              <a:t>6.1 Java Operators </a:t>
+            </a:r>
+            <a:r>
+              <a:rPr lang="en-US" sz="1800" dirty="0"/>
+              <a:t>– 6.1.6 Operator precedence and evaluation of expression</a:t>
+            </a:r>
+            <a:endParaRPr lang="en-US" sz="1800" b="1" dirty="0"/>
+          </a:p>
+        </p:txBody>
+      </p:sp>
+      <p:sp>
+        <p:nvSpPr>
+          <p:cNvPr id="4" name="Subtitle 2">
+            <a:extLst>
+              <a:ext uri="{FF2B5EF4-FFF2-40B4-BE49-F238E27FC236}">
+                <a16:creationId xmlns:a16="http://schemas.microsoft.com/office/drawing/2014/main" id="{6307C3F3-B802-58FB-1C11-851F1A45EEA6}"/>
+              </a:ext>
+            </a:extLst>
+          </p:cNvPr>
+          <p:cNvSpPr txBox="1">
+            <a:spLocks/>
+          </p:cNvSpPr>
+          <p:nvPr/>
+        </p:nvSpPr>
+        <p:spPr>
+          <a:xfrm>
+            <a:off x="0" y="820738"/>
+            <a:ext cx="12192000" cy="6037262"/>
+          </a:xfrm>
+          <a:prstGeom prst="rect">
+            <a:avLst/>
+          </a:prstGeom>
+        </p:spPr>
+        <p:txBody>
+          <a:bodyPr vert="horz" lIns="91440" tIns="45720" rIns="91440" bIns="45720" rtlCol="0">
+            <a:normAutofit/>
+          </a:bodyPr>
+          <a:lstStyle>
+            <a:lvl1pPr marL="0" indent="0" algn="ctr" defTabSz="914400" rtl="0" eaLnBrk="1" latinLnBrk="0" hangingPunct="1">
+              <a:lnSpc>
+                <a:spcPct val="90000"/>
+              </a:lnSpc>
+              <a:spcBef>
+                <a:spcPts val="1000"/>
+              </a:spcBef>
+              <a:buFont typeface="Arial" panose="020B0604020202020204" pitchFamily="34" charset="0"/>
+              <a:buNone/>
+              <a:defRPr sz="2400" kern="1200">
+                <a:solidFill>
+                  <a:schemeClr val="tx1"/>
+                </a:solidFill>
+                <a:latin typeface="+mn-lt"/>
+                <a:ea typeface="+mn-ea"/>
+                <a:cs typeface="+mn-cs"/>
+              </a:defRPr>
+            </a:lvl1pPr>
+            <a:lvl2pPr marL="457200" indent="0" algn="ctr" defTabSz="914400" rtl="0" eaLnBrk="1" latinLnBrk="0" hangingPunct="1">
+              <a:lnSpc>
+                <a:spcPct val="90000"/>
+              </a:lnSpc>
+              <a:spcBef>
+                <a:spcPts val="500"/>
+              </a:spcBef>
+              <a:buFont typeface="Arial" panose="020B0604020202020204" pitchFamily="34" charset="0"/>
+              <a:buNone/>
+              <a:defRPr sz="2000" kern="1200">
+                <a:solidFill>
+                  <a:schemeClr val="tx1"/>
+                </a:solidFill>
+                <a:latin typeface="+mn-lt"/>
+                <a:ea typeface="+mn-ea"/>
+                <a:cs typeface="+mn-cs"/>
+              </a:defRPr>
+            </a:lvl2pPr>
+            <a:lvl3pPr marL="914400" indent="0" algn="ctr" defTabSz="914400" rtl="0" eaLnBrk="1" latinLnBrk="0" hangingPunct="1">
+              <a:lnSpc>
+                <a:spcPct val="90000"/>
+              </a:lnSpc>
+              <a:spcBef>
+                <a:spcPts val="500"/>
+              </a:spcBef>
+              <a:buFont typeface="Arial" panose="020B0604020202020204" pitchFamily="34" charset="0"/>
+              <a:buNone/>
+              <a:defRPr sz="1800" kern="1200">
+                <a:solidFill>
+                  <a:schemeClr val="tx1"/>
+                </a:solidFill>
+                <a:latin typeface="+mn-lt"/>
+                <a:ea typeface="+mn-ea"/>
+                <a:cs typeface="+mn-cs"/>
+              </a:defRPr>
+            </a:lvl3pPr>
+            <a:lvl4pPr marL="1371600" indent="0" algn="ctr" defTabSz="914400" rtl="0" eaLnBrk="1" latinLnBrk="0" hangingPunct="1">
+              <a:lnSpc>
+                <a:spcPct val="90000"/>
+              </a:lnSpc>
+              <a:spcBef>
+                <a:spcPts val="500"/>
+              </a:spcBef>
+              <a:buFont typeface="Arial" panose="020B0604020202020204" pitchFamily="34" charset="0"/>
+              <a:buNone/>
+              <a:defRPr sz="1600" kern="1200">
+                <a:solidFill>
+                  <a:schemeClr val="tx1"/>
+                </a:solidFill>
+                <a:latin typeface="+mn-lt"/>
+                <a:ea typeface="+mn-ea"/>
+                <a:cs typeface="+mn-cs"/>
+              </a:defRPr>
+            </a:lvl4pPr>
+            <a:lvl5pPr marL="1828800" indent="0" algn="ctr" defTabSz="914400" rtl="0" eaLnBrk="1" latinLnBrk="0" hangingPunct="1">
+              <a:lnSpc>
+                <a:spcPct val="90000"/>
+              </a:lnSpc>
+              <a:spcBef>
+                <a:spcPts val="500"/>
+              </a:spcBef>
+              <a:buFont typeface="Arial" panose="020B0604020202020204" pitchFamily="34" charset="0"/>
+              <a:buNone/>
+              <a:defRPr sz="1600" kern="1200">
+                <a:solidFill>
+                  <a:schemeClr val="tx1"/>
+                </a:solidFill>
+                <a:latin typeface="+mn-lt"/>
+                <a:ea typeface="+mn-ea"/>
+                <a:cs typeface="+mn-cs"/>
+              </a:defRPr>
+            </a:lvl5pPr>
+            <a:lvl6pPr marL="2286000" indent="0" algn="ctr" defTabSz="914400" rtl="0" eaLnBrk="1" latinLnBrk="0" hangingPunct="1">
+              <a:lnSpc>
+                <a:spcPct val="90000"/>
+              </a:lnSpc>
+              <a:spcBef>
+                <a:spcPts val="500"/>
+              </a:spcBef>
+              <a:buFont typeface="Arial" panose="020B0604020202020204" pitchFamily="34" charset="0"/>
+              <a:buNone/>
+              <a:defRPr sz="1600" kern="1200">
+                <a:solidFill>
+                  <a:schemeClr val="tx1"/>
+                </a:solidFill>
+                <a:latin typeface="+mn-lt"/>
+                <a:ea typeface="+mn-ea"/>
+                <a:cs typeface="+mn-cs"/>
+              </a:defRPr>
+            </a:lvl6pPr>
+            <a:lvl7pPr marL="2743200" indent="0" algn="ctr" defTabSz="914400" rtl="0" eaLnBrk="1" latinLnBrk="0" hangingPunct="1">
+              <a:lnSpc>
+                <a:spcPct val="90000"/>
+              </a:lnSpc>
+              <a:spcBef>
+                <a:spcPts val="500"/>
+              </a:spcBef>
+              <a:buFont typeface="Arial" panose="020B0604020202020204" pitchFamily="34" charset="0"/>
+              <a:buNone/>
+              <a:defRPr sz="1600" kern="1200">
+                <a:solidFill>
+                  <a:schemeClr val="tx1"/>
+                </a:solidFill>
+                <a:latin typeface="+mn-lt"/>
+                <a:ea typeface="+mn-ea"/>
+                <a:cs typeface="+mn-cs"/>
+              </a:defRPr>
+            </a:lvl7pPr>
+            <a:lvl8pPr marL="3200400" indent="0" algn="ctr" defTabSz="914400" rtl="0" eaLnBrk="1" latinLnBrk="0" hangingPunct="1">
+              <a:lnSpc>
+                <a:spcPct val="90000"/>
+              </a:lnSpc>
+              <a:spcBef>
+                <a:spcPts val="500"/>
+              </a:spcBef>
+              <a:buFont typeface="Arial" panose="020B0604020202020204" pitchFamily="34" charset="0"/>
+              <a:buNone/>
+              <a:defRPr sz="1600" kern="1200">
+                <a:solidFill>
+                  <a:schemeClr val="tx1"/>
+                </a:solidFill>
+                <a:latin typeface="+mn-lt"/>
+                <a:ea typeface="+mn-ea"/>
+                <a:cs typeface="+mn-cs"/>
+              </a:defRPr>
+            </a:lvl8pPr>
+            <a:lvl9pPr marL="3657600" indent="0" algn="ctr" defTabSz="914400" rtl="0" eaLnBrk="1" latinLnBrk="0" hangingPunct="1">
+              <a:lnSpc>
+                <a:spcPct val="90000"/>
+              </a:lnSpc>
+              <a:spcBef>
+                <a:spcPts val="500"/>
+              </a:spcBef>
+              <a:buFont typeface="Arial" panose="020B0604020202020204" pitchFamily="34" charset="0"/>
+              <a:buNone/>
+              <a:defRPr sz="1600" kern="1200">
+                <a:solidFill>
+                  <a:schemeClr val="tx1"/>
+                </a:solidFill>
+                <a:latin typeface="+mn-lt"/>
+                <a:ea typeface="+mn-ea"/>
+                <a:cs typeface="+mn-cs"/>
+              </a:defRPr>
+            </a:lvl9pPr>
+          </a:lstStyle>
+          <a:p>
+            <a:pPr algn="l"/>
+            <a:r>
+              <a:rPr lang="en-US" sz="1800" b="1" dirty="0"/>
+              <a:t>II) Associativity</a:t>
+            </a:r>
+          </a:p>
+          <a:p>
+            <a:pPr marL="285750" indent="-285750" algn="l">
+              <a:buFontTx/>
+              <a:buChar char="-"/>
+            </a:pPr>
+            <a:r>
+              <a:rPr lang="en-US" sz="1800" dirty="0"/>
+              <a:t>This will determine the grouping of operands if all operators have the same precedence</a:t>
+            </a:r>
+          </a:p>
+          <a:p>
+            <a:pPr marL="285750" indent="-285750" algn="l">
+              <a:buFontTx/>
+              <a:buChar char="-"/>
+            </a:pPr>
+            <a:r>
+              <a:rPr lang="en-US" sz="1800" dirty="0"/>
+              <a:t>All operators in Java are </a:t>
+            </a:r>
+            <a:r>
+              <a:rPr lang="en-US" sz="1800" b="1" dirty="0"/>
+              <a:t>“left-associative”</a:t>
+            </a:r>
+            <a:r>
+              <a:rPr lang="en-US" sz="1800" dirty="0"/>
+              <a:t> (</a:t>
+            </a:r>
+            <a:r>
+              <a:rPr lang="en-US" sz="1800" dirty="0" err="1"/>
+              <a:t>e.g</a:t>
+            </a:r>
+            <a:r>
+              <a:rPr lang="en-US" sz="1800" dirty="0"/>
+              <a:t>: lambda operator, assignment operator, ternary operator) </a:t>
+            </a:r>
+          </a:p>
+          <a:p>
+            <a:pPr algn="l"/>
+            <a:r>
+              <a:rPr lang="en-US" sz="1800" dirty="0"/>
+              <a:t>(code illustration snippet 15)</a:t>
+            </a:r>
+          </a:p>
+          <a:p>
+            <a:pPr marL="285750" indent="-285750" algn="l">
+              <a:buFontTx/>
+              <a:buChar char="-"/>
+            </a:pPr>
+            <a:r>
+              <a:rPr lang="en-US" sz="1800" dirty="0"/>
+              <a:t>We could also use parentheses to change the grouping of operands if the default grouping (based on operator precedence and associativity) isn’t what we want</a:t>
+            </a:r>
+          </a:p>
+          <a:p>
+            <a:pPr marL="285750" indent="-285750" algn="l">
+              <a:buFontTx/>
+              <a:buChar char="-"/>
+            </a:pPr>
+            <a:r>
+              <a:rPr lang="en-US" sz="1800" dirty="0"/>
+              <a:t>In Java, the expression will be evaluated from </a:t>
+            </a:r>
+            <a:r>
+              <a:rPr lang="en-US" sz="1800" b="1" dirty="0"/>
+              <a:t>left to right </a:t>
+            </a:r>
+            <a:r>
+              <a:rPr lang="en-US" sz="1800" dirty="0"/>
+              <a:t>(</a:t>
+            </a:r>
+            <a:r>
+              <a:rPr lang="en-US" sz="1800" dirty="0" err="1"/>
+              <a:t>e.g</a:t>
+            </a:r>
+            <a:r>
+              <a:rPr lang="en-US" sz="1800" dirty="0"/>
+              <a:t>: “</a:t>
+            </a:r>
+            <a:r>
+              <a:rPr lang="en-US" sz="1800" dirty="0" err="1"/>
+              <a:t>GetA</a:t>
+            </a:r>
+            <a:r>
+              <a:rPr lang="en-US" sz="1800" dirty="0"/>
+              <a:t>() – </a:t>
+            </a:r>
+            <a:r>
+              <a:rPr lang="en-US" sz="1800" dirty="0" err="1"/>
+              <a:t>GetB</a:t>
+            </a:r>
+            <a:r>
+              <a:rPr lang="en-US" sz="1800" dirty="0"/>
+              <a:t>() + </a:t>
+            </a:r>
+            <a:r>
+              <a:rPr lang="en-US" sz="1800" dirty="0" err="1"/>
+              <a:t>GetC</a:t>
+            </a:r>
+            <a:r>
+              <a:rPr lang="en-US" sz="1800" dirty="0"/>
+              <a:t>()”, from left to right, </a:t>
+            </a:r>
+            <a:r>
+              <a:rPr lang="en-US" sz="1800" dirty="0" err="1"/>
+              <a:t>GetA</a:t>
+            </a:r>
+            <a:r>
+              <a:rPr lang="en-US" sz="1800" dirty="0"/>
+              <a:t>() will be evaluated first and then </a:t>
+            </a:r>
+            <a:r>
+              <a:rPr lang="en-US" sz="1800" dirty="0" err="1"/>
+              <a:t>GetB</a:t>
+            </a:r>
+            <a:r>
+              <a:rPr lang="en-US" sz="1800" dirty="0"/>
+              <a:t>() and then </a:t>
+            </a:r>
+            <a:r>
+              <a:rPr lang="en-US" sz="1800" dirty="0" err="1"/>
+              <a:t>GetC</a:t>
+            </a:r>
+            <a:r>
+              <a:rPr lang="en-US" sz="1800" dirty="0"/>
+              <a:t>() =&gt; If the invocation of </a:t>
+            </a:r>
+            <a:r>
+              <a:rPr lang="en-US" sz="1800" dirty="0" err="1"/>
+              <a:t>GetA</a:t>
+            </a:r>
+            <a:r>
+              <a:rPr lang="en-US" sz="1800" dirty="0"/>
+              <a:t>() results in an Exception, </a:t>
+            </a:r>
+            <a:r>
+              <a:rPr lang="en-US" sz="1800" dirty="0" err="1"/>
+              <a:t>GetB</a:t>
+            </a:r>
+            <a:r>
+              <a:rPr lang="en-US" sz="1800" dirty="0"/>
+              <a:t>() and </a:t>
+            </a:r>
+            <a:r>
+              <a:rPr lang="en-US" sz="1800" dirty="0" err="1"/>
+              <a:t>GetC</a:t>
+            </a:r>
+            <a:r>
+              <a:rPr lang="en-US" sz="1800" dirty="0"/>
+              <a:t>() won’t be invoked too) </a:t>
+            </a:r>
+          </a:p>
+          <a:p>
+            <a:pPr marL="285750" indent="-285750" algn="l">
+              <a:buFontTx/>
+              <a:buChar char="-"/>
+            </a:pPr>
+            <a:r>
+              <a:rPr lang="en-US" sz="1800" dirty="0"/>
+              <a:t>Even if, we use parentheses to change the grouping of operands, the evaluation order will still maintain the same</a:t>
+            </a:r>
+          </a:p>
+          <a:p>
+            <a:pPr algn="l"/>
+            <a:r>
+              <a:rPr lang="en-US" sz="1800" dirty="0"/>
+              <a:t>(code illustration snippet 16)</a:t>
+            </a:r>
+          </a:p>
+        </p:txBody>
+      </p:sp>
+    </p:spTree>
+    <p:extLst>
+      <p:ext uri="{BB962C8B-B14F-4D97-AF65-F5344CB8AC3E}">
+        <p14:creationId xmlns:p14="http://schemas.microsoft.com/office/powerpoint/2010/main" val="2876311782"/>
+      </p:ext>
+    </p:extLst>
+  </p:cSld>
+  <p:clrMapOvr>
+    <a:masterClrMapping/>
+  </p:clrMapOvr>
+  <p:timing>
+    <p:tnLst>
+      <p:par>
+        <p:cTn id="1" dur="indefinite" restart="never" nodeType="tmRoot">
+          <p:childTnLst>
+            <p:seq concurrent="1" nextAc="seek">
+              <p:cTn id="2" dur="indefinite" nodeType="mainSeq">
+                <p:childTnLst>
+                  <p:par>
+                    <p:cTn id="3" fill="hold">
+                      <p:stCondLst>
+                        <p:cond delay="indefinite"/>
+                      </p:stCondLst>
+                      <p:childTnLst>
+                        <p:par>
+                          <p:cTn id="4" fill="hold">
+                            <p:stCondLst>
+                              <p:cond delay="0"/>
+                            </p:stCondLst>
+                            <p:childTnLst>
+                              <p:par>
+                                <p:cTn id="5" presetID="1" presetClass="entr" presetSubtype="0" fill="hold" nodeType="clickEffect">
+                                  <p:stCondLst>
+                                    <p:cond delay="0"/>
+                                  </p:stCondLst>
+                                  <p:childTnLst>
+                                    <p:set>
+                                      <p:cBhvr>
+                                        <p:cTn id="6" dur="1" fill="hold">
+                                          <p:stCondLst>
+                                            <p:cond delay="0"/>
+                                          </p:stCondLst>
+                                        </p:cTn>
+                                        <p:tgtEl>
+                                          <p:spTgt spid="4">
+                                            <p:txEl>
+                                              <p:pRg st="0" end="0"/>
+                                            </p:txEl>
+                                          </p:spTgt>
+                                        </p:tgtEl>
+                                        <p:attrNameLst>
+                                          <p:attrName>style.visibility</p:attrName>
+                                        </p:attrNameLst>
+                                      </p:cBhvr>
+                                      <p:to>
+                                        <p:strVal val="visible"/>
+                                      </p:to>
+                                    </p:set>
+                                  </p:childTnLst>
+                                </p:cTn>
+                              </p:par>
+                            </p:childTnLst>
+                          </p:cTn>
+                        </p:par>
+                      </p:childTnLst>
+                    </p:cTn>
+                  </p:par>
+                  <p:par>
+                    <p:cTn id="7" fill="hold">
+                      <p:stCondLst>
+                        <p:cond delay="indefinite"/>
+                      </p:stCondLst>
+                      <p:childTnLst>
+                        <p:par>
+                          <p:cTn id="8" fill="hold">
+                            <p:stCondLst>
+                              <p:cond delay="0"/>
+                            </p:stCondLst>
+                            <p:childTnLst>
+                              <p:par>
+                                <p:cTn id="9" presetID="1" presetClass="entr" presetSubtype="0" fill="hold" nodeType="clickEffect">
+                                  <p:stCondLst>
+                                    <p:cond delay="0"/>
+                                  </p:stCondLst>
+                                  <p:childTnLst>
+                                    <p:set>
+                                      <p:cBhvr>
+                                        <p:cTn id="10" dur="1" fill="hold">
+                                          <p:stCondLst>
+                                            <p:cond delay="0"/>
+                                          </p:stCondLst>
+                                        </p:cTn>
+                                        <p:tgtEl>
+                                          <p:spTgt spid="4">
+                                            <p:txEl>
+                                              <p:pRg st="1" end="1"/>
+                                            </p:txEl>
+                                          </p:spTgt>
+                                        </p:tgtEl>
+                                        <p:attrNameLst>
+                                          <p:attrName>style.visibility</p:attrName>
+                                        </p:attrNameLst>
+                                      </p:cBhvr>
+                                      <p:to>
+                                        <p:strVal val="visible"/>
+                                      </p:to>
+                                    </p:set>
+                                  </p:childTnLst>
+                                </p:cTn>
+                              </p:par>
+                            </p:childTnLst>
+                          </p:cTn>
+                        </p:par>
+                      </p:childTnLst>
+                    </p:cTn>
+                  </p:par>
+                  <p:par>
+                    <p:cTn id="11" fill="hold">
+                      <p:stCondLst>
+                        <p:cond delay="indefinite"/>
+                      </p:stCondLst>
+                      <p:childTnLst>
+                        <p:par>
+                          <p:cTn id="12" fill="hold">
+                            <p:stCondLst>
+                              <p:cond delay="0"/>
+                            </p:stCondLst>
+                            <p:childTnLst>
+                              <p:par>
+                                <p:cTn id="13" presetID="1" presetClass="entr" presetSubtype="0" fill="hold" nodeType="clickEffect">
+                                  <p:stCondLst>
+                                    <p:cond delay="0"/>
+                                  </p:stCondLst>
+                                  <p:childTnLst>
+                                    <p:set>
+                                      <p:cBhvr>
+                                        <p:cTn id="14" dur="1" fill="hold">
+                                          <p:stCondLst>
+                                            <p:cond delay="0"/>
+                                          </p:stCondLst>
+                                        </p:cTn>
+                                        <p:tgtEl>
+                                          <p:spTgt spid="4">
+                                            <p:txEl>
+                                              <p:pRg st="2" end="2"/>
+                                            </p:txEl>
+                                          </p:spTgt>
+                                        </p:tgtEl>
+                                        <p:attrNameLst>
+                                          <p:attrName>style.visibility</p:attrName>
+                                        </p:attrNameLst>
+                                      </p:cBhvr>
+                                      <p:to>
+                                        <p:strVal val="visible"/>
+                                      </p:to>
+                                    </p:set>
+                                  </p:childTnLst>
+                                </p:cTn>
+                              </p:par>
+                            </p:childTnLst>
+                          </p:cTn>
+                        </p:par>
+                      </p:childTnLst>
+                    </p:cTn>
+                  </p:par>
+                  <p:par>
+                    <p:cTn id="15" fill="hold">
+                      <p:stCondLst>
+                        <p:cond delay="indefinite"/>
+                      </p:stCondLst>
+                      <p:childTnLst>
+                        <p:par>
+                          <p:cTn id="16" fill="hold">
+                            <p:stCondLst>
+                              <p:cond delay="0"/>
+                            </p:stCondLst>
+                            <p:childTnLst>
+                              <p:par>
+                                <p:cTn id="17" presetID="1" presetClass="entr" presetSubtype="0" fill="hold" nodeType="clickEffect">
+                                  <p:stCondLst>
+                                    <p:cond delay="0"/>
+                                  </p:stCondLst>
+                                  <p:childTnLst>
+                                    <p:set>
+                                      <p:cBhvr>
+                                        <p:cTn id="18" dur="1" fill="hold">
+                                          <p:stCondLst>
+                                            <p:cond delay="0"/>
+                                          </p:stCondLst>
+                                        </p:cTn>
+                                        <p:tgtEl>
+                                          <p:spTgt spid="4">
+                                            <p:txEl>
+                                              <p:pRg st="3" end="3"/>
+                                            </p:txEl>
+                                          </p:spTgt>
+                                        </p:tgtEl>
+                                        <p:attrNameLst>
+                                          <p:attrName>style.visibility</p:attrName>
+                                        </p:attrNameLst>
+                                      </p:cBhvr>
+                                      <p:to>
+                                        <p:strVal val="visible"/>
+                                      </p:to>
+                                    </p:set>
+                                  </p:childTnLst>
+                                </p:cTn>
+                              </p:par>
+                            </p:childTnLst>
+                          </p:cTn>
+                        </p:par>
+                      </p:childTnLst>
+                    </p:cTn>
+                  </p:par>
+                  <p:par>
+                    <p:cTn id="19" fill="hold">
+                      <p:stCondLst>
+                        <p:cond delay="indefinite"/>
+                      </p:stCondLst>
+                      <p:childTnLst>
+                        <p:par>
+                          <p:cTn id="20" fill="hold">
+                            <p:stCondLst>
+                              <p:cond delay="0"/>
+                            </p:stCondLst>
+                            <p:childTnLst>
+                              <p:par>
+                                <p:cTn id="21" presetID="1" presetClass="entr" presetSubtype="0" fill="hold" nodeType="clickEffect">
+                                  <p:stCondLst>
+                                    <p:cond delay="0"/>
+                                  </p:stCondLst>
+                                  <p:childTnLst>
+                                    <p:set>
+                                      <p:cBhvr>
+                                        <p:cTn id="22" dur="1" fill="hold">
+                                          <p:stCondLst>
+                                            <p:cond delay="0"/>
+                                          </p:stCondLst>
+                                        </p:cTn>
+                                        <p:tgtEl>
+                                          <p:spTgt spid="4">
+                                            <p:txEl>
+                                              <p:pRg st="4" end="4"/>
+                                            </p:txEl>
+                                          </p:spTgt>
+                                        </p:tgtEl>
+                                        <p:attrNameLst>
+                                          <p:attrName>style.visibility</p:attrName>
+                                        </p:attrNameLst>
+                                      </p:cBhvr>
+                                      <p:to>
+                                        <p:strVal val="visible"/>
+                                      </p:to>
+                                    </p:set>
+                                  </p:childTnLst>
+                                </p:cTn>
+                              </p:par>
+                            </p:childTnLst>
+                          </p:cTn>
+                        </p:par>
+                      </p:childTnLst>
+                    </p:cTn>
+                  </p:par>
+                  <p:par>
+                    <p:cTn id="23" fill="hold">
+                      <p:stCondLst>
+                        <p:cond delay="indefinite"/>
+                      </p:stCondLst>
+                      <p:childTnLst>
+                        <p:par>
+                          <p:cTn id="24" fill="hold">
+                            <p:stCondLst>
+                              <p:cond delay="0"/>
+                            </p:stCondLst>
+                            <p:childTnLst>
+                              <p:par>
+                                <p:cTn id="25" presetID="1" presetClass="entr" presetSubtype="0" fill="hold" nodeType="clickEffect">
+                                  <p:stCondLst>
+                                    <p:cond delay="0"/>
+                                  </p:stCondLst>
+                                  <p:childTnLst>
+                                    <p:set>
+                                      <p:cBhvr>
+                                        <p:cTn id="26" dur="1" fill="hold">
+                                          <p:stCondLst>
+                                            <p:cond delay="0"/>
+                                          </p:stCondLst>
+                                        </p:cTn>
+                                        <p:tgtEl>
+                                          <p:spTgt spid="4">
+                                            <p:txEl>
+                                              <p:pRg st="5" end="5"/>
+                                            </p:txEl>
+                                          </p:spTgt>
+                                        </p:tgtEl>
+                                        <p:attrNameLst>
+                                          <p:attrName>style.visibility</p:attrName>
+                                        </p:attrNameLst>
+                                      </p:cBhvr>
+                                      <p:to>
+                                        <p:strVal val="visible"/>
+                                      </p:to>
+                                    </p:set>
+                                  </p:childTnLst>
+                                </p:cTn>
+                              </p:par>
+                            </p:childTnLst>
+                          </p:cTn>
+                        </p:par>
+                      </p:childTnLst>
+                    </p:cTn>
+                  </p:par>
+                  <p:par>
+                    <p:cTn id="27" fill="hold">
+                      <p:stCondLst>
+                        <p:cond delay="indefinite"/>
+                      </p:stCondLst>
+                      <p:childTnLst>
+                        <p:par>
+                          <p:cTn id="28" fill="hold">
+                            <p:stCondLst>
+                              <p:cond delay="0"/>
+                            </p:stCondLst>
+                            <p:childTnLst>
+                              <p:par>
+                                <p:cTn id="29" presetID="1" presetClass="entr" presetSubtype="0" fill="hold" nodeType="clickEffect">
+                                  <p:stCondLst>
+                                    <p:cond delay="0"/>
+                                  </p:stCondLst>
+                                  <p:childTnLst>
+                                    <p:set>
+                                      <p:cBhvr>
+                                        <p:cTn id="30" dur="1" fill="hold">
+                                          <p:stCondLst>
+                                            <p:cond delay="0"/>
+                                          </p:stCondLst>
+                                        </p:cTn>
+                                        <p:tgtEl>
+                                          <p:spTgt spid="4">
+                                            <p:txEl>
+                                              <p:pRg st="6" end="6"/>
+                                            </p:txEl>
+                                          </p:spTgt>
+                                        </p:tgtEl>
+                                        <p:attrNameLst>
+                                          <p:attrName>style.visibility</p:attrName>
+                                        </p:attrNameLst>
+                                      </p:cBhvr>
+                                      <p:to>
+                                        <p:strVal val="visible"/>
+                                      </p:to>
+                                    </p:set>
+                                  </p:childTnLst>
+                                </p:cTn>
+                              </p:par>
+                            </p:childTnLst>
+                          </p:cTn>
+                        </p:par>
+                      </p:childTnLst>
+                    </p:cTn>
+                  </p:par>
+                  <p:par>
+                    <p:cTn id="31" fill="hold">
+                      <p:stCondLst>
+                        <p:cond delay="indefinite"/>
+                      </p:stCondLst>
+                      <p:childTnLst>
+                        <p:par>
+                          <p:cTn id="32" fill="hold">
+                            <p:stCondLst>
+                              <p:cond delay="0"/>
+                            </p:stCondLst>
+                            <p:childTnLst>
+                              <p:par>
+                                <p:cTn id="33" presetID="1" presetClass="entr" presetSubtype="0" fill="hold" nodeType="clickEffect">
+                                  <p:stCondLst>
+                                    <p:cond delay="0"/>
+                                  </p:stCondLst>
+                                  <p:childTnLst>
+                                    <p:set>
+                                      <p:cBhvr>
+                                        <p:cTn id="34" dur="1" fill="hold">
+                                          <p:stCondLst>
+                                            <p:cond delay="0"/>
+                                          </p:stCondLst>
+                                        </p:cTn>
+                                        <p:tgtEl>
+                                          <p:spTgt spid="4">
+                                            <p:txEl>
+                                              <p:pRg st="7" end="7"/>
                                             </p:txEl>
                                           </p:spTgt>
                                         </p:tgtEl>
